--- a/ニホンイシガメの法律相談所.pptx
+++ b/ニホンイシガメの法律相談所.pptx
@@ -4,9 +4,14 @@
   <p:sldMasterIdLst>
     <p:sldMasterId id="2147483648" r:id="rId1"/>
   </p:sldMasterIdLst>
+  <p:notesMasterIdLst>
+    <p:notesMasterId r:id="rId6"/>
+  </p:notesMasterIdLst>
   <p:sldIdLst>
     <p:sldId id="257" r:id="rId2"/>
     <p:sldId id="256" r:id="rId3"/>
+    <p:sldId id="258" r:id="rId4"/>
+    <p:sldId id="259" r:id="rId5"/>
   </p:sldIdLst>
   <p:sldSz cx="12192000" cy="6858000"/>
   <p:notesSz cx="6858000" cy="9144000"/>
@@ -116,7 +121,7 @@
 <file path=ppt/revisionInfo.xml><?xml version="1.0" encoding="utf-8"?>
 <p1510:revInfo xmlns:a="http://schemas.openxmlformats.org/drawingml/2006/main" xmlns:r="http://schemas.openxmlformats.org/officeDocument/2006/relationships" xmlns:p1510="http://schemas.microsoft.com/office/powerpoint/2015/10/main">
   <p1510:revLst>
-    <p1510:client id="{1F091A52-BC06-4620-AECD-E3A7A3B9471C}" v="15" dt="2025-05-11T22:38:42.177"/>
+    <p1510:client id="{1F091A52-BC06-4620-AECD-E3A7A3B9471C}" v="70" dt="2025-06-05T14:14:26.194"/>
   </p1510:revLst>
 </p1510:revInfo>
 </file>
@@ -126,7 +131,7 @@
   <pc:docChgLst>
     <pc:chgData name="明子 増田屋" userId="60949eca5d7422b1" providerId="LiveId" clId="{1F091A52-BC06-4620-AECD-E3A7A3B9471C}"/>
     <pc:docChg chg="undo custSel addSld modSld sldOrd">
-      <pc:chgData name="明子 増田屋" userId="60949eca5d7422b1" providerId="LiveId" clId="{1F091A52-BC06-4620-AECD-E3A7A3B9471C}" dt="2025-05-11T22:39:50.963" v="364" actId="1076"/>
+      <pc:chgData name="明子 増田屋" userId="60949eca5d7422b1" providerId="LiveId" clId="{1F091A52-BC06-4620-AECD-E3A7A3B9471C}" dt="2025-06-05T14:16:16.781" v="1044" actId="1036"/>
       <pc:docMkLst>
         <pc:docMk/>
       </pc:docMkLst>
@@ -279,36 +284,12 @@
           <pc:docMk/>
           <pc:sldMk cId="1285173516" sldId="257"/>
         </pc:sldMkLst>
-        <pc:spChg chg="del">
-          <ac:chgData name="明子 増田屋" userId="60949eca5d7422b1" providerId="LiveId" clId="{1F091A52-BC06-4620-AECD-E3A7A3B9471C}" dt="2025-05-11T08:00:17.776" v="192" actId="478"/>
-          <ac:spMkLst>
-            <pc:docMk/>
-            <pc:sldMk cId="1285173516" sldId="257"/>
-            <ac:spMk id="2" creationId="{D1BD4BCE-4A5A-FEBC-B4FB-531506D0CCAE}"/>
-          </ac:spMkLst>
-        </pc:spChg>
-        <pc:spChg chg="del">
-          <ac:chgData name="明子 増田屋" userId="60949eca5d7422b1" providerId="LiveId" clId="{1F091A52-BC06-4620-AECD-E3A7A3B9471C}" dt="2025-05-11T08:00:17.776" v="192" actId="478"/>
-          <ac:spMkLst>
-            <pc:docMk/>
-            <pc:sldMk cId="1285173516" sldId="257"/>
-            <ac:spMk id="3" creationId="{0986283C-E8F5-A0D4-28C0-341695780813}"/>
-          </ac:spMkLst>
-        </pc:spChg>
         <pc:spChg chg="add mod">
           <ac:chgData name="明子 増田屋" userId="60949eca5d7422b1" providerId="LiveId" clId="{1F091A52-BC06-4620-AECD-E3A7A3B9471C}" dt="2025-05-11T08:33:57.965" v="221" actId="26606"/>
           <ac:spMkLst>
             <pc:docMk/>
             <pc:sldMk cId="1285173516" sldId="257"/>
             <ac:spMk id="5" creationId="{B5A41294-2CC8-6E40-EC37-6AD3AC36DC24}"/>
-          </ac:spMkLst>
-        </pc:spChg>
-        <pc:spChg chg="add del">
-          <ac:chgData name="明子 増田屋" userId="60949eca5d7422b1" providerId="LiveId" clId="{1F091A52-BC06-4620-AECD-E3A7A3B9471C}" dt="2025-05-11T08:31:57.312" v="201" actId="478"/>
-          <ac:spMkLst>
-            <pc:docMk/>
-            <pc:sldMk cId="1285173516" sldId="257"/>
-            <ac:spMk id="7" creationId="{7FFB18E1-F0AD-4402-8069-6E1D2CBBB8D1}"/>
           </ac:spMkLst>
         </pc:spChg>
         <pc:spChg chg="add mod">
@@ -319,86 +300,6 @@
             <ac:spMk id="13" creationId="{43EF331E-1A95-1957-38C7-6A2FA47F3F08}"/>
           </ac:spMkLst>
         </pc:spChg>
-        <pc:spChg chg="add del">
-          <ac:chgData name="明子 増田屋" userId="60949eca5d7422b1" providerId="LiveId" clId="{1F091A52-BC06-4620-AECD-E3A7A3B9471C}" dt="2025-05-11T08:33:34.812" v="211" actId="26606"/>
-          <ac:spMkLst>
-            <pc:docMk/>
-            <pc:sldMk cId="1285173516" sldId="257"/>
-            <ac:spMk id="16" creationId="{FB5B0058-AF13-4859-B429-4EDDE2A26F7F}"/>
-          </ac:spMkLst>
-        </pc:spChg>
-        <pc:spChg chg="add del">
-          <ac:chgData name="明子 増田屋" userId="60949eca5d7422b1" providerId="LiveId" clId="{1F091A52-BC06-4620-AECD-E3A7A3B9471C}" dt="2025-05-11T08:33:34.812" v="211" actId="26606"/>
-          <ac:spMkLst>
-            <pc:docMk/>
-            <pc:sldMk cId="1285173516" sldId="257"/>
-            <ac:spMk id="20" creationId="{A4A161CC-6DC5-4863-B213-94529D6E06D7}"/>
-          </ac:spMkLst>
-        </pc:spChg>
-        <pc:spChg chg="add del">
-          <ac:chgData name="明子 増田屋" userId="60949eca5d7422b1" providerId="LiveId" clId="{1F091A52-BC06-4620-AECD-E3A7A3B9471C}" dt="2025-05-11T08:33:41.947" v="213" actId="26606"/>
-          <ac:spMkLst>
-            <pc:docMk/>
-            <pc:sldMk cId="1285173516" sldId="257"/>
-            <ac:spMk id="22" creationId="{9B7AD9F6-8CE7-4299-8FC6-328F4DCD3FF9}"/>
-          </ac:spMkLst>
-        </pc:spChg>
-        <pc:spChg chg="add del">
-          <ac:chgData name="明子 増田屋" userId="60949eca5d7422b1" providerId="LiveId" clId="{1F091A52-BC06-4620-AECD-E3A7A3B9471C}" dt="2025-05-11T08:33:41.947" v="213" actId="26606"/>
-          <ac:spMkLst>
-            <pc:docMk/>
-            <pc:sldMk cId="1285173516" sldId="257"/>
-            <ac:spMk id="23" creationId="{F49775AF-8896-43EE-92C6-83497D6DC56F}"/>
-          </ac:spMkLst>
-        </pc:spChg>
-        <pc:spChg chg="add del">
-          <ac:chgData name="明子 増田屋" userId="60949eca5d7422b1" providerId="LiveId" clId="{1F091A52-BC06-4620-AECD-E3A7A3B9471C}" dt="2025-05-11T08:33:44.495" v="215" actId="26606"/>
-          <ac:spMkLst>
-            <pc:docMk/>
-            <pc:sldMk cId="1285173516" sldId="257"/>
-            <ac:spMk id="25" creationId="{7D9D36D6-2AC5-46A1-A849-4C82D5264A3A}"/>
-          </ac:spMkLst>
-        </pc:spChg>
-        <pc:spChg chg="add del">
-          <ac:chgData name="明子 増田屋" userId="60949eca5d7422b1" providerId="LiveId" clId="{1F091A52-BC06-4620-AECD-E3A7A3B9471C}" dt="2025-05-11T08:33:46.290" v="217" actId="26606"/>
-          <ac:spMkLst>
-            <pc:docMk/>
-            <pc:sldMk cId="1285173516" sldId="257"/>
-            <ac:spMk id="27" creationId="{06DA9DF9-31F7-4056-B42E-878CC92417B8}"/>
-          </ac:spMkLst>
-        </pc:spChg>
-        <pc:spChg chg="add del">
-          <ac:chgData name="明子 増田屋" userId="60949eca5d7422b1" providerId="LiveId" clId="{1F091A52-BC06-4620-AECD-E3A7A3B9471C}" dt="2025-05-11T08:33:49.528" v="219" actId="26606"/>
-          <ac:spMkLst>
-            <pc:docMk/>
-            <pc:sldMk cId="1285173516" sldId="257"/>
-            <ac:spMk id="29" creationId="{9B7AD9F6-8CE7-4299-8FC6-328F4DCD3FF9}"/>
-          </ac:spMkLst>
-        </pc:spChg>
-        <pc:spChg chg="add del">
-          <ac:chgData name="明子 増田屋" userId="60949eca5d7422b1" providerId="LiveId" clId="{1F091A52-BC06-4620-AECD-E3A7A3B9471C}" dt="2025-05-11T08:33:49.528" v="219" actId="26606"/>
-          <ac:spMkLst>
-            <pc:docMk/>
-            <pc:sldMk cId="1285173516" sldId="257"/>
-            <ac:spMk id="30" creationId="{F49775AF-8896-43EE-92C6-83497D6DC56F}"/>
-          </ac:spMkLst>
-        </pc:spChg>
-        <pc:spChg chg="add del">
-          <ac:chgData name="明子 増田屋" userId="60949eca5d7422b1" providerId="LiveId" clId="{1F091A52-BC06-4620-AECD-E3A7A3B9471C}" dt="2025-05-11T08:33:57.965" v="221" actId="26606"/>
-          <ac:spMkLst>
-            <pc:docMk/>
-            <pc:sldMk cId="1285173516" sldId="257"/>
-            <ac:spMk id="32" creationId="{7D9D36D6-2AC5-46A1-A849-4C82D5264A3A}"/>
-          </ac:spMkLst>
-        </pc:spChg>
-        <pc:picChg chg="add del mod">
-          <ac:chgData name="明子 増田屋" userId="60949eca5d7422b1" providerId="LiveId" clId="{1F091A52-BC06-4620-AECD-E3A7A3B9471C}" dt="2025-05-11T08:32:20.295" v="206" actId="478"/>
-          <ac:picMkLst>
-            <pc:docMk/>
-            <pc:sldMk cId="1285173516" sldId="257"/>
-            <ac:picMk id="9" creationId="{C3C030D1-8816-EE71-AAD7-0F95D3AA840B}"/>
-          </ac:picMkLst>
-        </pc:picChg>
         <pc:picChg chg="add mod">
           <ac:chgData name="明子 増田屋" userId="60949eca5d7422b1" providerId="LiveId" clId="{1F091A52-BC06-4620-AECD-E3A7A3B9471C}" dt="2025-05-11T08:34:03.219" v="224" actId="1076"/>
           <ac:picMkLst>
@@ -407,18 +308,1169 @@
             <ac:picMk id="11" creationId="{307D8C41-4423-5C43-85C6-5FE45E085EBC}"/>
           </ac:picMkLst>
         </pc:picChg>
-        <pc:cxnChg chg="add del">
-          <ac:chgData name="明子 増田屋" userId="60949eca5d7422b1" providerId="LiveId" clId="{1F091A52-BC06-4620-AECD-E3A7A3B9471C}" dt="2025-05-11T08:33:34.812" v="211" actId="26606"/>
+      </pc:sldChg>
+      <pc:sldChg chg="addSp delSp modSp new mod">
+        <pc:chgData name="明子 増田屋" userId="60949eca5d7422b1" providerId="LiveId" clId="{1F091A52-BC06-4620-AECD-E3A7A3B9471C}" dt="2025-06-05T14:02:23.112" v="837"/>
+        <pc:sldMkLst>
+          <pc:docMk/>
+          <pc:sldMk cId="649846274" sldId="258"/>
+        </pc:sldMkLst>
+        <pc:spChg chg="del">
+          <ac:chgData name="明子 増田屋" userId="60949eca5d7422b1" providerId="LiveId" clId="{1F091A52-BC06-4620-AECD-E3A7A3B9471C}" dt="2025-06-05T12:49:54.560" v="366" actId="478"/>
+          <ac:spMkLst>
+            <pc:docMk/>
+            <pc:sldMk cId="649846274" sldId="258"/>
+            <ac:spMk id="2" creationId="{D7DFD2EF-6887-E201-7E12-D46C89F85A4E}"/>
+          </ac:spMkLst>
+        </pc:spChg>
+        <pc:spChg chg="del">
+          <ac:chgData name="明子 増田屋" userId="60949eca5d7422b1" providerId="LiveId" clId="{1F091A52-BC06-4620-AECD-E3A7A3B9471C}" dt="2025-06-05T12:49:54.560" v="366" actId="478"/>
+          <ac:spMkLst>
+            <pc:docMk/>
+            <pc:sldMk cId="649846274" sldId="258"/>
+            <ac:spMk id="3" creationId="{3FB9A4ED-9EF4-B55E-39FC-94F05C5103F1}"/>
+          </ac:spMkLst>
+        </pc:spChg>
+        <pc:spChg chg="add del mod">
+          <ac:chgData name="明子 増田屋" userId="60949eca5d7422b1" providerId="LiveId" clId="{1F091A52-BC06-4620-AECD-E3A7A3B9471C}" dt="2025-06-05T12:50:07.955" v="370" actId="22"/>
+          <ac:spMkLst>
+            <pc:docMk/>
+            <pc:sldMk cId="649846274" sldId="258"/>
+            <ac:spMk id="5" creationId="{BE6DAD54-C754-EFF0-7C5F-DCDC4A1B1D07}"/>
+          </ac:spMkLst>
+        </pc:spChg>
+        <pc:spChg chg="add mod ord">
+          <ac:chgData name="明子 増田屋" userId="60949eca5d7422b1" providerId="LiveId" clId="{1F091A52-BC06-4620-AECD-E3A7A3B9471C}" dt="2025-06-05T13:21:26.194" v="553" actId="164"/>
+          <ac:spMkLst>
+            <pc:docMk/>
+            <pc:sldMk cId="649846274" sldId="258"/>
+            <ac:spMk id="31" creationId="{CD0A892B-DE84-A474-E5B1-9D4666970FDA}"/>
+          </ac:spMkLst>
+        </pc:spChg>
+        <pc:spChg chg="add mod">
+          <ac:chgData name="明子 増田屋" userId="60949eca5d7422b1" providerId="LiveId" clId="{1F091A52-BC06-4620-AECD-E3A7A3B9471C}" dt="2025-06-05T13:21:31.127" v="554" actId="164"/>
+          <ac:spMkLst>
+            <pc:docMk/>
+            <pc:sldMk cId="649846274" sldId="258"/>
+            <ac:spMk id="32" creationId="{D10E3016-4E2C-0F88-E6FE-69831F8F0181}"/>
+          </ac:spMkLst>
+        </pc:spChg>
+        <pc:spChg chg="mod topLvl">
+          <ac:chgData name="明子 増田屋" userId="60949eca5d7422b1" providerId="LiveId" clId="{1F091A52-BC06-4620-AECD-E3A7A3B9471C}" dt="2025-06-05T13:23:45.647" v="696" actId="164"/>
+          <ac:spMkLst>
+            <pc:docMk/>
+            <pc:sldMk cId="649846274" sldId="258"/>
+            <ac:spMk id="37" creationId="{AA8EF419-0136-0C16-C7A6-E354EA15A5C3}"/>
+          </ac:spMkLst>
+        </pc:spChg>
+        <pc:spChg chg="add mod">
+          <ac:chgData name="明子 増田屋" userId="60949eca5d7422b1" providerId="LiveId" clId="{1F091A52-BC06-4620-AECD-E3A7A3B9471C}" dt="2025-06-05T13:23:55.208" v="699" actId="164"/>
+          <ac:spMkLst>
+            <pc:docMk/>
+            <pc:sldMk cId="649846274" sldId="258"/>
+            <ac:spMk id="40" creationId="{1A040AD3-EA85-410F-C2FB-D211A398D097}"/>
+          </ac:spMkLst>
+        </pc:spChg>
+        <pc:spChg chg="add mod">
+          <ac:chgData name="明子 増田屋" userId="60949eca5d7422b1" providerId="LiveId" clId="{1F091A52-BC06-4620-AECD-E3A7A3B9471C}" dt="2025-06-05T13:36:27.012" v="790" actId="164"/>
+          <ac:spMkLst>
+            <pc:docMk/>
+            <pc:sldMk cId="649846274" sldId="258"/>
+            <ac:spMk id="43" creationId="{BCFB38F6-3D11-3CC0-348B-C08AB44CB092}"/>
+          </ac:spMkLst>
+        </pc:spChg>
+        <pc:spChg chg="add mod">
+          <ac:chgData name="明子 増田屋" userId="60949eca5d7422b1" providerId="LiveId" clId="{1F091A52-BC06-4620-AECD-E3A7A3B9471C}" dt="2025-06-05T13:37:35.008" v="836" actId="164"/>
+          <ac:spMkLst>
+            <pc:docMk/>
+            <pc:sldMk cId="649846274" sldId="258"/>
+            <ac:spMk id="51" creationId="{283BF121-FE64-6DF7-B70B-DE874EDEF6E6}"/>
+          </ac:spMkLst>
+        </pc:spChg>
+        <pc:spChg chg="mod">
+          <ac:chgData name="明子 増田屋" userId="60949eca5d7422b1" providerId="LiveId" clId="{1F091A52-BC06-4620-AECD-E3A7A3B9471C}" dt="2025-06-05T14:02:23.112" v="837"/>
+          <ac:spMkLst>
+            <pc:docMk/>
+            <pc:sldMk cId="649846274" sldId="258"/>
+            <ac:spMk id="57" creationId="{82FD5BBA-2729-E8B6-DBA4-F305751B221E}"/>
+          </ac:spMkLst>
+        </pc:spChg>
+        <pc:grpChg chg="add mod">
+          <ac:chgData name="明子 増田屋" userId="60949eca5d7422b1" providerId="LiveId" clId="{1F091A52-BC06-4620-AECD-E3A7A3B9471C}" dt="2025-06-05T13:21:26.194" v="553" actId="164"/>
+          <ac:grpSpMkLst>
+            <pc:docMk/>
+            <pc:sldMk cId="649846274" sldId="258"/>
+            <ac:grpSpMk id="34" creationId="{ED3BAC09-7FD4-0005-0D3A-5D9AFACA73AC}"/>
+          </ac:grpSpMkLst>
+        </pc:grpChg>
+        <pc:grpChg chg="add mod">
+          <ac:chgData name="明子 増田屋" userId="60949eca5d7422b1" providerId="LiveId" clId="{1F091A52-BC06-4620-AECD-E3A7A3B9471C}" dt="2025-06-05T13:21:31.127" v="554" actId="164"/>
+          <ac:grpSpMkLst>
+            <pc:docMk/>
+            <pc:sldMk cId="649846274" sldId="258"/>
+            <ac:grpSpMk id="35" creationId="{B38D9587-CD46-917A-117A-62B3EC77A017}"/>
+          </ac:grpSpMkLst>
+        </pc:grpChg>
+        <pc:grpChg chg="add del mod">
+          <ac:chgData name="明子 増田屋" userId="60949eca5d7422b1" providerId="LiveId" clId="{1F091A52-BC06-4620-AECD-E3A7A3B9471C}" dt="2025-06-05T13:21:41.009" v="556" actId="165"/>
+          <ac:grpSpMkLst>
+            <pc:docMk/>
+            <pc:sldMk cId="649846274" sldId="258"/>
+            <ac:grpSpMk id="36" creationId="{E88F5713-1D06-3A30-2199-A26890A57B92}"/>
+          </ac:grpSpMkLst>
+        </pc:grpChg>
+        <pc:grpChg chg="add mod">
+          <ac:chgData name="明子 増田屋" userId="60949eca5d7422b1" providerId="LiveId" clId="{1F091A52-BC06-4620-AECD-E3A7A3B9471C}" dt="2025-06-05T13:23:45.647" v="696" actId="164"/>
+          <ac:grpSpMkLst>
+            <pc:docMk/>
+            <pc:sldMk cId="649846274" sldId="258"/>
+            <ac:grpSpMk id="42" creationId="{2138DB29-3963-6F02-A4E3-0BE6D80E204F}"/>
+          </ac:grpSpMkLst>
+        </pc:grpChg>
+        <pc:grpChg chg="add mod">
+          <ac:chgData name="明子 増田屋" userId="60949eca5d7422b1" providerId="LiveId" clId="{1F091A52-BC06-4620-AECD-E3A7A3B9471C}" dt="2025-06-05T13:23:55.208" v="699" actId="164"/>
+          <ac:grpSpMkLst>
+            <pc:docMk/>
+            <pc:sldMk cId="649846274" sldId="258"/>
+            <ac:grpSpMk id="44" creationId="{920F6626-88CC-41B3-6877-32F14BDD89C7}"/>
+          </ac:grpSpMkLst>
+        </pc:grpChg>
+        <pc:grpChg chg="add mod">
+          <ac:chgData name="明子 増田屋" userId="60949eca5d7422b1" providerId="LiveId" clId="{1F091A52-BC06-4620-AECD-E3A7A3B9471C}" dt="2025-06-05T13:36:27.012" v="790" actId="164"/>
+          <ac:grpSpMkLst>
+            <pc:docMk/>
+            <pc:sldMk cId="649846274" sldId="258"/>
+            <ac:grpSpMk id="52" creationId="{DD218DB5-08F8-B366-7C02-F94C2BE3248A}"/>
+          </ac:grpSpMkLst>
+        </pc:grpChg>
+        <pc:grpChg chg="add mod">
+          <ac:chgData name="明子 増田屋" userId="60949eca5d7422b1" providerId="LiveId" clId="{1F091A52-BC06-4620-AECD-E3A7A3B9471C}" dt="2025-06-05T13:37:35.008" v="836" actId="164"/>
+          <ac:grpSpMkLst>
+            <pc:docMk/>
+            <pc:sldMk cId="649846274" sldId="258"/>
+            <ac:grpSpMk id="54" creationId="{5D7868F8-AB25-4909-768E-793F1127ED20}"/>
+          </ac:grpSpMkLst>
+        </pc:grpChg>
+        <pc:grpChg chg="add mod">
+          <ac:chgData name="明子 増田屋" userId="60949eca5d7422b1" providerId="LiveId" clId="{1F091A52-BC06-4620-AECD-E3A7A3B9471C}" dt="2025-06-05T14:02:23.112" v="837"/>
+          <ac:grpSpMkLst>
+            <pc:docMk/>
+            <pc:sldMk cId="649846274" sldId="258"/>
+            <ac:grpSpMk id="55" creationId="{7A22FA9C-35FA-EB26-54EC-598605640409}"/>
+          </ac:grpSpMkLst>
+        </pc:grpChg>
+        <pc:picChg chg="add mod ord">
+          <ac:chgData name="明子 増田屋" userId="60949eca5d7422b1" providerId="LiveId" clId="{1F091A52-BC06-4620-AECD-E3A7A3B9471C}" dt="2025-06-05T13:36:05.929" v="750" actId="1076"/>
+          <ac:picMkLst>
+            <pc:docMk/>
+            <pc:sldMk cId="649846274" sldId="258"/>
+            <ac:picMk id="7" creationId="{A40B20A1-D6A9-0CC2-9430-FAA4E2CEDBF3}"/>
+          </ac:picMkLst>
+        </pc:picChg>
+        <pc:picChg chg="add mod">
+          <ac:chgData name="明子 増田屋" userId="60949eca5d7422b1" providerId="LiveId" clId="{1F091A52-BC06-4620-AECD-E3A7A3B9471C}" dt="2025-06-05T13:37:15.035" v="830" actId="1076"/>
+          <ac:picMkLst>
+            <pc:docMk/>
+            <pc:sldMk cId="649846274" sldId="258"/>
+            <ac:picMk id="9" creationId="{10870FA0-E1F6-1345-C5D0-E7885A708073}"/>
+          </ac:picMkLst>
+        </pc:picChg>
+        <pc:picChg chg="add mod">
+          <ac:chgData name="明子 増田屋" userId="60949eca5d7422b1" providerId="LiveId" clId="{1F091A52-BC06-4620-AECD-E3A7A3B9471C}" dt="2025-06-05T12:52:42.063" v="386" actId="1076"/>
+          <ac:picMkLst>
+            <pc:docMk/>
+            <pc:sldMk cId="649846274" sldId="258"/>
+            <ac:picMk id="10" creationId="{3982B558-F101-C9DA-9C4D-11C5592590E1}"/>
+          </ac:picMkLst>
+        </pc:picChg>
+        <pc:picChg chg="add mod">
+          <ac:chgData name="明子 増田屋" userId="60949eca5d7422b1" providerId="LiveId" clId="{1F091A52-BC06-4620-AECD-E3A7A3B9471C}" dt="2025-06-05T12:52:44.772" v="387" actId="571"/>
+          <ac:picMkLst>
+            <pc:docMk/>
+            <pc:sldMk cId="649846274" sldId="258"/>
+            <ac:picMk id="11" creationId="{6BA2FB09-8B07-BB2C-BCFD-2811CA180236}"/>
+          </ac:picMkLst>
+        </pc:picChg>
+        <pc:picChg chg="add mod">
+          <ac:chgData name="明子 増田屋" userId="60949eca5d7422b1" providerId="LiveId" clId="{1F091A52-BC06-4620-AECD-E3A7A3B9471C}" dt="2025-06-05T12:52:47.597" v="388" actId="571"/>
+          <ac:picMkLst>
+            <pc:docMk/>
+            <pc:sldMk cId="649846274" sldId="258"/>
+            <ac:picMk id="12" creationId="{2643EDDE-2C75-0558-E210-88739BCA6FE1}"/>
+          </ac:picMkLst>
+        </pc:picChg>
+        <pc:picChg chg="add mod">
+          <ac:chgData name="明子 増田屋" userId="60949eca5d7422b1" providerId="LiveId" clId="{1F091A52-BC06-4620-AECD-E3A7A3B9471C}" dt="2025-06-05T12:52:53.501" v="391" actId="1036"/>
+          <ac:picMkLst>
+            <pc:docMk/>
+            <pc:sldMk cId="649846274" sldId="258"/>
+            <ac:picMk id="13" creationId="{1A035C78-2E93-6018-974A-139214C4E306}"/>
+          </ac:picMkLst>
+        </pc:picChg>
+        <pc:picChg chg="add mod">
+          <ac:chgData name="明子 増田屋" userId="60949eca5d7422b1" providerId="LiveId" clId="{1F091A52-BC06-4620-AECD-E3A7A3B9471C}" dt="2025-06-05T12:53:00.062" v="392" actId="571"/>
+          <ac:picMkLst>
+            <pc:docMk/>
+            <pc:sldMk cId="649846274" sldId="258"/>
+            <ac:picMk id="14" creationId="{37BBEFB0-783F-E161-30C0-653B66DC254B}"/>
+          </ac:picMkLst>
+        </pc:picChg>
+        <pc:picChg chg="add mod">
+          <ac:chgData name="明子 増田屋" userId="60949eca5d7422b1" providerId="LiveId" clId="{1F091A52-BC06-4620-AECD-E3A7A3B9471C}" dt="2025-06-05T12:53:14.523" v="396" actId="14100"/>
+          <ac:picMkLst>
+            <pc:docMk/>
+            <pc:sldMk cId="649846274" sldId="258"/>
+            <ac:picMk id="16" creationId="{50E2A52E-BAD5-1F35-C754-D2BB3329EDC2}"/>
+          </ac:picMkLst>
+        </pc:picChg>
+        <pc:picChg chg="add mod">
+          <ac:chgData name="明子 増田屋" userId="60949eca5d7422b1" providerId="LiveId" clId="{1F091A52-BC06-4620-AECD-E3A7A3B9471C}" dt="2025-06-05T12:53:42.624" v="404" actId="14100"/>
+          <ac:picMkLst>
+            <pc:docMk/>
+            <pc:sldMk cId="649846274" sldId="258"/>
+            <ac:picMk id="18" creationId="{3571066D-3D94-7207-8865-BD4E20F3ABB2}"/>
+          </ac:picMkLst>
+        </pc:picChg>
+        <pc:picChg chg="add mod">
+          <ac:chgData name="明子 増田屋" userId="60949eca5d7422b1" providerId="LiveId" clId="{1F091A52-BC06-4620-AECD-E3A7A3B9471C}" dt="2025-06-05T12:53:59.477" v="409" actId="14100"/>
+          <ac:picMkLst>
+            <pc:docMk/>
+            <pc:sldMk cId="649846274" sldId="258"/>
+            <ac:picMk id="20" creationId="{DA520F50-CD2C-8657-B4AD-6F239FCDEDAD}"/>
+          </ac:picMkLst>
+        </pc:picChg>
+        <pc:picChg chg="add mod">
+          <ac:chgData name="明子 増田屋" userId="60949eca5d7422b1" providerId="LiveId" clId="{1F091A52-BC06-4620-AECD-E3A7A3B9471C}" dt="2025-06-05T13:00:28.467" v="414" actId="14100"/>
+          <ac:picMkLst>
+            <pc:docMk/>
+            <pc:sldMk cId="649846274" sldId="258"/>
+            <ac:picMk id="22" creationId="{2E8CAC86-8ED4-CE08-416E-12112F511DAE}"/>
+          </ac:picMkLst>
+        </pc:picChg>
+        <pc:picChg chg="add mod">
+          <ac:chgData name="明子 増田屋" userId="60949eca5d7422b1" providerId="LiveId" clId="{1F091A52-BC06-4620-AECD-E3A7A3B9471C}" dt="2025-06-05T13:00:57.417" v="417" actId="1076"/>
+          <ac:picMkLst>
+            <pc:docMk/>
+            <pc:sldMk cId="649846274" sldId="258"/>
+            <ac:picMk id="23" creationId="{81305413-90ED-814A-F9A3-FCB84EAC63C5}"/>
+          </ac:picMkLst>
+        </pc:picChg>
+        <pc:picChg chg="add mod">
+          <ac:chgData name="明子 増田屋" userId="60949eca5d7422b1" providerId="LiveId" clId="{1F091A52-BC06-4620-AECD-E3A7A3B9471C}" dt="2025-06-05T13:01:16.446" v="421" actId="1076"/>
+          <ac:picMkLst>
+            <pc:docMk/>
+            <pc:sldMk cId="649846274" sldId="258"/>
+            <ac:picMk id="24" creationId="{52A34AA1-A5C0-C710-C454-AEC7A72C02B3}"/>
+          </ac:picMkLst>
+        </pc:picChg>
+        <pc:picChg chg="add mod">
+          <ac:chgData name="明子 増田屋" userId="60949eca5d7422b1" providerId="LiveId" clId="{1F091A52-BC06-4620-AECD-E3A7A3B9471C}" dt="2025-06-05T13:01:27.957" v="423" actId="571"/>
+          <ac:picMkLst>
+            <pc:docMk/>
+            <pc:sldMk cId="649846274" sldId="258"/>
+            <ac:picMk id="25" creationId="{F36AF814-EEA7-C054-DA10-6489DF0C220A}"/>
+          </ac:picMkLst>
+        </pc:picChg>
+        <pc:picChg chg="add mod">
+          <ac:chgData name="明子 増田屋" userId="60949eca5d7422b1" providerId="LiveId" clId="{1F091A52-BC06-4620-AECD-E3A7A3B9471C}" dt="2025-06-05T13:01:38.352" v="426" actId="1076"/>
+          <ac:picMkLst>
+            <pc:docMk/>
+            <pc:sldMk cId="649846274" sldId="258"/>
+            <ac:picMk id="26" creationId="{A88622B1-C633-5AA4-D9AC-B3C95E18DB0C}"/>
+          </ac:picMkLst>
+        </pc:picChg>
+        <pc:picChg chg="add mod">
+          <ac:chgData name="明子 増田屋" userId="60949eca5d7422b1" providerId="LiveId" clId="{1F091A52-BC06-4620-AECD-E3A7A3B9471C}" dt="2025-06-05T13:01:57.561" v="432" actId="1076"/>
+          <ac:picMkLst>
+            <pc:docMk/>
+            <pc:sldMk cId="649846274" sldId="258"/>
+            <ac:picMk id="27" creationId="{F0621366-8C18-2062-1272-72857058BD77}"/>
+          </ac:picMkLst>
+        </pc:picChg>
+        <pc:picChg chg="add mod">
+          <ac:chgData name="明子 増田屋" userId="60949eca5d7422b1" providerId="LiveId" clId="{1F091A52-BC06-4620-AECD-E3A7A3B9471C}" dt="2025-06-05T13:02:00.313" v="433" actId="1076"/>
+          <ac:picMkLst>
+            <pc:docMk/>
+            <pc:sldMk cId="649846274" sldId="258"/>
+            <ac:picMk id="28" creationId="{643CAFB9-4F62-1BAE-BCDF-14D7C2B0E9A7}"/>
+          </ac:picMkLst>
+        </pc:picChg>
+        <pc:picChg chg="add mod ord">
+          <ac:chgData name="明子 増田屋" userId="60949eca5d7422b1" providerId="LiveId" clId="{1F091A52-BC06-4620-AECD-E3A7A3B9471C}" dt="2025-06-05T13:21:26.194" v="553" actId="164"/>
+          <ac:picMkLst>
+            <pc:docMk/>
+            <pc:sldMk cId="649846274" sldId="258"/>
+            <ac:picMk id="30" creationId="{25364A70-A04D-9726-D539-D34E9232B612}"/>
+          </ac:picMkLst>
+        </pc:picChg>
+        <pc:picChg chg="add mod">
+          <ac:chgData name="明子 増田屋" userId="60949eca5d7422b1" providerId="LiveId" clId="{1F091A52-BC06-4620-AECD-E3A7A3B9471C}" dt="2025-06-05T13:21:31.127" v="554" actId="164"/>
+          <ac:picMkLst>
+            <pc:docMk/>
+            <pc:sldMk cId="649846274" sldId="258"/>
+            <ac:picMk id="33" creationId="{C6E7F79B-D08A-962E-D9BF-39464802E6A8}"/>
+          </ac:picMkLst>
+        </pc:picChg>
+        <pc:picChg chg="del mod topLvl">
+          <ac:chgData name="明子 増田屋" userId="60949eca5d7422b1" providerId="LiveId" clId="{1F091A52-BC06-4620-AECD-E3A7A3B9471C}" dt="2025-06-05T13:21:49.478" v="557" actId="478"/>
+          <ac:picMkLst>
+            <pc:docMk/>
+            <pc:sldMk cId="649846274" sldId="258"/>
+            <ac:picMk id="38" creationId="{85F04065-DAA1-8818-6883-69E966262A4E}"/>
+          </ac:picMkLst>
+        </pc:picChg>
+        <pc:picChg chg="add mod">
+          <ac:chgData name="明子 増田屋" userId="60949eca5d7422b1" providerId="LiveId" clId="{1F091A52-BC06-4620-AECD-E3A7A3B9471C}" dt="2025-06-05T13:23:45.647" v="696" actId="164"/>
+          <ac:picMkLst>
+            <pc:docMk/>
+            <pc:sldMk cId="649846274" sldId="258"/>
+            <ac:picMk id="39" creationId="{5F3E43AB-B301-5BB4-7C17-BDF8D04AFEE5}"/>
+          </ac:picMkLst>
+        </pc:picChg>
+        <pc:picChg chg="add mod">
+          <ac:chgData name="明子 増田屋" userId="60949eca5d7422b1" providerId="LiveId" clId="{1F091A52-BC06-4620-AECD-E3A7A3B9471C}" dt="2025-06-05T13:23:55.208" v="699" actId="164"/>
+          <ac:picMkLst>
+            <pc:docMk/>
+            <pc:sldMk cId="649846274" sldId="258"/>
+            <ac:picMk id="41" creationId="{14DD6DCD-F1B4-7D87-CCB7-6264B7769485}"/>
+          </ac:picMkLst>
+        </pc:picChg>
+        <pc:picChg chg="add mod">
+          <ac:chgData name="明子 増田屋" userId="60949eca5d7422b1" providerId="LiveId" clId="{1F091A52-BC06-4620-AECD-E3A7A3B9471C}" dt="2025-06-05T13:35:28.968" v="739" actId="571"/>
+          <ac:picMkLst>
+            <pc:docMk/>
+            <pc:sldMk cId="649846274" sldId="258"/>
+            <ac:picMk id="45" creationId="{96922136-F570-482D-50A0-3A1A2756D21E}"/>
+          </ac:picMkLst>
+        </pc:picChg>
+        <pc:picChg chg="add mod">
+          <ac:chgData name="明子 増田屋" userId="60949eca5d7422b1" providerId="LiveId" clId="{1F091A52-BC06-4620-AECD-E3A7A3B9471C}" dt="2025-06-05T13:35:32.829" v="741" actId="571"/>
+          <ac:picMkLst>
+            <pc:docMk/>
+            <pc:sldMk cId="649846274" sldId="258"/>
+            <ac:picMk id="46" creationId="{A2AE68EF-CA2E-6879-F961-4B66FD6F63F8}"/>
+          </ac:picMkLst>
+        </pc:picChg>
+        <pc:picChg chg="add mod">
+          <ac:chgData name="明子 増田屋" userId="60949eca5d7422b1" providerId="LiveId" clId="{1F091A52-BC06-4620-AECD-E3A7A3B9471C}" dt="2025-06-05T13:35:38.746" v="743" actId="571"/>
+          <ac:picMkLst>
+            <pc:docMk/>
+            <pc:sldMk cId="649846274" sldId="258"/>
+            <ac:picMk id="47" creationId="{A9CF3710-EF31-B921-35CB-D72F3188B4FA}"/>
+          </ac:picMkLst>
+        </pc:picChg>
+        <pc:picChg chg="add mod">
+          <ac:chgData name="明子 増田屋" userId="60949eca5d7422b1" providerId="LiveId" clId="{1F091A52-BC06-4620-AECD-E3A7A3B9471C}" dt="2025-06-05T13:35:38.746" v="743" actId="571"/>
+          <ac:picMkLst>
+            <pc:docMk/>
+            <pc:sldMk cId="649846274" sldId="258"/>
+            <ac:picMk id="48" creationId="{A9A16F57-6646-232F-7934-64A182A41620}"/>
+          </ac:picMkLst>
+        </pc:picChg>
+        <pc:picChg chg="add del mod">
+          <ac:chgData name="明子 増田屋" userId="60949eca5d7422b1" providerId="LiveId" clId="{1F091A52-BC06-4620-AECD-E3A7A3B9471C}" dt="2025-06-05T13:35:49.335" v="745" actId="478"/>
+          <ac:picMkLst>
+            <pc:docMk/>
+            <pc:sldMk cId="649846274" sldId="258"/>
+            <ac:picMk id="49" creationId="{7625C8C7-EBC2-6F5C-EB48-9E29D2ED3CB5}"/>
+          </ac:picMkLst>
+        </pc:picChg>
+        <pc:picChg chg="add mod">
+          <ac:chgData name="明子 増田屋" userId="60949eca5d7422b1" providerId="LiveId" clId="{1F091A52-BC06-4620-AECD-E3A7A3B9471C}" dt="2025-06-05T13:36:27.012" v="790" actId="164"/>
+          <ac:picMkLst>
+            <pc:docMk/>
+            <pc:sldMk cId="649846274" sldId="258"/>
+            <ac:picMk id="50" creationId="{9AAC9C42-8DBC-9C5E-9396-0985E18EA79E}"/>
+          </ac:picMkLst>
+        </pc:picChg>
+        <pc:picChg chg="add mod">
+          <ac:chgData name="明子 増田屋" userId="60949eca5d7422b1" providerId="LiveId" clId="{1F091A52-BC06-4620-AECD-E3A7A3B9471C}" dt="2025-06-05T13:37:35.008" v="836" actId="164"/>
+          <ac:picMkLst>
+            <pc:docMk/>
+            <pc:sldMk cId="649846274" sldId="258"/>
+            <ac:picMk id="53" creationId="{2DA26BBA-EAA5-7FDC-0F7D-F38A99493AF8}"/>
+          </ac:picMkLst>
+        </pc:picChg>
+        <pc:picChg chg="mod">
+          <ac:chgData name="明子 増田屋" userId="60949eca5d7422b1" providerId="LiveId" clId="{1F091A52-BC06-4620-AECD-E3A7A3B9471C}" dt="2025-06-05T14:02:23.112" v="837"/>
+          <ac:picMkLst>
+            <pc:docMk/>
+            <pc:sldMk cId="649846274" sldId="258"/>
+            <ac:picMk id="56" creationId="{F74CA199-183A-3E4F-134B-56F71C3C67AE}"/>
+          </ac:picMkLst>
+        </pc:picChg>
+      </pc:sldChg>
+      <pc:sldChg chg="addSp delSp modSp add mod">
+        <pc:chgData name="明子 増田屋" userId="60949eca5d7422b1" providerId="LiveId" clId="{1F091A52-BC06-4620-AECD-E3A7A3B9471C}" dt="2025-06-05T14:16:16.781" v="1044" actId="1036"/>
+        <pc:sldMkLst>
+          <pc:docMk/>
+          <pc:sldMk cId="918432566" sldId="259"/>
+        </pc:sldMkLst>
+        <pc:spChg chg="add del mod">
+          <ac:chgData name="明子 増田屋" userId="60949eca5d7422b1" providerId="LiveId" clId="{1F091A52-BC06-4620-AECD-E3A7A3B9471C}" dt="2025-06-05T14:03:32.372" v="850" actId="478"/>
+          <ac:spMkLst>
+            <pc:docMk/>
+            <pc:sldMk cId="918432566" sldId="259"/>
+            <ac:spMk id="2" creationId="{12078715-5BC3-2789-12FD-0D4AF6EF8C6F}"/>
+          </ac:spMkLst>
+        </pc:spChg>
+        <pc:spChg chg="add del mod">
+          <ac:chgData name="明子 増田屋" userId="60949eca5d7422b1" providerId="LiveId" clId="{1F091A52-BC06-4620-AECD-E3A7A3B9471C}" dt="2025-06-05T14:04:11.047" v="854" actId="478"/>
+          <ac:spMkLst>
+            <pc:docMk/>
+            <pc:sldMk cId="918432566" sldId="259"/>
+            <ac:spMk id="3" creationId="{B9572532-6770-6A9E-F013-B5B68DF38464}"/>
+          </ac:spMkLst>
+        </pc:spChg>
+        <pc:spChg chg="mod">
+          <ac:chgData name="明子 増田屋" userId="60949eca5d7422b1" providerId="LiveId" clId="{1F091A52-BC06-4620-AECD-E3A7A3B9471C}" dt="2025-06-05T14:15:45.836" v="1038" actId="14100"/>
+          <ac:spMkLst>
+            <pc:docMk/>
+            <pc:sldMk cId="918432566" sldId="259"/>
+            <ac:spMk id="5" creationId="{09B95E73-B31D-63E2-232E-964ACA51E7AB}"/>
+          </ac:spMkLst>
+        </pc:spChg>
+        <pc:spChg chg="mod">
+          <ac:chgData name="明子 増田屋" userId="60949eca5d7422b1" providerId="LiveId" clId="{1F091A52-BC06-4620-AECD-E3A7A3B9471C}" dt="2025-06-05T14:15:30.079" v="1035" actId="2711"/>
+          <ac:spMkLst>
+            <pc:docMk/>
+            <pc:sldMk cId="918432566" sldId="259"/>
+            <ac:spMk id="8" creationId="{88F7E5DD-60FD-C935-A7C3-1BEDE3F26DA9}"/>
+          </ac:spMkLst>
+        </pc:spChg>
+        <pc:spChg chg="mod">
+          <ac:chgData name="明子 増田屋" userId="60949eca5d7422b1" providerId="LiveId" clId="{1F091A52-BC06-4620-AECD-E3A7A3B9471C}" dt="2025-06-05T14:15:30.079" v="1035" actId="2711"/>
+          <ac:spMkLst>
+            <pc:docMk/>
+            <pc:sldMk cId="918432566" sldId="259"/>
+            <ac:spMk id="11" creationId="{421AD05C-FD57-6019-E2A7-A5836E87DD2A}"/>
+          </ac:spMkLst>
+        </pc:spChg>
+        <pc:spChg chg="mod">
+          <ac:chgData name="明子 増田屋" userId="60949eca5d7422b1" providerId="LiveId" clId="{1F091A52-BC06-4620-AECD-E3A7A3B9471C}" dt="2025-06-05T14:15:54.593" v="1040" actId="14100"/>
+          <ac:spMkLst>
+            <pc:docMk/>
+            <pc:sldMk cId="918432566" sldId="259"/>
+            <ac:spMk id="17" creationId="{E715CD11-1898-AE02-E12B-5E9C90639ADE}"/>
+          </ac:spMkLst>
+        </pc:spChg>
+        <pc:spChg chg="add del mod">
+          <ac:chgData name="明子 増田屋" userId="60949eca5d7422b1" providerId="LiveId" clId="{1F091A52-BC06-4620-AECD-E3A7A3B9471C}" dt="2025-06-05T14:06:21.999" v="873" actId="1076"/>
+          <ac:spMkLst>
+            <pc:docMk/>
+            <pc:sldMk cId="918432566" sldId="259"/>
+            <ac:spMk id="26" creationId="{82408B4E-0978-F8EE-0661-0F99763C1A22}"/>
+          </ac:spMkLst>
+        </pc:spChg>
+        <pc:spChg chg="mod">
+          <ac:chgData name="明子 増田屋" userId="60949eca5d7422b1" providerId="LiveId" clId="{1F091A52-BC06-4620-AECD-E3A7A3B9471C}" dt="2025-06-05T14:15:30.079" v="1035" actId="2711"/>
+          <ac:spMkLst>
+            <pc:docMk/>
+            <pc:sldMk cId="918432566" sldId="259"/>
+            <ac:spMk id="30" creationId="{5DD3A1ED-CF42-7D18-F8DA-ADC76187FE69}"/>
+          </ac:spMkLst>
+        </pc:spChg>
+        <pc:spChg chg="mod">
+          <ac:chgData name="明子 増田屋" userId="60949eca5d7422b1" providerId="LiveId" clId="{1F091A52-BC06-4620-AECD-E3A7A3B9471C}" dt="2025-06-05T14:15:30.079" v="1035" actId="2711"/>
+          <ac:spMkLst>
+            <pc:docMk/>
+            <pc:sldMk cId="918432566" sldId="259"/>
+            <ac:spMk id="34" creationId="{C7386105-887C-C3FE-FB6C-DD72BB2F41CF}"/>
+          </ac:spMkLst>
+        </pc:spChg>
+        <pc:spChg chg="add mod">
+          <ac:chgData name="明子 増田屋" userId="60949eca5d7422b1" providerId="LiveId" clId="{1F091A52-BC06-4620-AECD-E3A7A3B9471C}" dt="2025-06-05T14:11:37.721" v="1007" actId="1076"/>
+          <ac:spMkLst>
+            <pc:docMk/>
+            <pc:sldMk cId="918432566" sldId="259"/>
+            <ac:spMk id="1029" creationId="{CAB17AC9-1756-AF48-5B98-8EEBE94900DF}"/>
+          </ac:spMkLst>
+        </pc:spChg>
+        <pc:spChg chg="add mod">
+          <ac:chgData name="明子 増田屋" userId="60949eca5d7422b1" providerId="LiveId" clId="{1F091A52-BC06-4620-AECD-E3A7A3B9471C}" dt="2025-06-05T14:11:37.721" v="1007" actId="1076"/>
+          <ac:spMkLst>
+            <pc:docMk/>
+            <pc:sldMk cId="918432566" sldId="259"/>
+            <ac:spMk id="1030" creationId="{63CC762E-C000-91B9-0BA2-4FCE7B3B6D6C}"/>
+          </ac:spMkLst>
+        </pc:spChg>
+        <pc:spChg chg="mod">
+          <ac:chgData name="明子 増田屋" userId="60949eca5d7422b1" providerId="LiveId" clId="{1F091A52-BC06-4620-AECD-E3A7A3B9471C}" dt="2025-06-05T14:15:30.079" v="1035" actId="2711"/>
+          <ac:spMkLst>
+            <pc:docMk/>
+            <pc:sldMk cId="918432566" sldId="259"/>
+            <ac:spMk id="1031" creationId="{6B807815-A12A-A5C3-7B9A-BA5C265FDAB5}"/>
+          </ac:spMkLst>
+        </pc:spChg>
+        <pc:spChg chg="mod">
+          <ac:chgData name="明子 増田屋" userId="60949eca5d7422b1" providerId="LiveId" clId="{1F091A52-BC06-4620-AECD-E3A7A3B9471C}" dt="2025-06-05T14:15:30.079" v="1035" actId="2711"/>
+          <ac:spMkLst>
+            <pc:docMk/>
+            <pc:sldMk cId="918432566" sldId="259"/>
+            <ac:spMk id="1034" creationId="{9037C37E-511F-6892-0A02-FD447C259FA2}"/>
+          </ac:spMkLst>
+        </pc:spChg>
+        <pc:spChg chg="add mod ord">
+          <ac:chgData name="明子 増田屋" userId="60949eca5d7422b1" providerId="LiveId" clId="{1F091A52-BC06-4620-AECD-E3A7A3B9471C}" dt="2025-06-05T14:11:59.343" v="1031" actId="14100"/>
+          <ac:spMkLst>
+            <pc:docMk/>
+            <pc:sldMk cId="918432566" sldId="259"/>
+            <ac:spMk id="1038" creationId="{F3AF82C7-E057-2438-42BD-775AFB9DC97B}"/>
+          </ac:spMkLst>
+        </pc:spChg>
+        <pc:spChg chg="add mod">
+          <ac:chgData name="明子 増田屋" userId="60949eca5d7422b1" providerId="LiveId" clId="{1F091A52-BC06-4620-AECD-E3A7A3B9471C}" dt="2025-06-05T14:15:30.079" v="1035" actId="2711"/>
+          <ac:spMkLst>
+            <pc:docMk/>
+            <pc:sldMk cId="918432566" sldId="259"/>
+            <ac:spMk id="1039" creationId="{744D83ED-84C6-A070-4193-94BB8EDD1948}"/>
+          </ac:spMkLst>
+        </pc:spChg>
+        <pc:spChg chg="mod">
+          <ac:chgData name="明子 増田屋" userId="60949eca5d7422b1" providerId="LiveId" clId="{1F091A52-BC06-4620-AECD-E3A7A3B9471C}" dt="2025-06-05T14:15:30.079" v="1035" actId="2711"/>
+          <ac:spMkLst>
+            <pc:docMk/>
+            <pc:sldMk cId="918432566" sldId="259"/>
+            <ac:spMk id="1040" creationId="{F8AFA0E0-BBE8-3A1E-3382-8D963A45FCFB}"/>
+          </ac:spMkLst>
+        </pc:spChg>
+        <pc:spChg chg="mod">
+          <ac:chgData name="明子 増田屋" userId="60949eca5d7422b1" providerId="LiveId" clId="{1F091A52-BC06-4620-AECD-E3A7A3B9471C}" dt="2025-06-05T14:15:30.079" v="1035" actId="2711"/>
+          <ac:spMkLst>
+            <pc:docMk/>
+            <pc:sldMk cId="918432566" sldId="259"/>
+            <ac:spMk id="1048" creationId="{E3D04CC1-27E5-EA8E-46C8-E15C95DFF933}"/>
+          </ac:spMkLst>
+        </pc:spChg>
+        <pc:spChg chg="mod">
+          <ac:chgData name="明子 増田屋" userId="60949eca5d7422b1" providerId="LiveId" clId="{1F091A52-BC06-4620-AECD-E3A7A3B9471C}" dt="2025-06-05T14:15:30.079" v="1035" actId="2711"/>
+          <ac:spMkLst>
+            <pc:docMk/>
+            <pc:sldMk cId="918432566" sldId="259"/>
+            <ac:spMk id="1060" creationId="{E51EA217-F43E-5681-2859-123C70AB73EE}"/>
+          </ac:spMkLst>
+        </pc:spChg>
+        <pc:grpChg chg="mod">
+          <ac:chgData name="明子 増田屋" userId="60949eca5d7422b1" providerId="LiveId" clId="{1F091A52-BC06-4620-AECD-E3A7A3B9471C}" dt="2025-06-05T14:15:41.805" v="1037" actId="14100"/>
+          <ac:grpSpMkLst>
+            <pc:docMk/>
+            <pc:sldMk cId="918432566" sldId="259"/>
+            <ac:grpSpMk id="10" creationId="{878C4B46-92CD-C859-E951-E526A86C82FD}"/>
+          </ac:grpSpMkLst>
+        </pc:grpChg>
+        <pc:grpChg chg="mod">
+          <ac:chgData name="明子 増田屋" userId="60949eca5d7422b1" providerId="LiveId" clId="{1F091A52-BC06-4620-AECD-E3A7A3B9471C}" dt="2025-06-05T14:15:36.618" v="1036" actId="14100"/>
+          <ac:grpSpMkLst>
+            <pc:docMk/>
+            <pc:sldMk cId="918432566" sldId="259"/>
+            <ac:grpSpMk id="19" creationId="{25E4BD48-F46B-84B0-AED6-7BAB0F432C75}"/>
+          </ac:grpSpMkLst>
+        </pc:grpChg>
+        <pc:grpChg chg="mod">
+          <ac:chgData name="明子 増田屋" userId="60949eca5d7422b1" providerId="LiveId" clId="{1F091A52-BC06-4620-AECD-E3A7A3B9471C}" dt="2025-06-05T14:06:34.708" v="876" actId="1076"/>
+          <ac:grpSpMkLst>
+            <pc:docMk/>
+            <pc:sldMk cId="918432566" sldId="259"/>
+            <ac:grpSpMk id="1057" creationId="{048B99AC-9191-4494-AEB9-AAE7EC89926B}"/>
+          </ac:grpSpMkLst>
+        </pc:grpChg>
+        <pc:grpChg chg="mod">
+          <ac:chgData name="明子 増田屋" userId="60949eca5d7422b1" providerId="LiveId" clId="{1F091A52-BC06-4620-AECD-E3A7A3B9471C}" dt="2025-06-05T14:06:34.708" v="876" actId="1076"/>
+          <ac:grpSpMkLst>
+            <pc:docMk/>
+            <pc:sldMk cId="918432566" sldId="259"/>
+            <ac:grpSpMk id="1058" creationId="{76FE4C7A-7EB5-5EE5-B72A-5028251FBB65}"/>
+          </ac:grpSpMkLst>
+        </pc:grpChg>
+        <pc:picChg chg="mod">
+          <ac:chgData name="明子 増田屋" userId="60949eca5d7422b1" providerId="LiveId" clId="{1F091A52-BC06-4620-AECD-E3A7A3B9471C}" dt="2025-06-05T14:15:50.317" v="1039" actId="1076"/>
+          <ac:picMkLst>
+            <pc:docMk/>
+            <pc:sldMk cId="918432566" sldId="259"/>
+            <ac:picMk id="6" creationId="{55ACB006-C63B-CD05-180E-42B003EA2D95}"/>
+          </ac:picMkLst>
+        </pc:picChg>
+        <pc:cxnChg chg="add del mod">
+          <ac:chgData name="明子 増田屋" userId="60949eca5d7422b1" providerId="LiveId" clId="{1F091A52-BC06-4620-AECD-E3A7A3B9471C}" dt="2025-06-05T14:06:57.031" v="877" actId="478"/>
           <ac:cxnSpMkLst>
             <pc:docMk/>
-            <pc:sldMk cId="1285173516" sldId="257"/>
-            <ac:cxnSpMk id="18" creationId="{AC65C03C-3F17-45DC-A1B9-35ACA43397D4}"/>
+            <pc:sldMk cId="918432566" sldId="259"/>
+            <ac:cxnSpMk id="23" creationId="{AF5206BC-11AE-2061-5422-FC23592A868E}"/>
+          </ac:cxnSpMkLst>
+        </pc:cxnChg>
+        <pc:cxnChg chg="mod">
+          <ac:chgData name="明子 増田屋" userId="60949eca5d7422b1" providerId="LiveId" clId="{1F091A52-BC06-4620-AECD-E3A7A3B9471C}" dt="2025-06-05T14:15:41.805" v="1037" actId="14100"/>
+          <ac:cxnSpMkLst>
+            <pc:docMk/>
+            <pc:sldMk cId="918432566" sldId="259"/>
+            <ac:cxnSpMk id="29" creationId="{1263966D-49D1-B127-E0CA-8E6786DCE229}"/>
+          </ac:cxnSpMkLst>
+        </pc:cxnChg>
+        <pc:cxnChg chg="mod">
+          <ac:chgData name="明子 増田屋" userId="60949eca5d7422b1" providerId="LiveId" clId="{1F091A52-BC06-4620-AECD-E3A7A3B9471C}" dt="2025-06-05T14:15:45.836" v="1038" actId="14100"/>
+          <ac:cxnSpMkLst>
+            <pc:docMk/>
+            <pc:sldMk cId="918432566" sldId="259"/>
+            <ac:cxnSpMk id="31" creationId="{B2FDD1AD-48C7-8369-6314-7E78112431D5}"/>
+          </ac:cxnSpMkLst>
+        </pc:cxnChg>
+        <pc:cxnChg chg="mod">
+          <ac:chgData name="明子 増田屋" userId="60949eca5d7422b1" providerId="LiveId" clId="{1F091A52-BC06-4620-AECD-E3A7A3B9471C}" dt="2025-06-05T14:15:54.593" v="1040" actId="14100"/>
+          <ac:cxnSpMkLst>
+            <pc:docMk/>
+            <pc:sldMk cId="918432566" sldId="259"/>
+            <ac:cxnSpMk id="38" creationId="{37223802-317B-B0DE-28AD-63808BE59EEE}"/>
+          </ac:cxnSpMkLst>
+        </pc:cxnChg>
+        <pc:cxnChg chg="add mod">
+          <ac:chgData name="明子 増田屋" userId="60949eca5d7422b1" providerId="LiveId" clId="{1F091A52-BC06-4620-AECD-E3A7A3B9471C}" dt="2025-06-05T14:16:16.781" v="1044" actId="1036"/>
+          <ac:cxnSpMkLst>
+            <pc:docMk/>
+            <pc:sldMk cId="918432566" sldId="259"/>
+            <ac:cxnSpMk id="39" creationId="{D0348CA8-56FF-8802-5848-5B4AB2B6C4B7}"/>
+          </ac:cxnSpMkLst>
+        </pc:cxnChg>
+        <pc:cxnChg chg="mod">
+          <ac:chgData name="明子 増田屋" userId="60949eca5d7422b1" providerId="LiveId" clId="{1F091A52-BC06-4620-AECD-E3A7A3B9471C}" dt="2025-06-05T14:15:45.836" v="1038" actId="14100"/>
+          <ac:cxnSpMkLst>
+            <pc:docMk/>
+            <pc:sldMk cId="918432566" sldId="259"/>
+            <ac:cxnSpMk id="41" creationId="{1EC077C7-87DD-1A6F-6E0A-799E85DD9C48}"/>
+          </ac:cxnSpMkLst>
+        </pc:cxnChg>
+        <pc:cxnChg chg="mod">
+          <ac:chgData name="明子 増田屋" userId="60949eca5d7422b1" providerId="LiveId" clId="{1F091A52-BC06-4620-AECD-E3A7A3B9471C}" dt="2025-06-05T14:15:54.593" v="1040" actId="14100"/>
+          <ac:cxnSpMkLst>
+            <pc:docMk/>
+            <pc:sldMk cId="918432566" sldId="259"/>
+            <ac:cxnSpMk id="44" creationId="{D848E2B2-1677-E369-982E-306EB089AB1D}"/>
+          </ac:cxnSpMkLst>
+        </pc:cxnChg>
+        <pc:cxnChg chg="mod">
+          <ac:chgData name="明子 増田屋" userId="60949eca5d7422b1" providerId="LiveId" clId="{1F091A52-BC06-4620-AECD-E3A7A3B9471C}" dt="2025-06-05T14:15:36.618" v="1036" actId="14100"/>
+          <ac:cxnSpMkLst>
+            <pc:docMk/>
+            <pc:sldMk cId="918432566" sldId="259"/>
+            <ac:cxnSpMk id="47" creationId="{B1AF77FA-1B17-F416-B2A6-E3121819DBA2}"/>
+          </ac:cxnSpMkLst>
+        </pc:cxnChg>
+        <pc:cxnChg chg="mod">
+          <ac:chgData name="明子 増田屋" userId="60949eca5d7422b1" providerId="LiveId" clId="{1F091A52-BC06-4620-AECD-E3A7A3B9471C}" dt="2025-06-05T14:15:41.805" v="1037" actId="14100"/>
+          <ac:cxnSpMkLst>
+            <pc:docMk/>
+            <pc:sldMk cId="918432566" sldId="259"/>
+            <ac:cxnSpMk id="50" creationId="{4441D25D-028D-2B40-1352-7557F49BB51E}"/>
+          </ac:cxnSpMkLst>
+        </pc:cxnChg>
+        <pc:cxnChg chg="add mod">
+          <ac:chgData name="明子 増田屋" userId="60949eca5d7422b1" providerId="LiveId" clId="{1F091A52-BC06-4620-AECD-E3A7A3B9471C}" dt="2025-06-05T14:11:37.721" v="1007" actId="1076"/>
+          <ac:cxnSpMkLst>
+            <pc:docMk/>
+            <pc:sldMk cId="918432566" sldId="259"/>
+            <ac:cxnSpMk id="52" creationId="{D1173DE1-F7FB-DBB1-555B-6395C6C4A382}"/>
+          </ac:cxnSpMkLst>
+        </pc:cxnChg>
+        <pc:cxnChg chg="mod">
+          <ac:chgData name="明子 増田屋" userId="60949eca5d7422b1" providerId="LiveId" clId="{1F091A52-BC06-4620-AECD-E3A7A3B9471C}" dt="2025-06-05T14:15:54.593" v="1040" actId="14100"/>
+          <ac:cxnSpMkLst>
+            <pc:docMk/>
+            <pc:sldMk cId="918432566" sldId="259"/>
+            <ac:cxnSpMk id="54" creationId="{4FD0A195-CAAE-EC48-353E-BE025F92FCE4}"/>
+          </ac:cxnSpMkLst>
+        </pc:cxnChg>
+        <pc:cxnChg chg="mod">
+          <ac:chgData name="明子 増田屋" userId="60949eca5d7422b1" providerId="LiveId" clId="{1F091A52-BC06-4620-AECD-E3A7A3B9471C}" dt="2025-06-05T14:15:54.593" v="1040" actId="14100"/>
+          <ac:cxnSpMkLst>
+            <pc:docMk/>
+            <pc:sldMk cId="918432566" sldId="259"/>
+            <ac:cxnSpMk id="59" creationId="{027D7615-AAD5-988B-3A41-D350B0E7D3D1}"/>
+          </ac:cxnSpMkLst>
+        </pc:cxnChg>
+        <pc:cxnChg chg="mod">
+          <ac:chgData name="明子 増田屋" userId="60949eca5d7422b1" providerId="LiveId" clId="{1F091A52-BC06-4620-AECD-E3A7A3B9471C}" dt="2025-06-05T14:15:54.593" v="1040" actId="14100"/>
+          <ac:cxnSpMkLst>
+            <pc:docMk/>
+            <pc:sldMk cId="918432566" sldId="259"/>
+            <ac:cxnSpMk id="1024" creationId="{8F7061F1-61CE-5922-0CF0-439A87B43469}"/>
+          </ac:cxnSpMkLst>
+        </pc:cxnChg>
+        <pc:cxnChg chg="mod">
+          <ac:chgData name="明子 増田屋" userId="60949eca5d7422b1" providerId="LiveId" clId="{1F091A52-BC06-4620-AECD-E3A7A3B9471C}" dt="2025-06-05T14:15:45.836" v="1038" actId="14100"/>
+          <ac:cxnSpMkLst>
+            <pc:docMk/>
+            <pc:sldMk cId="918432566" sldId="259"/>
+            <ac:cxnSpMk id="1037" creationId="{3BBFAF72-27AC-CBDE-3DC2-77A96C6C8C6C}"/>
           </ac:cxnSpMkLst>
         </pc:cxnChg>
       </pc:sldChg>
     </pc:docChg>
   </pc:docChgLst>
 </pc:chgInfo>
+</file>
+
+<file path=ppt/notesMasters/notesMaster1.xml><?xml version="1.0" encoding="utf-8"?>
+<p:notesMaster xmlns:a="http://schemas.openxmlformats.org/drawingml/2006/main" xmlns:r="http://schemas.openxmlformats.org/officeDocument/2006/relationships" xmlns:p="http://schemas.openxmlformats.org/presentationml/2006/main">
+  <p:cSld>
+    <p:bg>
+      <p:bgRef idx="1001">
+        <a:schemeClr val="bg1"/>
+      </p:bgRef>
+    </p:bg>
+    <p:spTree>
+      <p:nvGrpSpPr>
+        <p:cNvPr id="1" name=""/>
+        <p:cNvGrpSpPr/>
+        <p:nvPr/>
+      </p:nvGrpSpPr>
+      <p:grpSpPr>
+        <a:xfrm>
+          <a:off x="0" y="0"/>
+          <a:ext cx="0" cy="0"/>
+          <a:chOff x="0" y="0"/>
+          <a:chExt cx="0" cy="0"/>
+        </a:xfrm>
+      </p:grpSpPr>
+      <p:sp>
+        <p:nvSpPr>
+          <p:cNvPr id="2" name="ヘッダー プレースホルダー 1"/>
+          <p:cNvSpPr>
+            <a:spLocks noGrp="1"/>
+          </p:cNvSpPr>
+          <p:nvPr>
+            <p:ph type="hdr" sz="quarter"/>
+          </p:nvPr>
+        </p:nvSpPr>
+        <p:spPr>
+          <a:xfrm>
+            <a:off x="0" y="0"/>
+            <a:ext cx="2971800" cy="458788"/>
+          </a:xfrm>
+          <a:prstGeom prst="rect">
+            <a:avLst/>
+          </a:prstGeom>
+        </p:spPr>
+        <p:txBody>
+          <a:bodyPr vert="horz" lIns="91440" tIns="45720" rIns="91440" bIns="45720" rtlCol="0"/>
+          <a:lstStyle>
+            <a:lvl1pPr algn="l">
+              <a:defRPr sz="1200"/>
+            </a:lvl1pPr>
+          </a:lstStyle>
+          <a:p>
+            <a:endParaRPr kumimoji="1" lang="ja-JP" altLang="en-US"/>
+          </a:p>
+        </p:txBody>
+      </p:sp>
+      <p:sp>
+        <p:nvSpPr>
+          <p:cNvPr id="3" name="日付プレースホルダー 2"/>
+          <p:cNvSpPr>
+            <a:spLocks noGrp="1"/>
+          </p:cNvSpPr>
+          <p:nvPr>
+            <p:ph type="dt" idx="1"/>
+          </p:nvPr>
+        </p:nvSpPr>
+        <p:spPr>
+          <a:xfrm>
+            <a:off x="3884613" y="0"/>
+            <a:ext cx="2971800" cy="458788"/>
+          </a:xfrm>
+          <a:prstGeom prst="rect">
+            <a:avLst/>
+          </a:prstGeom>
+        </p:spPr>
+        <p:txBody>
+          <a:bodyPr vert="horz" lIns="91440" tIns="45720" rIns="91440" bIns="45720" rtlCol="0"/>
+          <a:lstStyle>
+            <a:lvl1pPr algn="r">
+              <a:defRPr sz="1200"/>
+            </a:lvl1pPr>
+          </a:lstStyle>
+          <a:p>
+            <a:fld id="{5350DDFD-5434-41DF-B795-22D852986AB0}" type="datetimeFigureOut">
+              <a:rPr kumimoji="1" lang="ja-JP" altLang="en-US" smtClean="0"/>
+              <a:t>2025/6/5</a:t>
+            </a:fld>
+            <a:endParaRPr kumimoji="1" lang="ja-JP" altLang="en-US"/>
+          </a:p>
+        </p:txBody>
+      </p:sp>
+      <p:sp>
+        <p:nvSpPr>
+          <p:cNvPr id="4" name="スライド イメージ プレースホルダー 3"/>
+          <p:cNvSpPr>
+            <a:spLocks noGrp="1" noRot="1" noChangeAspect="1"/>
+          </p:cNvSpPr>
+          <p:nvPr>
+            <p:ph type="sldImg" idx="2"/>
+          </p:nvPr>
+        </p:nvSpPr>
+        <p:spPr>
+          <a:xfrm>
+            <a:off x="685800" y="1143000"/>
+            <a:ext cx="5486400" cy="3086100"/>
+          </a:xfrm>
+          <a:prstGeom prst="rect">
+            <a:avLst/>
+          </a:prstGeom>
+          <a:noFill/>
+          <a:ln w="12700">
+            <a:solidFill>
+              <a:prstClr val="black"/>
+            </a:solidFill>
+          </a:ln>
+        </p:spPr>
+        <p:txBody>
+          <a:bodyPr vert="horz" lIns="91440" tIns="45720" rIns="91440" bIns="45720" rtlCol="0" anchor="ctr"/>
+          <a:lstStyle/>
+          <a:p>
+            <a:endParaRPr lang="ja-JP" altLang="en-US"/>
+          </a:p>
+        </p:txBody>
+      </p:sp>
+      <p:sp>
+        <p:nvSpPr>
+          <p:cNvPr id="5" name="ノート プレースホルダー 4"/>
+          <p:cNvSpPr>
+            <a:spLocks noGrp="1"/>
+          </p:cNvSpPr>
+          <p:nvPr>
+            <p:ph type="body" sz="quarter" idx="3"/>
+          </p:nvPr>
+        </p:nvSpPr>
+        <p:spPr>
+          <a:xfrm>
+            <a:off x="685800" y="4400550"/>
+            <a:ext cx="5486400" cy="3600450"/>
+          </a:xfrm>
+          <a:prstGeom prst="rect">
+            <a:avLst/>
+          </a:prstGeom>
+        </p:spPr>
+        <p:txBody>
+          <a:bodyPr vert="horz" lIns="91440" tIns="45720" rIns="91440" bIns="45720" rtlCol="0"/>
+          <a:lstStyle/>
+          <a:p>
+            <a:pPr lvl="0"/>
+            <a:r>
+              <a:rPr kumimoji="1" lang="ja-JP" altLang="en-US"/>
+              <a:t>マスター テキストの書式設定</a:t>
+            </a:r>
+          </a:p>
+          <a:p>
+            <a:pPr lvl="1"/>
+            <a:r>
+              <a:rPr kumimoji="1" lang="ja-JP" altLang="en-US"/>
+              <a:t>第 </a:t>
+            </a:r>
+            <a:r>
+              <a:rPr kumimoji="1" lang="en-US" altLang="ja-JP"/>
+              <a:t>2 </a:t>
+            </a:r>
+            <a:r>
+              <a:rPr kumimoji="1" lang="ja-JP" altLang="en-US"/>
+              <a:t>レベル</a:t>
+            </a:r>
+          </a:p>
+          <a:p>
+            <a:pPr lvl="2"/>
+            <a:r>
+              <a:rPr kumimoji="1" lang="ja-JP" altLang="en-US"/>
+              <a:t>第 </a:t>
+            </a:r>
+            <a:r>
+              <a:rPr kumimoji="1" lang="en-US" altLang="ja-JP"/>
+              <a:t>3 </a:t>
+            </a:r>
+            <a:r>
+              <a:rPr kumimoji="1" lang="ja-JP" altLang="en-US"/>
+              <a:t>レベル</a:t>
+            </a:r>
+          </a:p>
+          <a:p>
+            <a:pPr lvl="3"/>
+            <a:r>
+              <a:rPr kumimoji="1" lang="ja-JP" altLang="en-US"/>
+              <a:t>第 </a:t>
+            </a:r>
+            <a:r>
+              <a:rPr kumimoji="1" lang="en-US" altLang="ja-JP"/>
+              <a:t>4 </a:t>
+            </a:r>
+            <a:r>
+              <a:rPr kumimoji="1" lang="ja-JP" altLang="en-US"/>
+              <a:t>レベル</a:t>
+            </a:r>
+          </a:p>
+          <a:p>
+            <a:pPr lvl="4"/>
+            <a:r>
+              <a:rPr kumimoji="1" lang="ja-JP" altLang="en-US"/>
+              <a:t>第 </a:t>
+            </a:r>
+            <a:r>
+              <a:rPr kumimoji="1" lang="en-US" altLang="ja-JP"/>
+              <a:t>5 </a:t>
+            </a:r>
+            <a:r>
+              <a:rPr kumimoji="1" lang="ja-JP" altLang="en-US"/>
+              <a:t>レベル</a:t>
+            </a:r>
+          </a:p>
+        </p:txBody>
+      </p:sp>
+      <p:sp>
+        <p:nvSpPr>
+          <p:cNvPr id="6" name="フッター プレースホルダー 5"/>
+          <p:cNvSpPr>
+            <a:spLocks noGrp="1"/>
+          </p:cNvSpPr>
+          <p:nvPr>
+            <p:ph type="ftr" sz="quarter" idx="4"/>
+          </p:nvPr>
+        </p:nvSpPr>
+        <p:spPr>
+          <a:xfrm>
+            <a:off x="0" y="8685213"/>
+            <a:ext cx="2971800" cy="458787"/>
+          </a:xfrm>
+          <a:prstGeom prst="rect">
+            <a:avLst/>
+          </a:prstGeom>
+        </p:spPr>
+        <p:txBody>
+          <a:bodyPr vert="horz" lIns="91440" tIns="45720" rIns="91440" bIns="45720" rtlCol="0" anchor="b"/>
+          <a:lstStyle>
+            <a:lvl1pPr algn="l">
+              <a:defRPr sz="1200"/>
+            </a:lvl1pPr>
+          </a:lstStyle>
+          <a:p>
+            <a:endParaRPr kumimoji="1" lang="ja-JP" altLang="en-US"/>
+          </a:p>
+        </p:txBody>
+      </p:sp>
+      <p:sp>
+        <p:nvSpPr>
+          <p:cNvPr id="7" name="スライド番号プレースホルダー 6"/>
+          <p:cNvSpPr>
+            <a:spLocks noGrp="1"/>
+          </p:cNvSpPr>
+          <p:nvPr>
+            <p:ph type="sldNum" sz="quarter" idx="5"/>
+          </p:nvPr>
+        </p:nvSpPr>
+        <p:spPr>
+          <a:xfrm>
+            <a:off x="3884613" y="8685213"/>
+            <a:ext cx="2971800" cy="458787"/>
+          </a:xfrm>
+          <a:prstGeom prst="rect">
+            <a:avLst/>
+          </a:prstGeom>
+        </p:spPr>
+        <p:txBody>
+          <a:bodyPr vert="horz" lIns="91440" tIns="45720" rIns="91440" bIns="45720" rtlCol="0" anchor="b"/>
+          <a:lstStyle>
+            <a:lvl1pPr algn="r">
+              <a:defRPr sz="1200"/>
+            </a:lvl1pPr>
+          </a:lstStyle>
+          <a:p>
+            <a:fld id="{A658CB5F-9AEF-47B0-8C2D-BF87A518D1F1}" type="slidenum">
+              <a:rPr kumimoji="1" lang="ja-JP" altLang="en-US" smtClean="0"/>
+              <a:t>‹#›</a:t>
+            </a:fld>
+            <a:endParaRPr kumimoji="1" lang="ja-JP" altLang="en-US"/>
+          </a:p>
+        </p:txBody>
+      </p:sp>
+    </p:spTree>
+    <p:extLst>
+      <p:ext uri="{BB962C8B-B14F-4D97-AF65-F5344CB8AC3E}">
+        <p14:creationId xmlns:p14="http://schemas.microsoft.com/office/powerpoint/2010/main" val="335331815"/>
+      </p:ext>
+    </p:extLst>
+  </p:cSld>
+  <p:clrMap bg1="lt1" tx1="dk1" bg2="lt2" tx2="dk2" accent1="accent1" accent2="accent2" accent3="accent3" accent4="accent4" accent5="accent5" accent6="accent6" hlink="hlink" folHlink="folHlink"/>
+  <p:notesStyle>
+    <a:lvl1pPr marL="0" algn="l" defTabSz="914400" rtl="0" eaLnBrk="1" latinLnBrk="0" hangingPunct="1">
+      <a:defRPr kumimoji="1" sz="1200" kern="1200">
+        <a:solidFill>
+          <a:schemeClr val="tx1"/>
+        </a:solidFill>
+        <a:latin typeface="+mn-lt"/>
+        <a:ea typeface="+mn-ea"/>
+        <a:cs typeface="+mn-cs"/>
+      </a:defRPr>
+    </a:lvl1pPr>
+    <a:lvl2pPr marL="457200" algn="l" defTabSz="914400" rtl="0" eaLnBrk="1" latinLnBrk="0" hangingPunct="1">
+      <a:defRPr kumimoji="1" sz="1200" kern="1200">
+        <a:solidFill>
+          <a:schemeClr val="tx1"/>
+        </a:solidFill>
+        <a:latin typeface="+mn-lt"/>
+        <a:ea typeface="+mn-ea"/>
+        <a:cs typeface="+mn-cs"/>
+      </a:defRPr>
+    </a:lvl2pPr>
+    <a:lvl3pPr marL="914400" algn="l" defTabSz="914400" rtl="0" eaLnBrk="1" latinLnBrk="0" hangingPunct="1">
+      <a:defRPr kumimoji="1" sz="1200" kern="1200">
+        <a:solidFill>
+          <a:schemeClr val="tx1"/>
+        </a:solidFill>
+        <a:latin typeface="+mn-lt"/>
+        <a:ea typeface="+mn-ea"/>
+        <a:cs typeface="+mn-cs"/>
+      </a:defRPr>
+    </a:lvl3pPr>
+    <a:lvl4pPr marL="1371600" algn="l" defTabSz="914400" rtl="0" eaLnBrk="1" latinLnBrk="0" hangingPunct="1">
+      <a:defRPr kumimoji="1" sz="1200" kern="1200">
+        <a:solidFill>
+          <a:schemeClr val="tx1"/>
+        </a:solidFill>
+        <a:latin typeface="+mn-lt"/>
+        <a:ea typeface="+mn-ea"/>
+        <a:cs typeface="+mn-cs"/>
+      </a:defRPr>
+    </a:lvl4pPr>
+    <a:lvl5pPr marL="1828800" algn="l" defTabSz="914400" rtl="0" eaLnBrk="1" latinLnBrk="0" hangingPunct="1">
+      <a:defRPr kumimoji="1" sz="1200" kern="1200">
+        <a:solidFill>
+          <a:schemeClr val="tx1"/>
+        </a:solidFill>
+        <a:latin typeface="+mn-lt"/>
+        <a:ea typeface="+mn-ea"/>
+        <a:cs typeface="+mn-cs"/>
+      </a:defRPr>
+    </a:lvl5pPr>
+    <a:lvl6pPr marL="2286000" algn="l" defTabSz="914400" rtl="0" eaLnBrk="1" latinLnBrk="0" hangingPunct="1">
+      <a:defRPr kumimoji="1" sz="1200" kern="1200">
+        <a:solidFill>
+          <a:schemeClr val="tx1"/>
+        </a:solidFill>
+        <a:latin typeface="+mn-lt"/>
+        <a:ea typeface="+mn-ea"/>
+        <a:cs typeface="+mn-cs"/>
+      </a:defRPr>
+    </a:lvl6pPr>
+    <a:lvl7pPr marL="2743200" algn="l" defTabSz="914400" rtl="0" eaLnBrk="1" latinLnBrk="0" hangingPunct="1">
+      <a:defRPr kumimoji="1" sz="1200" kern="1200">
+        <a:solidFill>
+          <a:schemeClr val="tx1"/>
+        </a:solidFill>
+        <a:latin typeface="+mn-lt"/>
+        <a:ea typeface="+mn-ea"/>
+        <a:cs typeface="+mn-cs"/>
+      </a:defRPr>
+    </a:lvl7pPr>
+    <a:lvl8pPr marL="3200400" algn="l" defTabSz="914400" rtl="0" eaLnBrk="1" latinLnBrk="0" hangingPunct="1">
+      <a:defRPr kumimoji="1" sz="1200" kern="1200">
+        <a:solidFill>
+          <a:schemeClr val="tx1"/>
+        </a:solidFill>
+        <a:latin typeface="+mn-lt"/>
+        <a:ea typeface="+mn-ea"/>
+        <a:cs typeface="+mn-cs"/>
+      </a:defRPr>
+    </a:lvl8pPr>
+    <a:lvl9pPr marL="3657600" algn="l" defTabSz="914400" rtl="0" eaLnBrk="1" latinLnBrk="0" hangingPunct="1">
+      <a:defRPr kumimoji="1" sz="1200" kern="1200">
+        <a:solidFill>
+          <a:schemeClr val="tx1"/>
+        </a:solidFill>
+        <a:latin typeface="+mn-lt"/>
+        <a:ea typeface="+mn-ea"/>
+        <a:cs typeface="+mn-cs"/>
+      </a:defRPr>
+    </a:lvl9pPr>
+  </p:notesStyle>
+</p:notesMaster>
+</file>
+
+<file path=ppt/notesSlides/notesSlide1.xml><?xml version="1.0" encoding="utf-8"?>
+<p:notes xmlns:a="http://schemas.openxmlformats.org/drawingml/2006/main" xmlns:r="http://schemas.openxmlformats.org/officeDocument/2006/relationships" xmlns:p="http://schemas.openxmlformats.org/presentationml/2006/main">
+  <p:cSld>
+    <p:spTree>
+      <p:nvGrpSpPr>
+        <p:cNvPr id="1" name=""/>
+        <p:cNvGrpSpPr/>
+        <p:nvPr/>
+      </p:nvGrpSpPr>
+      <p:grpSpPr>
+        <a:xfrm>
+          <a:off x="0" y="0"/>
+          <a:ext cx="0" cy="0"/>
+          <a:chOff x="0" y="0"/>
+          <a:chExt cx="0" cy="0"/>
+        </a:xfrm>
+      </p:grpSpPr>
+      <p:sp>
+        <p:nvSpPr>
+          <p:cNvPr id="2" name="スライド イメージ プレースホルダー 1"/>
+          <p:cNvSpPr>
+            <a:spLocks noGrp="1" noRot="1" noChangeAspect="1"/>
+          </p:cNvSpPr>
+          <p:nvPr>
+            <p:ph type="sldImg"/>
+          </p:nvPr>
+        </p:nvSpPr>
+        <p:spPr/>
+      </p:sp>
+      <p:sp>
+        <p:nvSpPr>
+          <p:cNvPr id="3" name="ノート プレースホルダー 2"/>
+          <p:cNvSpPr>
+            <a:spLocks noGrp="1"/>
+          </p:cNvSpPr>
+          <p:nvPr>
+            <p:ph type="body" idx="1"/>
+          </p:nvPr>
+        </p:nvSpPr>
+        <p:spPr/>
+        <p:txBody>
+          <a:bodyPr/>
+          <a:lstStyle/>
+          <a:p>
+            <a:endParaRPr kumimoji="1" lang="ja-JP" altLang="en-US" dirty="0"/>
+          </a:p>
+        </p:txBody>
+      </p:sp>
+      <p:sp>
+        <p:nvSpPr>
+          <p:cNvPr id="4" name="スライド番号プレースホルダー 3"/>
+          <p:cNvSpPr>
+            <a:spLocks noGrp="1"/>
+          </p:cNvSpPr>
+          <p:nvPr>
+            <p:ph type="sldNum" sz="quarter" idx="5"/>
+          </p:nvPr>
+        </p:nvSpPr>
+        <p:spPr/>
+        <p:txBody>
+          <a:bodyPr/>
+          <a:lstStyle/>
+          <a:p>
+            <a:fld id="{A658CB5F-9AEF-47B0-8C2D-BF87A518D1F1}" type="slidenum">
+              <a:rPr kumimoji="1" lang="ja-JP" altLang="en-US" smtClean="0"/>
+              <a:t>3</a:t>
+            </a:fld>
+            <a:endParaRPr kumimoji="1" lang="ja-JP" altLang="en-US"/>
+          </a:p>
+        </p:txBody>
+      </p:sp>
+    </p:spTree>
+    <p:extLst>
+      <p:ext uri="{BB962C8B-B14F-4D97-AF65-F5344CB8AC3E}">
+        <p14:creationId xmlns:p14="http://schemas.microsoft.com/office/powerpoint/2010/main" val="2623469141"/>
+      </p:ext>
+    </p:extLst>
+  </p:cSld>
+  <p:clrMapOvr>
+    <a:masterClrMapping/>
+  </p:clrMapOvr>
+</p:notes>
 </file>
 
 <file path=ppt/slideLayouts/slideLayout1.xml><?xml version="1.0" encoding="utf-8"?>
@@ -568,7 +1620,7 @@
           <a:p>
             <a:fld id="{6A1F47D4-609F-4522-9B5E-F45937DB9C36}" type="datetimeFigureOut">
               <a:rPr kumimoji="1" lang="ja-JP" altLang="en-US" smtClean="0"/>
-              <a:t>2025/5/12</a:t>
+              <a:t>2025/6/5</a:t>
             </a:fld>
             <a:endParaRPr kumimoji="1" lang="ja-JP" altLang="en-US"/>
           </a:p>
@@ -798,7 +1850,7 @@
           <a:p>
             <a:fld id="{6A1F47D4-609F-4522-9B5E-F45937DB9C36}" type="datetimeFigureOut">
               <a:rPr kumimoji="1" lang="ja-JP" altLang="en-US" smtClean="0"/>
-              <a:t>2025/5/12</a:t>
+              <a:t>2025/6/5</a:t>
             </a:fld>
             <a:endParaRPr kumimoji="1" lang="ja-JP" altLang="en-US"/>
           </a:p>
@@ -1038,7 +2090,7 @@
           <a:p>
             <a:fld id="{6A1F47D4-609F-4522-9B5E-F45937DB9C36}" type="datetimeFigureOut">
               <a:rPr kumimoji="1" lang="ja-JP" altLang="en-US" smtClean="0"/>
-              <a:t>2025/5/12</a:t>
+              <a:t>2025/6/5</a:t>
             </a:fld>
             <a:endParaRPr kumimoji="1" lang="ja-JP" altLang="en-US"/>
           </a:p>
@@ -1268,7 +2320,7 @@
           <a:p>
             <a:fld id="{6A1F47D4-609F-4522-9B5E-F45937DB9C36}" type="datetimeFigureOut">
               <a:rPr kumimoji="1" lang="ja-JP" altLang="en-US" smtClean="0"/>
-              <a:t>2025/5/12</a:t>
+              <a:t>2025/6/5</a:t>
             </a:fld>
             <a:endParaRPr kumimoji="1" lang="ja-JP" altLang="en-US"/>
           </a:p>
@@ -1543,7 +2595,7 @@
           <a:p>
             <a:fld id="{6A1F47D4-609F-4522-9B5E-F45937DB9C36}" type="datetimeFigureOut">
               <a:rPr kumimoji="1" lang="ja-JP" altLang="en-US" smtClean="0"/>
-              <a:t>2025/5/12</a:t>
+              <a:t>2025/6/5</a:t>
             </a:fld>
             <a:endParaRPr kumimoji="1" lang="ja-JP" altLang="en-US"/>
           </a:p>
@@ -1872,7 +2924,7 @@
           <a:p>
             <a:fld id="{6A1F47D4-609F-4522-9B5E-F45937DB9C36}" type="datetimeFigureOut">
               <a:rPr kumimoji="1" lang="ja-JP" altLang="en-US" smtClean="0"/>
-              <a:t>2025/5/12</a:t>
+              <a:t>2025/6/5</a:t>
             </a:fld>
             <a:endParaRPr kumimoji="1" lang="ja-JP" altLang="en-US"/>
           </a:p>
@@ -2348,7 +3400,7 @@
           <a:p>
             <a:fld id="{6A1F47D4-609F-4522-9B5E-F45937DB9C36}" type="datetimeFigureOut">
               <a:rPr kumimoji="1" lang="ja-JP" altLang="en-US" smtClean="0"/>
-              <a:t>2025/5/12</a:t>
+              <a:t>2025/6/5</a:t>
             </a:fld>
             <a:endParaRPr kumimoji="1" lang="ja-JP" altLang="en-US"/>
           </a:p>
@@ -2489,7 +3541,7 @@
           <a:p>
             <a:fld id="{6A1F47D4-609F-4522-9B5E-F45937DB9C36}" type="datetimeFigureOut">
               <a:rPr kumimoji="1" lang="ja-JP" altLang="en-US" smtClean="0"/>
-              <a:t>2025/5/12</a:t>
+              <a:t>2025/6/5</a:t>
             </a:fld>
             <a:endParaRPr kumimoji="1" lang="ja-JP" altLang="en-US"/>
           </a:p>
@@ -2602,7 +3654,7 @@
           <a:p>
             <a:fld id="{6A1F47D4-609F-4522-9B5E-F45937DB9C36}" type="datetimeFigureOut">
               <a:rPr kumimoji="1" lang="ja-JP" altLang="en-US" smtClean="0"/>
-              <a:t>2025/5/12</a:t>
+              <a:t>2025/6/5</a:t>
             </a:fld>
             <a:endParaRPr kumimoji="1" lang="ja-JP" altLang="en-US"/>
           </a:p>
@@ -2945,7 +3997,7 @@
           <a:p>
             <a:fld id="{6A1F47D4-609F-4522-9B5E-F45937DB9C36}" type="datetimeFigureOut">
               <a:rPr kumimoji="1" lang="ja-JP" altLang="en-US" smtClean="0"/>
-              <a:t>2025/5/12</a:t>
+              <a:t>2025/6/5</a:t>
             </a:fld>
             <a:endParaRPr kumimoji="1" lang="ja-JP" altLang="en-US"/>
           </a:p>
@@ -3233,7 +4285,7 @@
           <a:p>
             <a:fld id="{6A1F47D4-609F-4522-9B5E-F45937DB9C36}" type="datetimeFigureOut">
               <a:rPr kumimoji="1" lang="ja-JP" altLang="en-US" smtClean="0"/>
-              <a:t>2025/5/12</a:t>
+              <a:t>2025/6/5</a:t>
             </a:fld>
             <a:endParaRPr kumimoji="1" lang="ja-JP" altLang="en-US"/>
           </a:p>
@@ -3506,7 +4558,7 @@
           <a:p>
             <a:fld id="{6A1F47D4-609F-4522-9B5E-F45937DB9C36}" type="datetimeFigureOut">
               <a:rPr kumimoji="1" lang="ja-JP" altLang="en-US" smtClean="0"/>
-              <a:t>2025/5/12</a:t>
+              <a:t>2025/6/5</a:t>
             </a:fld>
             <a:endParaRPr kumimoji="1" lang="ja-JP" altLang="en-US"/>
           </a:p>
@@ -4842,6 +5894,4891 @@
 </p:sld>
 </file>
 
+<file path=ppt/slides/slide3.xml><?xml version="1.0" encoding="utf-8"?>
+<p:sld xmlns:a="http://schemas.openxmlformats.org/drawingml/2006/main" xmlns:r="http://schemas.openxmlformats.org/officeDocument/2006/relationships" xmlns:p="http://schemas.openxmlformats.org/presentationml/2006/main">
+  <p:cSld>
+    <p:spTree>
+      <p:nvGrpSpPr>
+        <p:cNvPr id="1" name=""/>
+        <p:cNvGrpSpPr/>
+        <p:nvPr/>
+      </p:nvGrpSpPr>
+      <p:grpSpPr>
+        <a:xfrm>
+          <a:off x="0" y="0"/>
+          <a:ext cx="0" cy="0"/>
+          <a:chOff x="0" y="0"/>
+          <a:chExt cx="0" cy="0"/>
+        </a:xfrm>
+      </p:grpSpPr>
+      <p:pic>
+        <p:nvPicPr>
+          <p:cNvPr id="7" name="図 6">
+            <a:extLst>
+              <a:ext uri="{FF2B5EF4-FFF2-40B4-BE49-F238E27FC236}">
+                <a16:creationId xmlns:a16="http://schemas.microsoft.com/office/drawing/2014/main" id="{A40B20A1-D6A9-0CC2-9430-FAA4E2CEDBF3}"/>
+              </a:ext>
+            </a:extLst>
+          </p:cNvPr>
+          <p:cNvPicPr>
+            <a:picLocks noChangeAspect="1"/>
+          </p:cNvPicPr>
+          <p:nvPr/>
+        </p:nvPicPr>
+        <p:blipFill>
+          <a:blip r:embed="rId3"/>
+          <a:stretch>
+            <a:fillRect/>
+          </a:stretch>
+        </p:blipFill>
+        <p:spPr>
+          <a:xfrm>
+            <a:off x="327522" y="232012"/>
+            <a:ext cx="11623142" cy="6441743"/>
+          </a:xfrm>
+          <a:prstGeom prst="rect">
+            <a:avLst/>
+          </a:prstGeom>
+        </p:spPr>
+      </p:pic>
+      <p:pic>
+        <p:nvPicPr>
+          <p:cNvPr id="9" name="グラフィックス 8">
+            <a:extLst>
+              <a:ext uri="{FF2B5EF4-FFF2-40B4-BE49-F238E27FC236}">
+                <a16:creationId xmlns:a16="http://schemas.microsoft.com/office/drawing/2014/main" id="{10870FA0-E1F6-1345-C5D0-E7885A708073}"/>
+              </a:ext>
+            </a:extLst>
+          </p:cNvPr>
+          <p:cNvPicPr>
+            <a:picLocks noChangeAspect="1"/>
+          </p:cNvPicPr>
+          <p:nvPr/>
+        </p:nvPicPr>
+        <p:blipFill>
+          <a:blip r:embed="rId4">
+            <a:extLst>
+              <a:ext uri="{96DAC541-7B7A-43D3-8B79-37D633B846F1}">
+                <asvg:svgBlip xmlns:asvg="http://schemas.microsoft.com/office/drawing/2016/SVG/main" r:embed="rId5"/>
+              </a:ext>
+            </a:extLst>
+          </a:blip>
+          <a:stretch>
+            <a:fillRect/>
+          </a:stretch>
+        </p:blipFill>
+        <p:spPr>
+          <a:xfrm>
+            <a:off x="2390773" y="5858827"/>
+            <a:ext cx="266701" cy="266701"/>
+          </a:xfrm>
+          <a:prstGeom prst="rect">
+            <a:avLst/>
+          </a:prstGeom>
+        </p:spPr>
+      </p:pic>
+      <p:pic>
+        <p:nvPicPr>
+          <p:cNvPr id="10" name="グラフィックス 9">
+            <a:extLst>
+              <a:ext uri="{FF2B5EF4-FFF2-40B4-BE49-F238E27FC236}">
+                <a16:creationId xmlns:a16="http://schemas.microsoft.com/office/drawing/2014/main" id="{3982B558-F101-C9DA-9C4D-11C5592590E1}"/>
+              </a:ext>
+            </a:extLst>
+          </p:cNvPr>
+          <p:cNvPicPr>
+            <a:picLocks noChangeAspect="1"/>
+          </p:cNvPicPr>
+          <p:nvPr/>
+        </p:nvPicPr>
+        <p:blipFill>
+          <a:blip r:embed="rId4">
+            <a:extLst>
+              <a:ext uri="{96DAC541-7B7A-43D3-8B79-37D633B846F1}">
+                <asvg:svgBlip xmlns:asvg="http://schemas.microsoft.com/office/drawing/2016/SVG/main" r:embed="rId5"/>
+              </a:ext>
+            </a:extLst>
+          </a:blip>
+          <a:stretch>
+            <a:fillRect/>
+          </a:stretch>
+        </p:blipFill>
+        <p:spPr>
+          <a:xfrm>
+            <a:off x="2275521" y="4566285"/>
+            <a:ext cx="188596" cy="188596"/>
+          </a:xfrm>
+          <a:prstGeom prst="rect">
+            <a:avLst/>
+          </a:prstGeom>
+        </p:spPr>
+      </p:pic>
+      <p:pic>
+        <p:nvPicPr>
+          <p:cNvPr id="11" name="グラフィックス 10">
+            <a:extLst>
+              <a:ext uri="{FF2B5EF4-FFF2-40B4-BE49-F238E27FC236}">
+                <a16:creationId xmlns:a16="http://schemas.microsoft.com/office/drawing/2014/main" id="{6BA2FB09-8B07-BB2C-BCFD-2811CA180236}"/>
+              </a:ext>
+            </a:extLst>
+          </p:cNvPr>
+          <p:cNvPicPr>
+            <a:picLocks noChangeAspect="1"/>
+          </p:cNvPicPr>
+          <p:nvPr/>
+        </p:nvPicPr>
+        <p:blipFill>
+          <a:blip r:embed="rId4">
+            <a:extLst>
+              <a:ext uri="{96DAC541-7B7A-43D3-8B79-37D633B846F1}">
+                <asvg:svgBlip xmlns:asvg="http://schemas.microsoft.com/office/drawing/2016/SVG/main" r:embed="rId5"/>
+              </a:ext>
+            </a:extLst>
+          </a:blip>
+          <a:stretch>
+            <a:fillRect/>
+          </a:stretch>
+        </p:blipFill>
+        <p:spPr>
+          <a:xfrm>
+            <a:off x="1632584" y="3956685"/>
+            <a:ext cx="188596" cy="188596"/>
+          </a:xfrm>
+          <a:prstGeom prst="rect">
+            <a:avLst/>
+          </a:prstGeom>
+        </p:spPr>
+      </p:pic>
+      <p:pic>
+        <p:nvPicPr>
+          <p:cNvPr id="12" name="グラフィックス 11">
+            <a:extLst>
+              <a:ext uri="{FF2B5EF4-FFF2-40B4-BE49-F238E27FC236}">
+                <a16:creationId xmlns:a16="http://schemas.microsoft.com/office/drawing/2014/main" id="{2643EDDE-2C75-0558-E210-88739BCA6FE1}"/>
+              </a:ext>
+            </a:extLst>
+          </p:cNvPr>
+          <p:cNvPicPr>
+            <a:picLocks noChangeAspect="1"/>
+          </p:cNvPicPr>
+          <p:nvPr/>
+        </p:nvPicPr>
+        <p:blipFill>
+          <a:blip r:embed="rId4">
+            <a:extLst>
+              <a:ext uri="{96DAC541-7B7A-43D3-8B79-37D633B846F1}">
+                <asvg:svgBlip xmlns:asvg="http://schemas.microsoft.com/office/drawing/2016/SVG/main" r:embed="rId5"/>
+              </a:ext>
+            </a:extLst>
+          </a:blip>
+          <a:stretch>
+            <a:fillRect/>
+          </a:stretch>
+        </p:blipFill>
+        <p:spPr>
+          <a:xfrm>
+            <a:off x="922971" y="3334702"/>
+            <a:ext cx="188596" cy="188596"/>
+          </a:xfrm>
+          <a:prstGeom prst="rect">
+            <a:avLst/>
+          </a:prstGeom>
+        </p:spPr>
+      </p:pic>
+      <p:pic>
+        <p:nvPicPr>
+          <p:cNvPr id="13" name="グラフィックス 12">
+            <a:extLst>
+              <a:ext uri="{FF2B5EF4-FFF2-40B4-BE49-F238E27FC236}">
+                <a16:creationId xmlns:a16="http://schemas.microsoft.com/office/drawing/2014/main" id="{1A035C78-2E93-6018-974A-139214C4E306}"/>
+              </a:ext>
+            </a:extLst>
+          </p:cNvPr>
+          <p:cNvPicPr>
+            <a:picLocks noChangeAspect="1"/>
+          </p:cNvPicPr>
+          <p:nvPr/>
+        </p:nvPicPr>
+        <p:blipFill>
+          <a:blip r:embed="rId4">
+            <a:extLst>
+              <a:ext uri="{96DAC541-7B7A-43D3-8B79-37D633B846F1}">
+                <asvg:svgBlip xmlns:asvg="http://schemas.microsoft.com/office/drawing/2016/SVG/main" r:embed="rId5"/>
+              </a:ext>
+            </a:extLst>
+          </a:blip>
+          <a:stretch>
+            <a:fillRect/>
+          </a:stretch>
+        </p:blipFill>
+        <p:spPr>
+          <a:xfrm>
+            <a:off x="7138034" y="5344478"/>
+            <a:ext cx="188596" cy="188596"/>
+          </a:xfrm>
+          <a:prstGeom prst="rect">
+            <a:avLst/>
+          </a:prstGeom>
+        </p:spPr>
+      </p:pic>
+      <p:pic>
+        <p:nvPicPr>
+          <p:cNvPr id="14" name="グラフィックス 13">
+            <a:extLst>
+              <a:ext uri="{FF2B5EF4-FFF2-40B4-BE49-F238E27FC236}">
+                <a16:creationId xmlns:a16="http://schemas.microsoft.com/office/drawing/2014/main" id="{37BBEFB0-783F-E161-30C0-653B66DC254B}"/>
+              </a:ext>
+            </a:extLst>
+          </p:cNvPr>
+          <p:cNvPicPr>
+            <a:picLocks noChangeAspect="1"/>
+          </p:cNvPicPr>
+          <p:nvPr/>
+        </p:nvPicPr>
+        <p:blipFill>
+          <a:blip r:embed="rId4">
+            <a:extLst>
+              <a:ext uri="{96DAC541-7B7A-43D3-8B79-37D633B846F1}">
+                <asvg:svgBlip xmlns:asvg="http://schemas.microsoft.com/office/drawing/2016/SVG/main" r:embed="rId5"/>
+              </a:ext>
+            </a:extLst>
+          </a:blip>
+          <a:stretch>
+            <a:fillRect/>
+          </a:stretch>
+        </p:blipFill>
+        <p:spPr>
+          <a:xfrm>
+            <a:off x="10062209" y="3956685"/>
+            <a:ext cx="188596" cy="188596"/>
+          </a:xfrm>
+          <a:prstGeom prst="rect">
+            <a:avLst/>
+          </a:prstGeom>
+        </p:spPr>
+      </p:pic>
+      <p:pic>
+        <p:nvPicPr>
+          <p:cNvPr id="16" name="グラフィックス 15">
+            <a:extLst>
+              <a:ext uri="{FF2B5EF4-FFF2-40B4-BE49-F238E27FC236}">
+                <a16:creationId xmlns:a16="http://schemas.microsoft.com/office/drawing/2014/main" id="{50E2A52E-BAD5-1F35-C754-D2BB3329EDC2}"/>
+              </a:ext>
+            </a:extLst>
+          </p:cNvPr>
+          <p:cNvPicPr>
+            <a:picLocks noChangeAspect="1"/>
+          </p:cNvPicPr>
+          <p:nvPr/>
+        </p:nvPicPr>
+        <p:blipFill>
+          <a:blip r:embed="rId6">
+            <a:extLst>
+              <a:ext uri="{96DAC541-7B7A-43D3-8B79-37D633B846F1}">
+                <asvg:svgBlip xmlns:asvg="http://schemas.microsoft.com/office/drawing/2016/SVG/main" r:embed="rId7"/>
+              </a:ext>
+            </a:extLst>
+          </a:blip>
+          <a:stretch>
+            <a:fillRect/>
+          </a:stretch>
+        </p:blipFill>
+        <p:spPr>
+          <a:xfrm>
+            <a:off x="3400424" y="2085974"/>
+            <a:ext cx="266701" cy="266701"/>
+          </a:xfrm>
+          <a:prstGeom prst="rect">
+            <a:avLst/>
+          </a:prstGeom>
+        </p:spPr>
+      </p:pic>
+      <p:pic>
+        <p:nvPicPr>
+          <p:cNvPr id="18" name="グラフィックス 17">
+            <a:extLst>
+              <a:ext uri="{FF2B5EF4-FFF2-40B4-BE49-F238E27FC236}">
+                <a16:creationId xmlns:a16="http://schemas.microsoft.com/office/drawing/2014/main" id="{3571066D-3D94-7207-8865-BD4E20F3ABB2}"/>
+              </a:ext>
+            </a:extLst>
+          </p:cNvPr>
+          <p:cNvPicPr>
+            <a:picLocks noChangeAspect="1"/>
+          </p:cNvPicPr>
+          <p:nvPr/>
+        </p:nvPicPr>
+        <p:blipFill>
+          <a:blip r:embed="rId8">
+            <a:extLst>
+              <a:ext uri="{96DAC541-7B7A-43D3-8B79-37D633B846F1}">
+                <asvg:svgBlip xmlns:asvg="http://schemas.microsoft.com/office/drawing/2016/SVG/main" r:embed="rId9"/>
+              </a:ext>
+            </a:extLst>
+          </a:blip>
+          <a:stretch>
+            <a:fillRect/>
+          </a:stretch>
+        </p:blipFill>
+        <p:spPr>
+          <a:xfrm>
+            <a:off x="4738688" y="3343275"/>
+            <a:ext cx="242888" cy="242888"/>
+          </a:xfrm>
+          <a:prstGeom prst="rect">
+            <a:avLst/>
+          </a:prstGeom>
+        </p:spPr>
+      </p:pic>
+      <p:pic>
+        <p:nvPicPr>
+          <p:cNvPr id="20" name="グラフィックス 19">
+            <a:extLst>
+              <a:ext uri="{FF2B5EF4-FFF2-40B4-BE49-F238E27FC236}">
+                <a16:creationId xmlns:a16="http://schemas.microsoft.com/office/drawing/2014/main" id="{DA520F50-CD2C-8657-B4AD-6F239FCDEDAD}"/>
+              </a:ext>
+            </a:extLst>
+          </p:cNvPr>
+          <p:cNvPicPr>
+            <a:picLocks noChangeAspect="1"/>
+          </p:cNvPicPr>
+          <p:nvPr/>
+        </p:nvPicPr>
+        <p:blipFill>
+          <a:blip r:embed="rId10">
+            <a:extLst>
+              <a:ext uri="{96DAC541-7B7A-43D3-8B79-37D633B846F1}">
+                <asvg:svgBlip xmlns:asvg="http://schemas.microsoft.com/office/drawing/2016/SVG/main" r:embed="rId11"/>
+              </a:ext>
+            </a:extLst>
+          </a:blip>
+          <a:stretch>
+            <a:fillRect/>
+          </a:stretch>
+        </p:blipFill>
+        <p:spPr>
+          <a:xfrm>
+            <a:off x="9610724" y="2097880"/>
+            <a:ext cx="266701" cy="266701"/>
+          </a:xfrm>
+          <a:prstGeom prst="rect">
+            <a:avLst/>
+          </a:prstGeom>
+        </p:spPr>
+      </p:pic>
+      <p:pic>
+        <p:nvPicPr>
+          <p:cNvPr id="22" name="グラフィックス 21">
+            <a:extLst>
+              <a:ext uri="{FF2B5EF4-FFF2-40B4-BE49-F238E27FC236}">
+                <a16:creationId xmlns:a16="http://schemas.microsoft.com/office/drawing/2014/main" id="{2E8CAC86-8ED4-CE08-416E-12112F511DAE}"/>
+              </a:ext>
+            </a:extLst>
+          </p:cNvPr>
+          <p:cNvPicPr>
+            <a:picLocks noChangeAspect="1"/>
+          </p:cNvPicPr>
+          <p:nvPr/>
+        </p:nvPicPr>
+        <p:blipFill>
+          <a:blip r:embed="rId12">
+            <a:extLst>
+              <a:ext uri="{96DAC541-7B7A-43D3-8B79-37D633B846F1}">
+                <asvg:svgBlip xmlns:asvg="http://schemas.microsoft.com/office/drawing/2016/SVG/main" r:embed="rId13"/>
+              </a:ext>
+            </a:extLst>
+          </a:blip>
+          <a:stretch>
+            <a:fillRect/>
+          </a:stretch>
+        </p:blipFill>
+        <p:spPr>
+          <a:xfrm>
+            <a:off x="6835914" y="4547234"/>
+            <a:ext cx="320041" cy="320041"/>
+          </a:xfrm>
+          <a:prstGeom prst="rect">
+            <a:avLst/>
+          </a:prstGeom>
+        </p:spPr>
+      </p:pic>
+      <p:pic>
+        <p:nvPicPr>
+          <p:cNvPr id="23" name="グラフィックス 22">
+            <a:extLst>
+              <a:ext uri="{FF2B5EF4-FFF2-40B4-BE49-F238E27FC236}">
+                <a16:creationId xmlns:a16="http://schemas.microsoft.com/office/drawing/2014/main" id="{81305413-90ED-814A-F9A3-FCB84EAC63C5}"/>
+              </a:ext>
+            </a:extLst>
+          </p:cNvPr>
+          <p:cNvPicPr>
+            <a:picLocks noChangeAspect="1"/>
+          </p:cNvPicPr>
+          <p:nvPr/>
+        </p:nvPicPr>
+        <p:blipFill>
+          <a:blip r:embed="rId8">
+            <a:extLst>
+              <a:ext uri="{96DAC541-7B7A-43D3-8B79-37D633B846F1}">
+                <asvg:svgBlip xmlns:asvg="http://schemas.microsoft.com/office/drawing/2016/SVG/main" r:embed="rId9"/>
+              </a:ext>
+            </a:extLst>
+          </a:blip>
+          <a:stretch>
+            <a:fillRect/>
+          </a:stretch>
+        </p:blipFill>
+        <p:spPr>
+          <a:xfrm>
+            <a:off x="7673340" y="3956685"/>
+            <a:ext cx="188596" cy="188596"/>
+          </a:xfrm>
+          <a:prstGeom prst="rect">
+            <a:avLst/>
+          </a:prstGeom>
+        </p:spPr>
+      </p:pic>
+      <p:pic>
+        <p:nvPicPr>
+          <p:cNvPr id="24" name="グラフィックス 23">
+            <a:extLst>
+              <a:ext uri="{FF2B5EF4-FFF2-40B4-BE49-F238E27FC236}">
+                <a16:creationId xmlns:a16="http://schemas.microsoft.com/office/drawing/2014/main" id="{52A34AA1-A5C0-C710-C454-AEC7A72C02B3}"/>
+              </a:ext>
+            </a:extLst>
+          </p:cNvPr>
+          <p:cNvPicPr>
+            <a:picLocks noChangeAspect="1"/>
+          </p:cNvPicPr>
+          <p:nvPr/>
+        </p:nvPicPr>
+        <p:blipFill>
+          <a:blip r:embed="rId6">
+            <a:extLst>
+              <a:ext uri="{96DAC541-7B7A-43D3-8B79-37D633B846F1}">
+                <asvg:svgBlip xmlns:asvg="http://schemas.microsoft.com/office/drawing/2016/SVG/main" r:embed="rId7"/>
+              </a:ext>
+            </a:extLst>
+          </a:blip>
+          <a:stretch>
+            <a:fillRect/>
+          </a:stretch>
+        </p:blipFill>
+        <p:spPr>
+          <a:xfrm>
+            <a:off x="3619500" y="2708432"/>
+            <a:ext cx="171450" cy="171450"/>
+          </a:xfrm>
+          <a:prstGeom prst="rect">
+            <a:avLst/>
+          </a:prstGeom>
+        </p:spPr>
+      </p:pic>
+      <p:pic>
+        <p:nvPicPr>
+          <p:cNvPr id="26" name="グラフィックス 25">
+            <a:extLst>
+              <a:ext uri="{FF2B5EF4-FFF2-40B4-BE49-F238E27FC236}">
+                <a16:creationId xmlns:a16="http://schemas.microsoft.com/office/drawing/2014/main" id="{A88622B1-C633-5AA4-D9AC-B3C95E18DB0C}"/>
+              </a:ext>
+            </a:extLst>
+          </p:cNvPr>
+          <p:cNvPicPr>
+            <a:picLocks noChangeAspect="1"/>
+          </p:cNvPicPr>
+          <p:nvPr/>
+        </p:nvPicPr>
+        <p:blipFill>
+          <a:blip r:embed="rId12">
+            <a:extLst>
+              <a:ext uri="{96DAC541-7B7A-43D3-8B79-37D633B846F1}">
+                <asvg:svgBlip xmlns:asvg="http://schemas.microsoft.com/office/drawing/2016/SVG/main" r:embed="rId13"/>
+              </a:ext>
+            </a:extLst>
+          </a:blip>
+          <a:stretch>
+            <a:fillRect/>
+          </a:stretch>
+        </p:blipFill>
+        <p:spPr>
+          <a:xfrm>
+            <a:off x="8263892" y="2641757"/>
+            <a:ext cx="274319" cy="274319"/>
+          </a:xfrm>
+          <a:prstGeom prst="rect">
+            <a:avLst/>
+          </a:prstGeom>
+        </p:spPr>
+      </p:pic>
+      <p:pic>
+        <p:nvPicPr>
+          <p:cNvPr id="27" name="グラフィックス 26">
+            <a:extLst>
+              <a:ext uri="{FF2B5EF4-FFF2-40B4-BE49-F238E27FC236}">
+                <a16:creationId xmlns:a16="http://schemas.microsoft.com/office/drawing/2014/main" id="{F0621366-8C18-2062-1272-72857058BD77}"/>
+              </a:ext>
+            </a:extLst>
+          </p:cNvPr>
+          <p:cNvPicPr>
+            <a:picLocks noChangeAspect="1"/>
+          </p:cNvPicPr>
+          <p:nvPr/>
+        </p:nvPicPr>
+        <p:blipFill>
+          <a:blip r:embed="rId12">
+            <a:extLst>
+              <a:ext uri="{96DAC541-7B7A-43D3-8B79-37D633B846F1}">
+                <asvg:svgBlip xmlns:asvg="http://schemas.microsoft.com/office/drawing/2016/SVG/main" r:embed="rId13"/>
+              </a:ext>
+            </a:extLst>
+          </a:blip>
+          <a:stretch>
+            <a:fillRect/>
+          </a:stretch>
+        </p:blipFill>
+        <p:spPr>
+          <a:xfrm>
+            <a:off x="6973725" y="3281360"/>
+            <a:ext cx="258607" cy="258607"/>
+          </a:xfrm>
+          <a:prstGeom prst="rect">
+            <a:avLst/>
+          </a:prstGeom>
+        </p:spPr>
+      </p:pic>
+      <p:pic>
+        <p:nvPicPr>
+          <p:cNvPr id="28" name="グラフィックス 27">
+            <a:extLst>
+              <a:ext uri="{FF2B5EF4-FFF2-40B4-BE49-F238E27FC236}">
+                <a16:creationId xmlns:a16="http://schemas.microsoft.com/office/drawing/2014/main" id="{643CAFB9-4F62-1BAE-BCDF-14D7C2B0E9A7}"/>
+              </a:ext>
+            </a:extLst>
+          </p:cNvPr>
+          <p:cNvPicPr>
+            <a:picLocks noChangeAspect="1"/>
+          </p:cNvPicPr>
+          <p:nvPr/>
+        </p:nvPicPr>
+        <p:blipFill>
+          <a:blip r:embed="rId6">
+            <a:extLst>
+              <a:ext uri="{96DAC541-7B7A-43D3-8B79-37D633B846F1}">
+                <asvg:svgBlip xmlns:asvg="http://schemas.microsoft.com/office/drawing/2016/SVG/main" r:embed="rId7"/>
+              </a:ext>
+            </a:extLst>
+          </a:blip>
+          <a:stretch>
+            <a:fillRect/>
+          </a:stretch>
+        </p:blipFill>
+        <p:spPr>
+          <a:xfrm>
+            <a:off x="6750189" y="3335654"/>
+            <a:ext cx="171450" cy="171450"/>
+          </a:xfrm>
+          <a:prstGeom prst="rect">
+            <a:avLst/>
+          </a:prstGeom>
+        </p:spPr>
+      </p:pic>
+      <p:grpSp>
+        <p:nvGrpSpPr>
+          <p:cNvPr id="35" name="グループ化 34">
+            <a:extLst>
+              <a:ext uri="{FF2B5EF4-FFF2-40B4-BE49-F238E27FC236}">
+                <a16:creationId xmlns:a16="http://schemas.microsoft.com/office/drawing/2014/main" id="{B38D9587-CD46-917A-117A-62B3EC77A017}"/>
+              </a:ext>
+            </a:extLst>
+          </p:cNvPr>
+          <p:cNvGrpSpPr/>
+          <p:nvPr/>
+        </p:nvGrpSpPr>
+        <p:grpSpPr>
+          <a:xfrm>
+            <a:off x="1424580" y="1481138"/>
+            <a:ext cx="2133008" cy="604836"/>
+            <a:chOff x="1424580" y="1481138"/>
+            <a:chExt cx="2133008" cy="604836"/>
+          </a:xfrm>
+        </p:grpSpPr>
+        <p:sp>
+          <p:nvSpPr>
+            <p:cNvPr id="32" name="四角形: 角を丸くする 31">
+              <a:extLst>
+                <a:ext uri="{FF2B5EF4-FFF2-40B4-BE49-F238E27FC236}">
+                  <a16:creationId xmlns:a16="http://schemas.microsoft.com/office/drawing/2014/main" id="{D10E3016-4E2C-0F88-E6FE-69831F8F0181}"/>
+                </a:ext>
+              </a:extLst>
+            </p:cNvPr>
+            <p:cNvSpPr/>
+            <p:nvPr/>
+          </p:nvSpPr>
+          <p:spPr>
+            <a:xfrm>
+              <a:off x="1424580" y="1481138"/>
+              <a:ext cx="2133008" cy="604836"/>
+            </a:xfrm>
+            <a:prstGeom prst="roundRect">
+              <a:avLst/>
+            </a:prstGeom>
+            <a:solidFill>
+              <a:schemeClr val="bg1"/>
+            </a:solidFill>
+          </p:spPr>
+          <p:style>
+            <a:lnRef idx="2">
+              <a:schemeClr val="accent1">
+                <a:shade val="15000"/>
+              </a:schemeClr>
+            </a:lnRef>
+            <a:fillRef idx="1">
+              <a:schemeClr val="accent1"/>
+            </a:fillRef>
+            <a:effectRef idx="0">
+              <a:schemeClr val="accent1"/>
+            </a:effectRef>
+            <a:fontRef idx="minor">
+              <a:schemeClr val="lt1"/>
+            </a:fontRef>
+          </p:style>
+          <p:txBody>
+            <a:bodyPr rtlCol="0" anchor="ctr"/>
+            <a:lstStyle/>
+            <a:p>
+              <a:pPr algn="ctr"/>
+              <a:r>
+                <a:rPr kumimoji="1" lang="en-US" altLang="ja-JP" sz="1400" dirty="0">
+                  <a:ln w="0"/>
+                  <a:solidFill>
+                    <a:schemeClr val="tx1"/>
+                  </a:solidFill>
+                  <a:effectLst>
+                    <a:outerShdw blurRad="38100" dist="19050" dir="2700000" algn="tl" rotWithShape="0">
+                      <a:schemeClr val="dk1">
+                        <a:alpha val="40000"/>
+                      </a:schemeClr>
+                    </a:outerShdw>
+                  </a:effectLst>
+                </a:rPr>
+                <a:t>Azure AI Foundry</a:t>
+              </a:r>
+            </a:p>
+            <a:p>
+              <a:pPr algn="ctr"/>
+              <a:r>
+                <a:rPr kumimoji="1" lang="en-US" altLang="ja-JP" sz="1200" dirty="0">
+                  <a:ln w="0"/>
+                  <a:solidFill>
+                    <a:schemeClr val="tx1"/>
+                  </a:solidFill>
+                  <a:effectLst>
+                    <a:outerShdw blurRad="38100" dist="19050" dir="2700000" algn="tl" rotWithShape="0">
+                      <a:schemeClr val="dk1">
+                        <a:alpha val="40000"/>
+                      </a:schemeClr>
+                    </a:outerShdw>
+                  </a:effectLst>
+                </a:rPr>
+                <a:t>(</a:t>
+              </a:r>
+              <a:r>
+                <a:rPr kumimoji="1" lang="ja-JP" altLang="en-US" sz="1200" dirty="0">
+                  <a:ln w="0"/>
+                  <a:solidFill>
+                    <a:schemeClr val="tx1"/>
+                  </a:solidFill>
+                  <a:effectLst>
+                    <a:outerShdw blurRad="38100" dist="19050" dir="2700000" algn="tl" rotWithShape="0">
+                      <a:schemeClr val="dk1">
+                        <a:alpha val="40000"/>
+                      </a:schemeClr>
+                    </a:outerShdw>
+                  </a:effectLst>
+                </a:rPr>
+                <a:t>エージェント</a:t>
+              </a:r>
+              <a:r>
+                <a:rPr kumimoji="1" lang="en-US" altLang="ja-JP" sz="1200" dirty="0">
+                  <a:ln w="0"/>
+                  <a:solidFill>
+                    <a:schemeClr val="tx1"/>
+                  </a:solidFill>
+                  <a:effectLst>
+                    <a:outerShdw blurRad="38100" dist="19050" dir="2700000" algn="tl" rotWithShape="0">
+                      <a:schemeClr val="dk1">
+                        <a:alpha val="40000"/>
+                      </a:schemeClr>
+                    </a:outerShdw>
+                  </a:effectLst>
+                </a:rPr>
+                <a:t>/</a:t>
+              </a:r>
+              <a:r>
+                <a:rPr kumimoji="1" lang="ja-JP" altLang="en-US" sz="1200" dirty="0">
+                  <a:ln w="0"/>
+                  <a:solidFill>
+                    <a:schemeClr val="tx1"/>
+                  </a:solidFill>
+                  <a:effectLst>
+                    <a:outerShdw blurRad="38100" dist="19050" dir="2700000" algn="tl" rotWithShape="0">
+                      <a:schemeClr val="dk1">
+                        <a:alpha val="40000"/>
+                      </a:schemeClr>
+                    </a:outerShdw>
+                  </a:effectLst>
+                </a:rPr>
+                <a:t>スレッド</a:t>
+              </a:r>
+              <a:r>
+                <a:rPr lang="en-US" altLang="ja-JP" sz="1200" dirty="0">
+                  <a:ln w="0"/>
+                  <a:solidFill>
+                    <a:schemeClr val="tx1"/>
+                  </a:solidFill>
+                  <a:effectLst>
+                    <a:outerShdw blurRad="38100" dist="19050" dir="2700000" algn="tl" rotWithShape="0">
+                      <a:schemeClr val="dk1">
+                        <a:alpha val="40000"/>
+                      </a:schemeClr>
+                    </a:outerShdw>
+                  </a:effectLst>
+                </a:rPr>
+                <a:t>)</a:t>
+              </a:r>
+              <a:endParaRPr kumimoji="1" lang="en-US" altLang="ja-JP" sz="1200" dirty="0">
+                <a:ln w="0"/>
+                <a:solidFill>
+                  <a:schemeClr val="tx1"/>
+                </a:solidFill>
+                <a:effectLst>
+                  <a:outerShdw blurRad="38100" dist="19050" dir="2700000" algn="tl" rotWithShape="0">
+                    <a:schemeClr val="dk1">
+                      <a:alpha val="40000"/>
+                    </a:schemeClr>
+                  </a:outerShdw>
+                </a:effectLst>
+              </a:endParaRPr>
+            </a:p>
+          </p:txBody>
+        </p:sp>
+        <p:pic>
+          <p:nvPicPr>
+            <p:cNvPr id="33" name="グラフィックス 32">
+              <a:extLst>
+                <a:ext uri="{FF2B5EF4-FFF2-40B4-BE49-F238E27FC236}">
+                  <a16:creationId xmlns:a16="http://schemas.microsoft.com/office/drawing/2014/main" id="{C6E7F79B-D08A-962E-D9BF-39464802E6A8}"/>
+                </a:ext>
+              </a:extLst>
+            </p:cNvPr>
+            <p:cNvPicPr>
+              <a:picLocks noChangeAspect="1"/>
+            </p:cNvPicPr>
+            <p:nvPr/>
+          </p:nvPicPr>
+          <p:blipFill>
+            <a:blip r:embed="rId6">
+              <a:extLst>
+                <a:ext uri="{96DAC541-7B7A-43D3-8B79-37D633B846F1}">
+                  <asvg:svgBlip xmlns:asvg="http://schemas.microsoft.com/office/drawing/2016/SVG/main" r:embed="rId7"/>
+                </a:ext>
+              </a:extLst>
+            </a:blip>
+            <a:stretch>
+              <a:fillRect/>
+            </a:stretch>
+          </p:blipFill>
+          <p:spPr>
+            <a:xfrm>
+              <a:off x="1460181" y="1542512"/>
+              <a:ext cx="266701" cy="266701"/>
+            </a:xfrm>
+            <a:prstGeom prst="rect">
+              <a:avLst/>
+            </a:prstGeom>
+          </p:spPr>
+        </p:pic>
+      </p:grpSp>
+      <p:grpSp>
+        <p:nvGrpSpPr>
+          <p:cNvPr id="34" name="グループ化 33">
+            <a:extLst>
+              <a:ext uri="{FF2B5EF4-FFF2-40B4-BE49-F238E27FC236}">
+                <a16:creationId xmlns:a16="http://schemas.microsoft.com/office/drawing/2014/main" id="{ED3BAC09-7FD4-0005-0D3A-5D9AFACA73AC}"/>
+              </a:ext>
+            </a:extLst>
+          </p:cNvPr>
+          <p:cNvGrpSpPr/>
+          <p:nvPr/>
+        </p:nvGrpSpPr>
+        <p:grpSpPr>
+          <a:xfrm>
+            <a:off x="3705225" y="561976"/>
+            <a:ext cx="1747838" cy="495299"/>
+            <a:chOff x="3705225" y="561976"/>
+            <a:chExt cx="1747838" cy="495299"/>
+          </a:xfrm>
+        </p:grpSpPr>
+        <p:sp>
+          <p:nvSpPr>
+            <p:cNvPr id="31" name="四角形: 角を丸くする 30">
+              <a:extLst>
+                <a:ext uri="{FF2B5EF4-FFF2-40B4-BE49-F238E27FC236}">
+                  <a16:creationId xmlns:a16="http://schemas.microsoft.com/office/drawing/2014/main" id="{CD0A892B-DE84-A474-E5B1-9D4666970FDA}"/>
+                </a:ext>
+              </a:extLst>
+            </p:cNvPr>
+            <p:cNvSpPr/>
+            <p:nvPr/>
+          </p:nvSpPr>
+          <p:spPr>
+            <a:xfrm>
+              <a:off x="3705225" y="561976"/>
+              <a:ext cx="1747838" cy="495299"/>
+            </a:xfrm>
+            <a:prstGeom prst="roundRect">
+              <a:avLst/>
+            </a:prstGeom>
+            <a:solidFill>
+              <a:schemeClr val="bg1"/>
+            </a:solidFill>
+          </p:spPr>
+          <p:style>
+            <a:lnRef idx="2">
+              <a:schemeClr val="accent1">
+                <a:shade val="15000"/>
+              </a:schemeClr>
+            </a:lnRef>
+            <a:fillRef idx="1">
+              <a:schemeClr val="accent1"/>
+            </a:fillRef>
+            <a:effectRef idx="0">
+              <a:schemeClr val="accent1"/>
+            </a:effectRef>
+            <a:fontRef idx="minor">
+              <a:schemeClr val="lt1"/>
+            </a:fontRef>
+          </p:style>
+          <p:txBody>
+            <a:bodyPr rtlCol="0" anchor="ctr"/>
+            <a:lstStyle/>
+            <a:p>
+              <a:pPr algn="ctr"/>
+              <a:r>
+                <a:rPr kumimoji="1" lang="en-US" altLang="ja-JP" sz="1400" dirty="0">
+                  <a:ln w="0"/>
+                  <a:solidFill>
+                    <a:schemeClr val="tx1"/>
+                  </a:solidFill>
+                  <a:effectLst>
+                    <a:outerShdw blurRad="38100" dist="19050" dir="2700000" algn="tl" rotWithShape="0">
+                      <a:schemeClr val="dk1">
+                        <a:alpha val="40000"/>
+                      </a:schemeClr>
+                    </a:outerShdw>
+                  </a:effectLst>
+                </a:rPr>
+                <a:t>Streamlit </a:t>
+              </a:r>
+            </a:p>
+            <a:p>
+              <a:pPr algn="ctr"/>
+              <a:r>
+                <a:rPr kumimoji="1" lang="en-US" altLang="ja-JP" sz="1200" dirty="0">
+                  <a:ln w="0"/>
+                  <a:solidFill>
+                    <a:schemeClr val="tx1"/>
+                  </a:solidFill>
+                  <a:effectLst>
+                    <a:outerShdw blurRad="38100" dist="19050" dir="2700000" algn="tl" rotWithShape="0">
+                      <a:schemeClr val="dk1">
+                        <a:alpha val="40000"/>
+                      </a:schemeClr>
+                    </a:outerShdw>
+                  </a:effectLst>
+                </a:rPr>
+                <a:t>(Web</a:t>
+              </a:r>
+              <a:r>
+                <a:rPr lang="ja-JP" altLang="en-US" sz="1200" dirty="0">
+                  <a:ln w="0"/>
+                  <a:solidFill>
+                    <a:schemeClr val="tx1"/>
+                  </a:solidFill>
+                  <a:effectLst>
+                    <a:outerShdw blurRad="38100" dist="19050" dir="2700000" algn="tl" rotWithShape="0">
+                      <a:schemeClr val="dk1">
+                        <a:alpha val="40000"/>
+                      </a:schemeClr>
+                    </a:outerShdw>
+                  </a:effectLst>
+                </a:rPr>
+                <a:t> アプリ</a:t>
+              </a:r>
+              <a:r>
+                <a:rPr lang="en-US" altLang="ja-JP" sz="1200" dirty="0">
+                  <a:ln w="0"/>
+                  <a:solidFill>
+                    <a:schemeClr val="tx1"/>
+                  </a:solidFill>
+                  <a:effectLst>
+                    <a:outerShdw blurRad="38100" dist="19050" dir="2700000" algn="tl" rotWithShape="0">
+                      <a:schemeClr val="dk1">
+                        <a:alpha val="40000"/>
+                      </a:schemeClr>
+                    </a:outerShdw>
+                  </a:effectLst>
+                </a:rPr>
+                <a:t>)</a:t>
+              </a:r>
+              <a:endParaRPr kumimoji="1" lang="en-US" altLang="ja-JP" sz="1200" dirty="0">
+                <a:ln w="0"/>
+                <a:solidFill>
+                  <a:schemeClr val="tx1"/>
+                </a:solidFill>
+                <a:effectLst>
+                  <a:outerShdw blurRad="38100" dist="19050" dir="2700000" algn="tl" rotWithShape="0">
+                    <a:schemeClr val="dk1">
+                      <a:alpha val="40000"/>
+                    </a:schemeClr>
+                  </a:outerShdw>
+                </a:effectLst>
+              </a:endParaRPr>
+            </a:p>
+          </p:txBody>
+        </p:sp>
+        <p:pic>
+          <p:nvPicPr>
+            <p:cNvPr id="30" name="グラフィックス 29">
+              <a:extLst>
+                <a:ext uri="{FF2B5EF4-FFF2-40B4-BE49-F238E27FC236}">
+                  <a16:creationId xmlns:a16="http://schemas.microsoft.com/office/drawing/2014/main" id="{25364A70-A04D-9726-D539-D34E9232B612}"/>
+                </a:ext>
+              </a:extLst>
+            </p:cNvPr>
+            <p:cNvPicPr>
+              <a:picLocks noChangeAspect="1"/>
+            </p:cNvPicPr>
+            <p:nvPr/>
+          </p:nvPicPr>
+          <p:blipFill>
+            <a:blip r:embed="rId14">
+              <a:extLst>
+                <a:ext uri="{96DAC541-7B7A-43D3-8B79-37D633B846F1}">
+                  <asvg:svgBlip xmlns:asvg="http://schemas.microsoft.com/office/drawing/2016/SVG/main" r:embed="rId15"/>
+                </a:ext>
+              </a:extLst>
+            </a:blip>
+            <a:stretch>
+              <a:fillRect/>
+            </a:stretch>
+          </p:blipFill>
+          <p:spPr>
+            <a:xfrm>
+              <a:off x="3806961" y="638175"/>
+              <a:ext cx="304800" cy="171450"/>
+            </a:xfrm>
+            <a:prstGeom prst="rect">
+              <a:avLst/>
+            </a:prstGeom>
+          </p:spPr>
+        </p:pic>
+      </p:grpSp>
+      <p:grpSp>
+        <p:nvGrpSpPr>
+          <p:cNvPr id="42" name="グループ化 41">
+            <a:extLst>
+              <a:ext uri="{FF2B5EF4-FFF2-40B4-BE49-F238E27FC236}">
+                <a16:creationId xmlns:a16="http://schemas.microsoft.com/office/drawing/2014/main" id="{2138DB29-3963-6F02-A4E3-0BE6D80E204F}"/>
+              </a:ext>
+            </a:extLst>
+          </p:cNvPr>
+          <p:cNvGrpSpPr/>
+          <p:nvPr/>
+        </p:nvGrpSpPr>
+        <p:grpSpPr>
+          <a:xfrm>
+            <a:off x="6600825" y="1474880"/>
+            <a:ext cx="2419350" cy="495299"/>
+            <a:chOff x="6600825" y="1474880"/>
+            <a:chExt cx="2419350" cy="495299"/>
+          </a:xfrm>
+        </p:grpSpPr>
+        <p:sp>
+          <p:nvSpPr>
+            <p:cNvPr id="37" name="四角形: 角を丸くする 36">
+              <a:extLst>
+                <a:ext uri="{FF2B5EF4-FFF2-40B4-BE49-F238E27FC236}">
+                  <a16:creationId xmlns:a16="http://schemas.microsoft.com/office/drawing/2014/main" id="{AA8EF419-0136-0C16-C7A6-E354EA15A5C3}"/>
+                </a:ext>
+              </a:extLst>
+            </p:cNvPr>
+            <p:cNvSpPr/>
+            <p:nvPr/>
+          </p:nvSpPr>
+          <p:spPr>
+            <a:xfrm>
+              <a:off x="6600825" y="1474880"/>
+              <a:ext cx="2419350" cy="495299"/>
+            </a:xfrm>
+            <a:prstGeom prst="roundRect">
+              <a:avLst/>
+            </a:prstGeom>
+            <a:solidFill>
+              <a:schemeClr val="bg1"/>
+            </a:solidFill>
+          </p:spPr>
+          <p:style>
+            <a:lnRef idx="2">
+              <a:schemeClr val="accent1">
+                <a:shade val="15000"/>
+              </a:schemeClr>
+            </a:lnRef>
+            <a:fillRef idx="1">
+              <a:schemeClr val="accent1"/>
+            </a:fillRef>
+            <a:effectRef idx="0">
+              <a:schemeClr val="accent1"/>
+            </a:effectRef>
+            <a:fontRef idx="minor">
+              <a:schemeClr val="lt1"/>
+            </a:fontRef>
+          </p:style>
+          <p:txBody>
+            <a:bodyPr rtlCol="0" anchor="ctr"/>
+            <a:lstStyle/>
+            <a:p>
+              <a:pPr algn="ctr"/>
+              <a:r>
+                <a:rPr kumimoji="1" lang="en-US" altLang="ja-JP" sz="1400" dirty="0">
+                  <a:ln w="0"/>
+                  <a:solidFill>
+                    <a:schemeClr val="tx1"/>
+                  </a:solidFill>
+                  <a:effectLst>
+                    <a:outerShdw blurRad="38100" dist="19050" dir="2700000" algn="tl" rotWithShape="0">
+                      <a:schemeClr val="dk1">
+                        <a:alpha val="40000"/>
+                      </a:schemeClr>
+                    </a:outerShdw>
+                  </a:effectLst>
+                </a:rPr>
+                <a:t>Azure Blob Storage </a:t>
+              </a:r>
+            </a:p>
+            <a:p>
+              <a:pPr algn="ctr"/>
+              <a:r>
+                <a:rPr kumimoji="1" lang="en-US" altLang="ja-JP" sz="1200" dirty="0">
+                  <a:ln w="0"/>
+                  <a:solidFill>
+                    <a:schemeClr val="tx1"/>
+                  </a:solidFill>
+                  <a:effectLst>
+                    <a:outerShdw blurRad="38100" dist="19050" dir="2700000" algn="tl" rotWithShape="0">
+                      <a:schemeClr val="dk1">
+                        <a:alpha val="40000"/>
+                      </a:schemeClr>
+                    </a:outerShdw>
+                  </a:effectLst>
+                </a:rPr>
+                <a:t>(</a:t>
+              </a:r>
+              <a:r>
+                <a:rPr kumimoji="1" lang="ja-JP" altLang="en-US" sz="1200" dirty="0">
+                  <a:ln w="0"/>
+                  <a:solidFill>
+                    <a:schemeClr val="tx1"/>
+                  </a:solidFill>
+                  <a:effectLst>
+                    <a:outerShdw blurRad="38100" dist="19050" dir="2700000" algn="tl" rotWithShape="0">
+                      <a:schemeClr val="dk1">
+                        <a:alpha val="40000"/>
+                      </a:schemeClr>
+                    </a:outerShdw>
+                  </a:effectLst>
+                </a:rPr>
+                <a:t>ユーザー</a:t>
+              </a:r>
+              <a:r>
+                <a:rPr kumimoji="1" lang="en-US" altLang="ja-JP" sz="1200" dirty="0">
+                  <a:ln w="0"/>
+                  <a:solidFill>
+                    <a:schemeClr val="tx1"/>
+                  </a:solidFill>
+                  <a:effectLst>
+                    <a:outerShdw blurRad="38100" dist="19050" dir="2700000" algn="tl" rotWithShape="0">
+                      <a:schemeClr val="dk1">
+                        <a:alpha val="40000"/>
+                      </a:schemeClr>
+                    </a:outerShdw>
+                  </a:effectLst>
+                </a:rPr>
+                <a:t>/</a:t>
+              </a:r>
+              <a:r>
+                <a:rPr kumimoji="1" lang="ja-JP" altLang="en-US" sz="1200" dirty="0">
+                  <a:ln w="0"/>
+                  <a:solidFill>
+                    <a:schemeClr val="tx1"/>
+                  </a:solidFill>
+                  <a:effectLst>
+                    <a:outerShdw blurRad="38100" dist="19050" dir="2700000" algn="tl" rotWithShape="0">
+                      <a:schemeClr val="dk1">
+                        <a:alpha val="40000"/>
+                      </a:schemeClr>
+                    </a:outerShdw>
+                  </a:effectLst>
+                </a:rPr>
+                <a:t>管理者情報</a:t>
+              </a:r>
+              <a:r>
+                <a:rPr lang="en-US" altLang="ja-JP" sz="1200" dirty="0">
+                  <a:ln w="0"/>
+                  <a:solidFill>
+                    <a:schemeClr val="tx1"/>
+                  </a:solidFill>
+                  <a:effectLst>
+                    <a:outerShdw blurRad="38100" dist="19050" dir="2700000" algn="tl" rotWithShape="0">
+                      <a:schemeClr val="dk1">
+                        <a:alpha val="40000"/>
+                      </a:schemeClr>
+                    </a:outerShdw>
+                  </a:effectLst>
+                </a:rPr>
+                <a:t>)</a:t>
+              </a:r>
+              <a:endParaRPr kumimoji="1" lang="en-US" altLang="ja-JP" sz="1200" dirty="0">
+                <a:ln w="0"/>
+                <a:solidFill>
+                  <a:schemeClr val="tx1"/>
+                </a:solidFill>
+                <a:effectLst>
+                  <a:outerShdw blurRad="38100" dist="19050" dir="2700000" algn="tl" rotWithShape="0">
+                    <a:schemeClr val="dk1">
+                      <a:alpha val="40000"/>
+                    </a:schemeClr>
+                  </a:outerShdw>
+                </a:effectLst>
+              </a:endParaRPr>
+            </a:p>
+          </p:txBody>
+        </p:sp>
+        <p:pic>
+          <p:nvPicPr>
+            <p:cNvPr id="39" name="グラフィックス 38">
+              <a:extLst>
+                <a:ext uri="{FF2B5EF4-FFF2-40B4-BE49-F238E27FC236}">
+                  <a16:creationId xmlns:a16="http://schemas.microsoft.com/office/drawing/2014/main" id="{5F3E43AB-B301-5BB4-7C17-BDF8D04AFEE5}"/>
+                </a:ext>
+              </a:extLst>
+            </p:cNvPr>
+            <p:cNvPicPr>
+              <a:picLocks noChangeAspect="1"/>
+            </p:cNvPicPr>
+            <p:nvPr/>
+          </p:nvPicPr>
+          <p:blipFill>
+            <a:blip r:embed="rId10">
+              <a:extLst>
+                <a:ext uri="{96DAC541-7B7A-43D3-8B79-37D633B846F1}">
+                  <asvg:svgBlip xmlns:asvg="http://schemas.microsoft.com/office/drawing/2016/SVG/main" r:embed="rId11"/>
+                </a:ext>
+              </a:extLst>
+            </a:blip>
+            <a:stretch>
+              <a:fillRect/>
+            </a:stretch>
+          </p:blipFill>
+          <p:spPr>
+            <a:xfrm>
+              <a:off x="6702563" y="1529174"/>
+              <a:ext cx="266701" cy="266701"/>
+            </a:xfrm>
+            <a:prstGeom prst="rect">
+              <a:avLst/>
+            </a:prstGeom>
+          </p:spPr>
+        </p:pic>
+      </p:grpSp>
+      <p:grpSp>
+        <p:nvGrpSpPr>
+          <p:cNvPr id="44" name="グループ化 43">
+            <a:extLst>
+              <a:ext uri="{FF2B5EF4-FFF2-40B4-BE49-F238E27FC236}">
+                <a16:creationId xmlns:a16="http://schemas.microsoft.com/office/drawing/2014/main" id="{920F6626-88CC-41B3-6877-32F14BDD89C7}"/>
+              </a:ext>
+            </a:extLst>
+          </p:cNvPr>
+          <p:cNvGrpSpPr/>
+          <p:nvPr/>
+        </p:nvGrpSpPr>
+        <p:grpSpPr>
+          <a:xfrm>
+            <a:off x="8772525" y="4754881"/>
+            <a:ext cx="2566987" cy="495299"/>
+            <a:chOff x="8772525" y="4754881"/>
+            <a:chExt cx="2566987" cy="495299"/>
+          </a:xfrm>
+        </p:grpSpPr>
+        <p:sp>
+          <p:nvSpPr>
+            <p:cNvPr id="40" name="四角形: 角を丸くする 39">
+              <a:extLst>
+                <a:ext uri="{FF2B5EF4-FFF2-40B4-BE49-F238E27FC236}">
+                  <a16:creationId xmlns:a16="http://schemas.microsoft.com/office/drawing/2014/main" id="{1A040AD3-EA85-410F-C2FB-D211A398D097}"/>
+                </a:ext>
+              </a:extLst>
+            </p:cNvPr>
+            <p:cNvSpPr/>
+            <p:nvPr/>
+          </p:nvSpPr>
+          <p:spPr>
+            <a:xfrm>
+              <a:off x="8772525" y="4754881"/>
+              <a:ext cx="2566987" cy="495299"/>
+            </a:xfrm>
+            <a:prstGeom prst="roundRect">
+              <a:avLst/>
+            </a:prstGeom>
+            <a:solidFill>
+              <a:schemeClr val="bg1"/>
+            </a:solidFill>
+          </p:spPr>
+          <p:style>
+            <a:lnRef idx="2">
+              <a:schemeClr val="accent1">
+                <a:shade val="15000"/>
+              </a:schemeClr>
+            </a:lnRef>
+            <a:fillRef idx="1">
+              <a:schemeClr val="accent1"/>
+            </a:fillRef>
+            <a:effectRef idx="0">
+              <a:schemeClr val="accent1"/>
+            </a:effectRef>
+            <a:fontRef idx="minor">
+              <a:schemeClr val="lt1"/>
+            </a:fontRef>
+          </p:style>
+          <p:txBody>
+            <a:bodyPr rtlCol="0" anchor="ctr"/>
+            <a:lstStyle/>
+            <a:p>
+              <a:pPr algn="ctr"/>
+              <a:r>
+                <a:rPr kumimoji="1" lang="en-US" altLang="ja-JP" sz="1400" dirty="0">
+                  <a:ln w="0"/>
+                  <a:solidFill>
+                    <a:schemeClr val="tx1"/>
+                  </a:solidFill>
+                  <a:effectLst>
+                    <a:outerShdw blurRad="38100" dist="19050" dir="2700000" algn="tl" rotWithShape="0">
+                      <a:schemeClr val="dk1">
+                        <a:alpha val="40000"/>
+                      </a:schemeClr>
+                    </a:outerShdw>
+                  </a:effectLst>
+                </a:rPr>
+                <a:t>Azure Cosmos DB</a:t>
+              </a:r>
+            </a:p>
+            <a:p>
+              <a:pPr algn="ctr"/>
+              <a:r>
+                <a:rPr kumimoji="1" lang="en-US" altLang="ja-JP" sz="1200" dirty="0">
+                  <a:ln w="0"/>
+                  <a:solidFill>
+                    <a:schemeClr val="tx1"/>
+                  </a:solidFill>
+                  <a:effectLst>
+                    <a:outerShdw blurRad="38100" dist="19050" dir="2700000" algn="tl" rotWithShape="0">
+                      <a:schemeClr val="dk1">
+                        <a:alpha val="40000"/>
+                      </a:schemeClr>
+                    </a:outerShdw>
+                  </a:effectLst>
+                </a:rPr>
+                <a:t>(</a:t>
+              </a:r>
+              <a:r>
+                <a:rPr lang="ja-JP" altLang="en-US" sz="1200" dirty="0">
+                  <a:ln w="0"/>
+                  <a:solidFill>
+                    <a:schemeClr val="tx1"/>
+                  </a:solidFill>
+                  <a:effectLst>
+                    <a:outerShdw blurRad="38100" dist="19050" dir="2700000" algn="tl" rotWithShape="0">
+                      <a:schemeClr val="dk1">
+                        <a:alpha val="40000"/>
+                      </a:schemeClr>
+                    </a:outerShdw>
+                  </a:effectLst>
+                </a:rPr>
+                <a:t>法律データ保存・ベクトル検索</a:t>
+              </a:r>
+              <a:r>
+                <a:rPr lang="en-US" altLang="ja-JP" sz="1200" dirty="0">
+                  <a:ln w="0"/>
+                  <a:solidFill>
+                    <a:schemeClr val="tx1"/>
+                  </a:solidFill>
+                  <a:effectLst>
+                    <a:outerShdw blurRad="38100" dist="19050" dir="2700000" algn="tl" rotWithShape="0">
+                      <a:schemeClr val="dk1">
+                        <a:alpha val="40000"/>
+                      </a:schemeClr>
+                    </a:outerShdw>
+                  </a:effectLst>
+                </a:rPr>
+                <a:t>)</a:t>
+              </a:r>
+              <a:endParaRPr kumimoji="1" lang="en-US" altLang="ja-JP" sz="1200" dirty="0">
+                <a:ln w="0"/>
+                <a:solidFill>
+                  <a:schemeClr val="tx1"/>
+                </a:solidFill>
+                <a:effectLst>
+                  <a:outerShdw blurRad="38100" dist="19050" dir="2700000" algn="tl" rotWithShape="0">
+                    <a:schemeClr val="dk1">
+                      <a:alpha val="40000"/>
+                    </a:schemeClr>
+                  </a:outerShdw>
+                </a:effectLst>
+              </a:endParaRPr>
+            </a:p>
+          </p:txBody>
+        </p:sp>
+        <p:pic>
+          <p:nvPicPr>
+            <p:cNvPr id="41" name="グラフィックス 40">
+              <a:extLst>
+                <a:ext uri="{FF2B5EF4-FFF2-40B4-BE49-F238E27FC236}">
+                  <a16:creationId xmlns:a16="http://schemas.microsoft.com/office/drawing/2014/main" id="{14DD6DCD-F1B4-7D87-CCB7-6264B7769485}"/>
+                </a:ext>
+              </a:extLst>
+            </p:cNvPr>
+            <p:cNvPicPr>
+              <a:picLocks noChangeAspect="1"/>
+            </p:cNvPicPr>
+            <p:nvPr/>
+          </p:nvPicPr>
+          <p:blipFill>
+            <a:blip r:embed="rId12">
+              <a:extLst>
+                <a:ext uri="{96DAC541-7B7A-43D3-8B79-37D633B846F1}">
+                  <asvg:svgBlip xmlns:asvg="http://schemas.microsoft.com/office/drawing/2016/SVG/main" r:embed="rId13"/>
+                </a:ext>
+              </a:extLst>
+            </a:blip>
+            <a:stretch>
+              <a:fillRect/>
+            </a:stretch>
+          </p:blipFill>
+          <p:spPr>
+            <a:xfrm>
+              <a:off x="8921889" y="4754881"/>
+              <a:ext cx="269557" cy="269557"/>
+            </a:xfrm>
+            <a:prstGeom prst="rect">
+              <a:avLst/>
+            </a:prstGeom>
+          </p:spPr>
+        </p:pic>
+      </p:grpSp>
+      <p:grpSp>
+        <p:nvGrpSpPr>
+          <p:cNvPr id="52" name="グループ化 51">
+            <a:extLst>
+              <a:ext uri="{FF2B5EF4-FFF2-40B4-BE49-F238E27FC236}">
+                <a16:creationId xmlns:a16="http://schemas.microsoft.com/office/drawing/2014/main" id="{DD218DB5-08F8-B366-7C02-F94C2BE3248A}"/>
+              </a:ext>
+            </a:extLst>
+          </p:cNvPr>
+          <p:cNvGrpSpPr/>
+          <p:nvPr/>
+        </p:nvGrpSpPr>
+        <p:grpSpPr>
+          <a:xfrm>
+            <a:off x="4913888" y="3909466"/>
+            <a:ext cx="1788675" cy="495299"/>
+            <a:chOff x="4913888" y="3909466"/>
+            <a:chExt cx="1788675" cy="495299"/>
+          </a:xfrm>
+        </p:grpSpPr>
+        <p:sp>
+          <p:nvSpPr>
+            <p:cNvPr id="43" name="四角形: 角を丸くする 42">
+              <a:extLst>
+                <a:ext uri="{FF2B5EF4-FFF2-40B4-BE49-F238E27FC236}">
+                  <a16:creationId xmlns:a16="http://schemas.microsoft.com/office/drawing/2014/main" id="{BCFB38F6-3D11-3CC0-348B-C08AB44CB092}"/>
+                </a:ext>
+              </a:extLst>
+            </p:cNvPr>
+            <p:cNvSpPr/>
+            <p:nvPr/>
+          </p:nvSpPr>
+          <p:spPr>
+            <a:xfrm>
+              <a:off x="4913888" y="3909466"/>
+              <a:ext cx="1788675" cy="495299"/>
+            </a:xfrm>
+            <a:prstGeom prst="roundRect">
+              <a:avLst/>
+            </a:prstGeom>
+            <a:solidFill>
+              <a:schemeClr val="bg1"/>
+            </a:solidFill>
+          </p:spPr>
+          <p:style>
+            <a:lnRef idx="2">
+              <a:schemeClr val="accent1">
+                <a:shade val="15000"/>
+              </a:schemeClr>
+            </a:lnRef>
+            <a:fillRef idx="1">
+              <a:schemeClr val="accent1"/>
+            </a:fillRef>
+            <a:effectRef idx="0">
+              <a:schemeClr val="accent1"/>
+            </a:effectRef>
+            <a:fontRef idx="minor">
+              <a:schemeClr val="lt1"/>
+            </a:fontRef>
+          </p:style>
+          <p:txBody>
+            <a:bodyPr rtlCol="0" anchor="ctr"/>
+            <a:lstStyle/>
+            <a:p>
+              <a:pPr algn="ctr"/>
+              <a:r>
+                <a:rPr kumimoji="1" lang="en-US" altLang="ja-JP" sz="1400" dirty="0">
+                  <a:ln w="0"/>
+                  <a:solidFill>
+                    <a:schemeClr val="tx1"/>
+                  </a:solidFill>
+                  <a:effectLst>
+                    <a:outerShdw blurRad="38100" dist="19050" dir="2700000" algn="tl" rotWithShape="0">
+                      <a:schemeClr val="dk1">
+                        <a:alpha val="40000"/>
+                      </a:schemeClr>
+                    </a:outerShdw>
+                  </a:effectLst>
+                </a:rPr>
+                <a:t>Azure Open AI</a:t>
+              </a:r>
+            </a:p>
+            <a:p>
+              <a:pPr algn="ctr"/>
+              <a:r>
+                <a:rPr kumimoji="1" lang="en-US" altLang="ja-JP" sz="1200" dirty="0">
+                  <a:ln w="0"/>
+                  <a:solidFill>
+                    <a:schemeClr val="tx1"/>
+                  </a:solidFill>
+                  <a:effectLst>
+                    <a:outerShdw blurRad="38100" dist="19050" dir="2700000" algn="tl" rotWithShape="0">
+                      <a:schemeClr val="dk1">
+                        <a:alpha val="40000"/>
+                      </a:schemeClr>
+                    </a:outerShdw>
+                  </a:effectLst>
+                </a:rPr>
+                <a:t>(</a:t>
+              </a:r>
+              <a:r>
+                <a:rPr lang="ja-JP" altLang="en-US" sz="1200" dirty="0">
+                  <a:ln w="0"/>
+                  <a:solidFill>
+                    <a:schemeClr val="tx1"/>
+                  </a:solidFill>
+                  <a:effectLst>
+                    <a:outerShdw blurRad="38100" dist="19050" dir="2700000" algn="tl" rotWithShape="0">
+                      <a:schemeClr val="dk1">
+                        <a:alpha val="40000"/>
+                      </a:schemeClr>
+                    </a:outerShdw>
+                  </a:effectLst>
+                </a:rPr>
+                <a:t>埋め込み生成</a:t>
+              </a:r>
+              <a:r>
+                <a:rPr lang="en-US" altLang="ja-JP" sz="1200" dirty="0">
+                  <a:ln w="0"/>
+                  <a:solidFill>
+                    <a:schemeClr val="tx1"/>
+                  </a:solidFill>
+                  <a:effectLst>
+                    <a:outerShdw blurRad="38100" dist="19050" dir="2700000" algn="tl" rotWithShape="0">
+                      <a:schemeClr val="dk1">
+                        <a:alpha val="40000"/>
+                      </a:schemeClr>
+                    </a:outerShdw>
+                  </a:effectLst>
+                </a:rPr>
+                <a:t>)</a:t>
+              </a:r>
+              <a:endParaRPr kumimoji="1" lang="en-US" altLang="ja-JP" sz="1200" dirty="0">
+                <a:ln w="0"/>
+                <a:solidFill>
+                  <a:schemeClr val="tx1"/>
+                </a:solidFill>
+                <a:effectLst>
+                  <a:outerShdw blurRad="38100" dist="19050" dir="2700000" algn="tl" rotWithShape="0">
+                    <a:schemeClr val="dk1">
+                      <a:alpha val="40000"/>
+                    </a:schemeClr>
+                  </a:outerShdw>
+                </a:effectLst>
+              </a:endParaRPr>
+            </a:p>
+          </p:txBody>
+        </p:sp>
+        <p:pic>
+          <p:nvPicPr>
+            <p:cNvPr id="50" name="グラフィックス 49">
+              <a:extLst>
+                <a:ext uri="{FF2B5EF4-FFF2-40B4-BE49-F238E27FC236}">
+                  <a16:creationId xmlns:a16="http://schemas.microsoft.com/office/drawing/2014/main" id="{9AAC9C42-8DBC-9C5E-9396-0985E18EA79E}"/>
+                </a:ext>
+              </a:extLst>
+            </p:cNvPr>
+            <p:cNvPicPr>
+              <a:picLocks noChangeAspect="1"/>
+            </p:cNvPicPr>
+            <p:nvPr/>
+          </p:nvPicPr>
+          <p:blipFill>
+            <a:blip r:embed="rId8">
+              <a:extLst>
+                <a:ext uri="{96DAC541-7B7A-43D3-8B79-37D633B846F1}">
+                  <asvg:svgBlip xmlns:asvg="http://schemas.microsoft.com/office/drawing/2016/SVG/main" r:embed="rId9"/>
+                </a:ext>
+              </a:extLst>
+            </a:blip>
+            <a:stretch>
+              <a:fillRect/>
+            </a:stretch>
+          </p:blipFill>
+          <p:spPr>
+            <a:xfrm>
+              <a:off x="4933958" y="3968990"/>
+              <a:ext cx="242888" cy="242888"/>
+            </a:xfrm>
+            <a:prstGeom prst="rect">
+              <a:avLst/>
+            </a:prstGeom>
+          </p:spPr>
+        </p:pic>
+      </p:grpSp>
+      <p:grpSp>
+        <p:nvGrpSpPr>
+          <p:cNvPr id="54" name="グループ化 53">
+            <a:extLst>
+              <a:ext uri="{FF2B5EF4-FFF2-40B4-BE49-F238E27FC236}">
+                <a16:creationId xmlns:a16="http://schemas.microsoft.com/office/drawing/2014/main" id="{5D7868F8-AB25-4909-768E-793F1127ED20}"/>
+              </a:ext>
+            </a:extLst>
+          </p:cNvPr>
+          <p:cNvGrpSpPr/>
+          <p:nvPr/>
+        </p:nvGrpSpPr>
+        <p:grpSpPr>
+          <a:xfrm>
+            <a:off x="4416862" y="5558237"/>
+            <a:ext cx="1945837" cy="495299"/>
+            <a:chOff x="4416862" y="5558237"/>
+            <a:chExt cx="1945837" cy="495299"/>
+          </a:xfrm>
+        </p:grpSpPr>
+        <p:sp>
+          <p:nvSpPr>
+            <p:cNvPr id="51" name="四角形: 角を丸くする 50">
+              <a:extLst>
+                <a:ext uri="{FF2B5EF4-FFF2-40B4-BE49-F238E27FC236}">
+                  <a16:creationId xmlns:a16="http://schemas.microsoft.com/office/drawing/2014/main" id="{283BF121-FE64-6DF7-B70B-DE874EDEF6E6}"/>
+                </a:ext>
+              </a:extLst>
+            </p:cNvPr>
+            <p:cNvSpPr/>
+            <p:nvPr/>
+          </p:nvSpPr>
+          <p:spPr>
+            <a:xfrm>
+              <a:off x="4416862" y="5558237"/>
+              <a:ext cx="1945837" cy="495299"/>
+            </a:xfrm>
+            <a:prstGeom prst="roundRect">
+              <a:avLst/>
+            </a:prstGeom>
+            <a:solidFill>
+              <a:schemeClr val="bg1"/>
+            </a:solidFill>
+          </p:spPr>
+          <p:style>
+            <a:lnRef idx="2">
+              <a:schemeClr val="accent1">
+                <a:shade val="15000"/>
+              </a:schemeClr>
+            </a:lnRef>
+            <a:fillRef idx="1">
+              <a:schemeClr val="accent1"/>
+            </a:fillRef>
+            <a:effectRef idx="0">
+              <a:schemeClr val="accent1"/>
+            </a:effectRef>
+            <a:fontRef idx="minor">
+              <a:schemeClr val="lt1"/>
+            </a:fontRef>
+          </p:style>
+          <p:txBody>
+            <a:bodyPr rtlCol="0" anchor="ctr"/>
+            <a:lstStyle/>
+            <a:p>
+              <a:pPr algn="ctr"/>
+              <a:r>
+                <a:rPr kumimoji="1" lang="en-US" altLang="ja-JP" sz="1400" dirty="0">
+                  <a:ln w="0"/>
+                  <a:solidFill>
+                    <a:schemeClr val="tx1"/>
+                  </a:solidFill>
+                  <a:effectLst>
+                    <a:outerShdw blurRad="38100" dist="19050" dir="2700000" algn="tl" rotWithShape="0">
+                      <a:schemeClr val="dk1">
+                        <a:alpha val="40000"/>
+                      </a:schemeClr>
+                    </a:outerShdw>
+                  </a:effectLst>
+                </a:rPr>
+                <a:t>Azure Key Vault</a:t>
+              </a:r>
+            </a:p>
+            <a:p>
+              <a:pPr algn="ctr"/>
+              <a:r>
+                <a:rPr kumimoji="1" lang="en-US" altLang="ja-JP" sz="1200" dirty="0">
+                  <a:ln w="0"/>
+                  <a:solidFill>
+                    <a:schemeClr val="tx1"/>
+                  </a:solidFill>
+                  <a:effectLst>
+                    <a:outerShdw blurRad="38100" dist="19050" dir="2700000" algn="tl" rotWithShape="0">
+                      <a:schemeClr val="dk1">
+                        <a:alpha val="40000"/>
+                      </a:schemeClr>
+                    </a:outerShdw>
+                  </a:effectLst>
+                </a:rPr>
+                <a:t>(</a:t>
+              </a:r>
+              <a:r>
+                <a:rPr kumimoji="1" lang="ja-JP" altLang="en-US" sz="1200" dirty="0">
+                  <a:ln w="0"/>
+                  <a:solidFill>
+                    <a:schemeClr val="tx1"/>
+                  </a:solidFill>
+                  <a:effectLst>
+                    <a:outerShdw blurRad="38100" dist="19050" dir="2700000" algn="tl" rotWithShape="0">
+                      <a:schemeClr val="dk1">
+                        <a:alpha val="40000"/>
+                      </a:schemeClr>
+                    </a:outerShdw>
+                  </a:effectLst>
+                </a:rPr>
+                <a:t>シークレット管理</a:t>
+              </a:r>
+              <a:r>
+                <a:rPr lang="en-US" altLang="ja-JP" sz="1200" dirty="0">
+                  <a:ln w="0"/>
+                  <a:solidFill>
+                    <a:schemeClr val="tx1"/>
+                  </a:solidFill>
+                  <a:effectLst>
+                    <a:outerShdw blurRad="38100" dist="19050" dir="2700000" algn="tl" rotWithShape="0">
+                      <a:schemeClr val="dk1">
+                        <a:alpha val="40000"/>
+                      </a:schemeClr>
+                    </a:outerShdw>
+                  </a:effectLst>
+                </a:rPr>
+                <a:t>)</a:t>
+              </a:r>
+              <a:endParaRPr kumimoji="1" lang="en-US" altLang="ja-JP" sz="1200" dirty="0">
+                <a:ln w="0"/>
+                <a:solidFill>
+                  <a:schemeClr val="tx1"/>
+                </a:solidFill>
+                <a:effectLst>
+                  <a:outerShdw blurRad="38100" dist="19050" dir="2700000" algn="tl" rotWithShape="0">
+                    <a:schemeClr val="dk1">
+                      <a:alpha val="40000"/>
+                    </a:schemeClr>
+                  </a:outerShdw>
+                </a:effectLst>
+              </a:endParaRPr>
+            </a:p>
+          </p:txBody>
+        </p:sp>
+        <p:pic>
+          <p:nvPicPr>
+            <p:cNvPr id="53" name="グラフィックス 52">
+              <a:extLst>
+                <a:ext uri="{FF2B5EF4-FFF2-40B4-BE49-F238E27FC236}">
+                  <a16:creationId xmlns:a16="http://schemas.microsoft.com/office/drawing/2014/main" id="{2DA26BBA-EAA5-7FDC-0F7D-F38A99493AF8}"/>
+                </a:ext>
+              </a:extLst>
+            </p:cNvPr>
+            <p:cNvPicPr>
+              <a:picLocks noChangeAspect="1"/>
+            </p:cNvPicPr>
+            <p:nvPr/>
+          </p:nvPicPr>
+          <p:blipFill>
+            <a:blip r:embed="rId4">
+              <a:extLst>
+                <a:ext uri="{96DAC541-7B7A-43D3-8B79-37D633B846F1}">
+                  <asvg:svgBlip xmlns:asvg="http://schemas.microsoft.com/office/drawing/2016/SVG/main" r:embed="rId5"/>
+                </a:ext>
+              </a:extLst>
+            </a:blip>
+            <a:stretch>
+              <a:fillRect/>
+            </a:stretch>
+          </p:blipFill>
+          <p:spPr>
+            <a:xfrm>
+              <a:off x="4445793" y="5592126"/>
+              <a:ext cx="266701" cy="266701"/>
+            </a:xfrm>
+            <a:prstGeom prst="rect">
+              <a:avLst/>
+            </a:prstGeom>
+          </p:spPr>
+        </p:pic>
+      </p:grpSp>
+    </p:spTree>
+    <p:extLst>
+      <p:ext uri="{BB962C8B-B14F-4D97-AF65-F5344CB8AC3E}">
+        <p14:creationId xmlns:p14="http://schemas.microsoft.com/office/powerpoint/2010/main" val="649846274"/>
+      </p:ext>
+    </p:extLst>
+  </p:cSld>
+  <p:clrMapOvr>
+    <a:masterClrMapping/>
+  </p:clrMapOvr>
+</p:sld>
+</file>
+
+<file path=ppt/slides/slide4.xml><?xml version="1.0" encoding="utf-8"?>
+<p:sld xmlns:a="http://schemas.openxmlformats.org/drawingml/2006/main" xmlns:r="http://schemas.openxmlformats.org/officeDocument/2006/relationships" xmlns:p="http://schemas.openxmlformats.org/presentationml/2006/main">
+  <p:cSld>
+    <p:spTree>
+      <p:nvGrpSpPr>
+        <p:cNvPr id="1" name=""/>
+        <p:cNvGrpSpPr/>
+        <p:nvPr/>
+      </p:nvGrpSpPr>
+      <p:grpSpPr>
+        <a:xfrm>
+          <a:off x="0" y="0"/>
+          <a:ext cx="0" cy="0"/>
+          <a:chOff x="0" y="0"/>
+          <a:chExt cx="0" cy="0"/>
+        </a:xfrm>
+      </p:grpSpPr>
+      <p:sp>
+        <p:nvSpPr>
+          <p:cNvPr id="1038" name="正方形/長方形 1037">
+            <a:extLst>
+              <a:ext uri="{FF2B5EF4-FFF2-40B4-BE49-F238E27FC236}">
+                <a16:creationId xmlns:a16="http://schemas.microsoft.com/office/drawing/2014/main" id="{F3AF82C7-E057-2438-42BD-775AFB9DC97B}"/>
+              </a:ext>
+            </a:extLst>
+          </p:cNvPr>
+          <p:cNvSpPr/>
+          <p:nvPr/>
+        </p:nvSpPr>
+        <p:spPr>
+          <a:xfrm>
+            <a:off x="9696450" y="242889"/>
+            <a:ext cx="2333625" cy="822604"/>
+          </a:xfrm>
+          <a:prstGeom prst="rect">
+            <a:avLst/>
+          </a:prstGeom>
+          <a:noFill/>
+        </p:spPr>
+        <p:style>
+          <a:lnRef idx="2">
+            <a:schemeClr val="accent1">
+              <a:shade val="15000"/>
+            </a:schemeClr>
+          </a:lnRef>
+          <a:fillRef idx="1">
+            <a:schemeClr val="accent1"/>
+          </a:fillRef>
+          <a:effectRef idx="0">
+            <a:schemeClr val="accent1"/>
+          </a:effectRef>
+          <a:fontRef idx="minor">
+            <a:schemeClr val="lt1"/>
+          </a:fontRef>
+        </p:style>
+        <p:txBody>
+          <a:bodyPr rtlCol="0" anchor="ctr"/>
+          <a:lstStyle/>
+          <a:p>
+            <a:pPr algn="ctr"/>
+            <a:endParaRPr kumimoji="1" lang="ja-JP" altLang="en-US">
+              <a:latin typeface="BIZ UDPゴシック" panose="020B0400000000000000" pitchFamily="50" charset="-128"/>
+              <a:ea typeface="BIZ UDPゴシック" panose="020B0400000000000000" pitchFamily="50" charset="-128"/>
+            </a:endParaRPr>
+          </a:p>
+        </p:txBody>
+      </p:sp>
+      <p:sp>
+        <p:nvSpPr>
+          <p:cNvPr id="26" name="正方形/長方形 25">
+            <a:extLst>
+              <a:ext uri="{FF2B5EF4-FFF2-40B4-BE49-F238E27FC236}">
+                <a16:creationId xmlns:a16="http://schemas.microsoft.com/office/drawing/2014/main" id="{82408B4E-0978-F8EE-0661-0F99763C1A22}"/>
+              </a:ext>
+            </a:extLst>
+          </p:cNvPr>
+          <p:cNvSpPr/>
+          <p:nvPr/>
+        </p:nvSpPr>
+        <p:spPr>
+          <a:xfrm>
+            <a:off x="437322" y="1401417"/>
+            <a:ext cx="11350487" cy="5357192"/>
+          </a:xfrm>
+          <a:prstGeom prst="rect">
+            <a:avLst/>
+          </a:prstGeom>
+          <a:solidFill>
+            <a:srgbClr val="FFFFCC">
+              <a:alpha val="54118"/>
+            </a:srgbClr>
+          </a:solidFill>
+        </p:spPr>
+        <p:style>
+          <a:lnRef idx="2">
+            <a:schemeClr val="accent1">
+              <a:shade val="15000"/>
+            </a:schemeClr>
+          </a:lnRef>
+          <a:fillRef idx="1">
+            <a:schemeClr val="accent1"/>
+          </a:fillRef>
+          <a:effectRef idx="0">
+            <a:schemeClr val="accent1"/>
+          </a:effectRef>
+          <a:fontRef idx="minor">
+            <a:schemeClr val="lt1"/>
+          </a:fontRef>
+        </p:style>
+        <p:txBody>
+          <a:bodyPr rtlCol="0" anchor="ctr"/>
+          <a:lstStyle/>
+          <a:p>
+            <a:pPr algn="ctr"/>
+            <a:endParaRPr kumimoji="1" lang="ja-JP" altLang="en-US">
+              <a:latin typeface="BIZ UDPゴシック" panose="020B0400000000000000" pitchFamily="50" charset="-128"/>
+              <a:ea typeface="BIZ UDPゴシック" panose="020B0400000000000000" pitchFamily="50" charset="-128"/>
+            </a:endParaRPr>
+          </a:p>
+        </p:txBody>
+      </p:sp>
+      <p:grpSp>
+        <p:nvGrpSpPr>
+          <p:cNvPr id="4" name="グループ化 3">
+            <a:extLst>
+              <a:ext uri="{FF2B5EF4-FFF2-40B4-BE49-F238E27FC236}">
+                <a16:creationId xmlns:a16="http://schemas.microsoft.com/office/drawing/2014/main" id="{072ED624-0828-3805-EFC9-D56F45E7678D}"/>
+              </a:ext>
+            </a:extLst>
+          </p:cNvPr>
+          <p:cNvGrpSpPr/>
+          <p:nvPr/>
+        </p:nvGrpSpPr>
+        <p:grpSpPr>
+          <a:xfrm>
+            <a:off x="1418033" y="1977535"/>
+            <a:ext cx="2372917" cy="604836"/>
+            <a:chOff x="1184671" y="1481138"/>
+            <a:chExt cx="2372917" cy="604836"/>
+          </a:xfrm>
+        </p:grpSpPr>
+        <p:sp>
+          <p:nvSpPr>
+            <p:cNvPr id="5" name="四角形: 角を丸くする 4">
+              <a:extLst>
+                <a:ext uri="{FF2B5EF4-FFF2-40B4-BE49-F238E27FC236}">
+                  <a16:creationId xmlns:a16="http://schemas.microsoft.com/office/drawing/2014/main" id="{09B95E73-B31D-63E2-232E-964ACA51E7AB}"/>
+                </a:ext>
+              </a:extLst>
+            </p:cNvPr>
+            <p:cNvSpPr/>
+            <p:nvPr/>
+          </p:nvSpPr>
+          <p:spPr>
+            <a:xfrm>
+              <a:off x="1184671" y="1481138"/>
+              <a:ext cx="2372917" cy="604836"/>
+            </a:xfrm>
+            <a:prstGeom prst="roundRect">
+              <a:avLst/>
+            </a:prstGeom>
+            <a:solidFill>
+              <a:schemeClr val="bg1"/>
+            </a:solidFill>
+          </p:spPr>
+          <p:style>
+            <a:lnRef idx="2">
+              <a:schemeClr val="accent1">
+                <a:shade val="15000"/>
+              </a:schemeClr>
+            </a:lnRef>
+            <a:fillRef idx="1">
+              <a:schemeClr val="accent1"/>
+            </a:fillRef>
+            <a:effectRef idx="0">
+              <a:schemeClr val="accent1"/>
+            </a:effectRef>
+            <a:fontRef idx="minor">
+              <a:schemeClr val="lt1"/>
+            </a:fontRef>
+          </p:style>
+          <p:txBody>
+            <a:bodyPr rtlCol="0" anchor="ctr"/>
+            <a:lstStyle/>
+            <a:p>
+              <a:pPr algn="ctr"/>
+              <a:r>
+                <a:rPr kumimoji="1" lang="en-US" altLang="ja-JP" sz="1400" dirty="0">
+                  <a:ln w="0"/>
+                  <a:solidFill>
+                    <a:schemeClr val="tx1"/>
+                  </a:solidFill>
+                  <a:effectLst>
+                    <a:outerShdw blurRad="38100" dist="19050" dir="2700000" algn="tl" rotWithShape="0">
+                      <a:schemeClr val="dk1">
+                        <a:alpha val="40000"/>
+                      </a:schemeClr>
+                    </a:outerShdw>
+                  </a:effectLst>
+                  <a:latin typeface="BIZ UDPゴシック" panose="020B0400000000000000" pitchFamily="50" charset="-128"/>
+                  <a:ea typeface="BIZ UDPゴシック" panose="020B0400000000000000" pitchFamily="50" charset="-128"/>
+                </a:rPr>
+                <a:t>Azure AI Foundry</a:t>
+              </a:r>
+            </a:p>
+            <a:p>
+              <a:pPr algn="ctr"/>
+              <a:r>
+                <a:rPr kumimoji="1" lang="en-US" altLang="ja-JP" sz="1200" dirty="0">
+                  <a:ln w="0"/>
+                  <a:solidFill>
+                    <a:schemeClr val="tx1"/>
+                  </a:solidFill>
+                  <a:effectLst>
+                    <a:outerShdw blurRad="38100" dist="19050" dir="2700000" algn="tl" rotWithShape="0">
+                      <a:schemeClr val="dk1">
+                        <a:alpha val="40000"/>
+                      </a:schemeClr>
+                    </a:outerShdw>
+                  </a:effectLst>
+                  <a:latin typeface="BIZ UDPゴシック" panose="020B0400000000000000" pitchFamily="50" charset="-128"/>
+                  <a:ea typeface="BIZ UDPゴシック" panose="020B0400000000000000" pitchFamily="50" charset="-128"/>
+                </a:rPr>
+                <a:t>(</a:t>
+              </a:r>
+              <a:r>
+                <a:rPr kumimoji="1" lang="ja-JP" altLang="en-US" sz="1200" dirty="0">
+                  <a:ln w="0"/>
+                  <a:solidFill>
+                    <a:schemeClr val="tx1"/>
+                  </a:solidFill>
+                  <a:effectLst>
+                    <a:outerShdw blurRad="38100" dist="19050" dir="2700000" algn="tl" rotWithShape="0">
+                      <a:schemeClr val="dk1">
+                        <a:alpha val="40000"/>
+                      </a:schemeClr>
+                    </a:outerShdw>
+                  </a:effectLst>
+                  <a:latin typeface="BIZ UDPゴシック" panose="020B0400000000000000" pitchFamily="50" charset="-128"/>
+                  <a:ea typeface="BIZ UDPゴシック" panose="020B0400000000000000" pitchFamily="50" charset="-128"/>
+                </a:rPr>
+                <a:t>エージェント</a:t>
+              </a:r>
+              <a:r>
+                <a:rPr kumimoji="1" lang="en-US" altLang="ja-JP" sz="1200" dirty="0">
+                  <a:ln w="0"/>
+                  <a:solidFill>
+                    <a:schemeClr val="tx1"/>
+                  </a:solidFill>
+                  <a:effectLst>
+                    <a:outerShdw blurRad="38100" dist="19050" dir="2700000" algn="tl" rotWithShape="0">
+                      <a:schemeClr val="dk1">
+                        <a:alpha val="40000"/>
+                      </a:schemeClr>
+                    </a:outerShdw>
+                  </a:effectLst>
+                  <a:latin typeface="BIZ UDPゴシック" panose="020B0400000000000000" pitchFamily="50" charset="-128"/>
+                  <a:ea typeface="BIZ UDPゴシック" panose="020B0400000000000000" pitchFamily="50" charset="-128"/>
+                </a:rPr>
+                <a:t>/</a:t>
+              </a:r>
+              <a:r>
+                <a:rPr kumimoji="1" lang="ja-JP" altLang="en-US" sz="1200" dirty="0">
+                  <a:ln w="0"/>
+                  <a:solidFill>
+                    <a:schemeClr val="tx1"/>
+                  </a:solidFill>
+                  <a:effectLst>
+                    <a:outerShdw blurRad="38100" dist="19050" dir="2700000" algn="tl" rotWithShape="0">
+                      <a:schemeClr val="dk1">
+                        <a:alpha val="40000"/>
+                      </a:schemeClr>
+                    </a:outerShdw>
+                  </a:effectLst>
+                  <a:latin typeface="BIZ UDPゴシック" panose="020B0400000000000000" pitchFamily="50" charset="-128"/>
+                  <a:ea typeface="BIZ UDPゴシック" panose="020B0400000000000000" pitchFamily="50" charset="-128"/>
+                </a:rPr>
+                <a:t>スレッド</a:t>
+              </a:r>
+              <a:r>
+                <a:rPr lang="en-US" altLang="ja-JP" sz="1200" dirty="0">
+                  <a:ln w="0"/>
+                  <a:solidFill>
+                    <a:schemeClr val="tx1"/>
+                  </a:solidFill>
+                  <a:effectLst>
+                    <a:outerShdw blurRad="38100" dist="19050" dir="2700000" algn="tl" rotWithShape="0">
+                      <a:schemeClr val="dk1">
+                        <a:alpha val="40000"/>
+                      </a:schemeClr>
+                    </a:outerShdw>
+                  </a:effectLst>
+                  <a:latin typeface="BIZ UDPゴシック" panose="020B0400000000000000" pitchFamily="50" charset="-128"/>
+                  <a:ea typeface="BIZ UDPゴシック" panose="020B0400000000000000" pitchFamily="50" charset="-128"/>
+                </a:rPr>
+                <a:t>)</a:t>
+              </a:r>
+              <a:endParaRPr kumimoji="1" lang="en-US" altLang="ja-JP" sz="1200" dirty="0">
+                <a:ln w="0"/>
+                <a:solidFill>
+                  <a:schemeClr val="tx1"/>
+                </a:solidFill>
+                <a:effectLst>
+                  <a:outerShdw blurRad="38100" dist="19050" dir="2700000" algn="tl" rotWithShape="0">
+                    <a:schemeClr val="dk1">
+                      <a:alpha val="40000"/>
+                    </a:schemeClr>
+                  </a:outerShdw>
+                </a:effectLst>
+                <a:latin typeface="BIZ UDPゴシック" panose="020B0400000000000000" pitchFamily="50" charset="-128"/>
+                <a:ea typeface="BIZ UDPゴシック" panose="020B0400000000000000" pitchFamily="50" charset="-128"/>
+              </a:endParaRPr>
+            </a:p>
+          </p:txBody>
+        </p:sp>
+        <p:pic>
+          <p:nvPicPr>
+            <p:cNvPr id="6" name="グラフィックス 5">
+              <a:extLst>
+                <a:ext uri="{FF2B5EF4-FFF2-40B4-BE49-F238E27FC236}">
+                  <a16:creationId xmlns:a16="http://schemas.microsoft.com/office/drawing/2014/main" id="{55ACB006-C63B-CD05-180E-42B003EA2D95}"/>
+                </a:ext>
+              </a:extLst>
+            </p:cNvPr>
+            <p:cNvPicPr>
+              <a:picLocks noChangeAspect="1"/>
+            </p:cNvPicPr>
+            <p:nvPr/>
+          </p:nvPicPr>
+          <p:blipFill>
+            <a:blip r:embed="rId2">
+              <a:extLst>
+                <a:ext uri="{96DAC541-7B7A-43D3-8B79-37D633B846F1}">
+                  <asvg:svgBlip xmlns:asvg="http://schemas.microsoft.com/office/drawing/2016/SVG/main" r:embed="rId3"/>
+                </a:ext>
+              </a:extLst>
+            </a:blip>
+            <a:stretch>
+              <a:fillRect/>
+            </a:stretch>
+          </p:blipFill>
+          <p:spPr>
+            <a:xfrm>
+              <a:off x="1263526" y="1562411"/>
+              <a:ext cx="266701" cy="266701"/>
+            </a:xfrm>
+            <a:prstGeom prst="rect">
+              <a:avLst/>
+            </a:prstGeom>
+          </p:spPr>
+        </p:pic>
+      </p:grpSp>
+      <p:grpSp>
+        <p:nvGrpSpPr>
+          <p:cNvPr id="7" name="グループ化 6">
+            <a:extLst>
+              <a:ext uri="{FF2B5EF4-FFF2-40B4-BE49-F238E27FC236}">
+                <a16:creationId xmlns:a16="http://schemas.microsoft.com/office/drawing/2014/main" id="{95BC3751-E3F8-1F24-547E-CB1887CFC36F}"/>
+              </a:ext>
+            </a:extLst>
+          </p:cNvPr>
+          <p:cNvGrpSpPr/>
+          <p:nvPr/>
+        </p:nvGrpSpPr>
+        <p:grpSpPr>
+          <a:xfrm>
+            <a:off x="4975958" y="332540"/>
+            <a:ext cx="1747838" cy="495299"/>
+            <a:chOff x="3705225" y="561976"/>
+            <a:chExt cx="1747838" cy="495299"/>
+          </a:xfrm>
+        </p:grpSpPr>
+        <p:sp>
+          <p:nvSpPr>
+            <p:cNvPr id="8" name="四角形: 角を丸くする 7">
+              <a:extLst>
+                <a:ext uri="{FF2B5EF4-FFF2-40B4-BE49-F238E27FC236}">
+                  <a16:creationId xmlns:a16="http://schemas.microsoft.com/office/drawing/2014/main" id="{88F7E5DD-60FD-C935-A7C3-1BEDE3F26DA9}"/>
+                </a:ext>
+              </a:extLst>
+            </p:cNvPr>
+            <p:cNvSpPr/>
+            <p:nvPr/>
+          </p:nvSpPr>
+          <p:spPr>
+            <a:xfrm>
+              <a:off x="3705225" y="561976"/>
+              <a:ext cx="1747838" cy="495299"/>
+            </a:xfrm>
+            <a:prstGeom prst="roundRect">
+              <a:avLst/>
+            </a:prstGeom>
+            <a:solidFill>
+              <a:schemeClr val="bg1"/>
+            </a:solidFill>
+          </p:spPr>
+          <p:style>
+            <a:lnRef idx="2">
+              <a:schemeClr val="accent1">
+                <a:shade val="15000"/>
+              </a:schemeClr>
+            </a:lnRef>
+            <a:fillRef idx="1">
+              <a:schemeClr val="accent1"/>
+            </a:fillRef>
+            <a:effectRef idx="0">
+              <a:schemeClr val="accent1"/>
+            </a:effectRef>
+            <a:fontRef idx="minor">
+              <a:schemeClr val="lt1"/>
+            </a:fontRef>
+          </p:style>
+          <p:txBody>
+            <a:bodyPr rtlCol="0" anchor="ctr"/>
+            <a:lstStyle/>
+            <a:p>
+              <a:pPr algn="ctr"/>
+              <a:r>
+                <a:rPr kumimoji="1" lang="en-US" altLang="ja-JP" sz="1400" dirty="0">
+                  <a:ln w="0"/>
+                  <a:solidFill>
+                    <a:schemeClr val="tx1"/>
+                  </a:solidFill>
+                  <a:effectLst>
+                    <a:outerShdw blurRad="38100" dist="19050" dir="2700000" algn="tl" rotWithShape="0">
+                      <a:schemeClr val="dk1">
+                        <a:alpha val="40000"/>
+                      </a:schemeClr>
+                    </a:outerShdw>
+                  </a:effectLst>
+                  <a:latin typeface="BIZ UDPゴシック" panose="020B0400000000000000" pitchFamily="50" charset="-128"/>
+                  <a:ea typeface="BIZ UDPゴシック" panose="020B0400000000000000" pitchFamily="50" charset="-128"/>
+                </a:rPr>
+                <a:t>Streamlit </a:t>
+              </a:r>
+            </a:p>
+            <a:p>
+              <a:pPr algn="ctr"/>
+              <a:r>
+                <a:rPr kumimoji="1" lang="en-US" altLang="ja-JP" sz="1200" dirty="0">
+                  <a:ln w="0"/>
+                  <a:solidFill>
+                    <a:schemeClr val="tx1"/>
+                  </a:solidFill>
+                  <a:effectLst>
+                    <a:outerShdw blurRad="38100" dist="19050" dir="2700000" algn="tl" rotWithShape="0">
+                      <a:schemeClr val="dk1">
+                        <a:alpha val="40000"/>
+                      </a:schemeClr>
+                    </a:outerShdw>
+                  </a:effectLst>
+                  <a:latin typeface="BIZ UDPゴシック" panose="020B0400000000000000" pitchFamily="50" charset="-128"/>
+                  <a:ea typeface="BIZ UDPゴシック" panose="020B0400000000000000" pitchFamily="50" charset="-128"/>
+                </a:rPr>
+                <a:t>(Web</a:t>
+              </a:r>
+              <a:r>
+                <a:rPr lang="ja-JP" altLang="en-US" sz="1200" dirty="0">
+                  <a:ln w="0"/>
+                  <a:solidFill>
+                    <a:schemeClr val="tx1"/>
+                  </a:solidFill>
+                  <a:effectLst>
+                    <a:outerShdw blurRad="38100" dist="19050" dir="2700000" algn="tl" rotWithShape="0">
+                      <a:schemeClr val="dk1">
+                        <a:alpha val="40000"/>
+                      </a:schemeClr>
+                    </a:outerShdw>
+                  </a:effectLst>
+                  <a:latin typeface="BIZ UDPゴシック" panose="020B0400000000000000" pitchFamily="50" charset="-128"/>
+                  <a:ea typeface="BIZ UDPゴシック" panose="020B0400000000000000" pitchFamily="50" charset="-128"/>
+                </a:rPr>
+                <a:t> アプリ</a:t>
+              </a:r>
+              <a:r>
+                <a:rPr lang="en-US" altLang="ja-JP" sz="1200" dirty="0">
+                  <a:ln w="0"/>
+                  <a:solidFill>
+                    <a:schemeClr val="tx1"/>
+                  </a:solidFill>
+                  <a:effectLst>
+                    <a:outerShdw blurRad="38100" dist="19050" dir="2700000" algn="tl" rotWithShape="0">
+                      <a:schemeClr val="dk1">
+                        <a:alpha val="40000"/>
+                      </a:schemeClr>
+                    </a:outerShdw>
+                  </a:effectLst>
+                  <a:latin typeface="BIZ UDPゴシック" panose="020B0400000000000000" pitchFamily="50" charset="-128"/>
+                  <a:ea typeface="BIZ UDPゴシック" panose="020B0400000000000000" pitchFamily="50" charset="-128"/>
+                </a:rPr>
+                <a:t>)</a:t>
+              </a:r>
+              <a:endParaRPr kumimoji="1" lang="en-US" altLang="ja-JP" sz="1200" dirty="0">
+                <a:ln w="0"/>
+                <a:solidFill>
+                  <a:schemeClr val="tx1"/>
+                </a:solidFill>
+                <a:effectLst>
+                  <a:outerShdw blurRad="38100" dist="19050" dir="2700000" algn="tl" rotWithShape="0">
+                    <a:schemeClr val="dk1">
+                      <a:alpha val="40000"/>
+                    </a:schemeClr>
+                  </a:outerShdw>
+                </a:effectLst>
+                <a:latin typeface="BIZ UDPゴシック" panose="020B0400000000000000" pitchFamily="50" charset="-128"/>
+                <a:ea typeface="BIZ UDPゴシック" panose="020B0400000000000000" pitchFamily="50" charset="-128"/>
+              </a:endParaRPr>
+            </a:p>
+          </p:txBody>
+        </p:sp>
+        <p:pic>
+          <p:nvPicPr>
+            <p:cNvPr id="9" name="グラフィックス 8">
+              <a:extLst>
+                <a:ext uri="{FF2B5EF4-FFF2-40B4-BE49-F238E27FC236}">
+                  <a16:creationId xmlns:a16="http://schemas.microsoft.com/office/drawing/2014/main" id="{46774E61-8EAB-1F8A-444B-7EB587427B41}"/>
+                </a:ext>
+              </a:extLst>
+            </p:cNvPr>
+            <p:cNvPicPr>
+              <a:picLocks noChangeAspect="1"/>
+            </p:cNvPicPr>
+            <p:nvPr/>
+          </p:nvPicPr>
+          <p:blipFill>
+            <a:blip r:embed="rId4">
+              <a:extLst>
+                <a:ext uri="{96DAC541-7B7A-43D3-8B79-37D633B846F1}">
+                  <asvg:svgBlip xmlns:asvg="http://schemas.microsoft.com/office/drawing/2016/SVG/main" r:embed="rId5"/>
+                </a:ext>
+              </a:extLst>
+            </a:blip>
+            <a:stretch>
+              <a:fillRect/>
+            </a:stretch>
+          </p:blipFill>
+          <p:spPr>
+            <a:xfrm>
+              <a:off x="3806961" y="638175"/>
+              <a:ext cx="304800" cy="171450"/>
+            </a:xfrm>
+            <a:prstGeom prst="rect">
+              <a:avLst/>
+            </a:prstGeom>
+          </p:spPr>
+        </p:pic>
+      </p:grpSp>
+      <p:grpSp>
+        <p:nvGrpSpPr>
+          <p:cNvPr id="10" name="グループ化 9">
+            <a:extLst>
+              <a:ext uri="{FF2B5EF4-FFF2-40B4-BE49-F238E27FC236}">
+                <a16:creationId xmlns:a16="http://schemas.microsoft.com/office/drawing/2014/main" id="{878C4B46-92CD-C859-E951-E526A86C82FD}"/>
+              </a:ext>
+            </a:extLst>
+          </p:cNvPr>
+          <p:cNvGrpSpPr/>
+          <p:nvPr/>
+        </p:nvGrpSpPr>
+        <p:grpSpPr>
+          <a:xfrm>
+            <a:off x="8867775" y="3795269"/>
+            <a:ext cx="2797240" cy="495299"/>
+            <a:chOff x="6600825" y="1474880"/>
+            <a:chExt cx="2419350" cy="495299"/>
+          </a:xfrm>
+        </p:grpSpPr>
+        <p:sp>
+          <p:nvSpPr>
+            <p:cNvPr id="11" name="四角形: 角を丸くする 10">
+              <a:extLst>
+                <a:ext uri="{FF2B5EF4-FFF2-40B4-BE49-F238E27FC236}">
+                  <a16:creationId xmlns:a16="http://schemas.microsoft.com/office/drawing/2014/main" id="{421AD05C-FD57-6019-E2A7-A5836E87DD2A}"/>
+                </a:ext>
+              </a:extLst>
+            </p:cNvPr>
+            <p:cNvSpPr/>
+            <p:nvPr/>
+          </p:nvSpPr>
+          <p:spPr>
+            <a:xfrm>
+              <a:off x="6600825" y="1474880"/>
+              <a:ext cx="2419350" cy="495299"/>
+            </a:xfrm>
+            <a:prstGeom prst="roundRect">
+              <a:avLst/>
+            </a:prstGeom>
+            <a:solidFill>
+              <a:schemeClr val="bg1"/>
+            </a:solidFill>
+          </p:spPr>
+          <p:style>
+            <a:lnRef idx="2">
+              <a:schemeClr val="accent1">
+                <a:shade val="15000"/>
+              </a:schemeClr>
+            </a:lnRef>
+            <a:fillRef idx="1">
+              <a:schemeClr val="accent1"/>
+            </a:fillRef>
+            <a:effectRef idx="0">
+              <a:schemeClr val="accent1"/>
+            </a:effectRef>
+            <a:fontRef idx="minor">
+              <a:schemeClr val="lt1"/>
+            </a:fontRef>
+          </p:style>
+          <p:txBody>
+            <a:bodyPr rtlCol="0" anchor="ctr"/>
+            <a:lstStyle/>
+            <a:p>
+              <a:pPr algn="ctr"/>
+              <a:r>
+                <a:rPr kumimoji="1" lang="en-US" altLang="ja-JP" sz="1400" dirty="0">
+                  <a:ln w="0"/>
+                  <a:solidFill>
+                    <a:schemeClr val="tx1"/>
+                  </a:solidFill>
+                  <a:effectLst>
+                    <a:outerShdw blurRad="38100" dist="19050" dir="2700000" algn="tl" rotWithShape="0">
+                      <a:schemeClr val="dk1">
+                        <a:alpha val="40000"/>
+                      </a:schemeClr>
+                    </a:outerShdw>
+                  </a:effectLst>
+                  <a:latin typeface="BIZ UDPゴシック" panose="020B0400000000000000" pitchFamily="50" charset="-128"/>
+                  <a:ea typeface="BIZ UDPゴシック" panose="020B0400000000000000" pitchFamily="50" charset="-128"/>
+                </a:rPr>
+                <a:t>Azure Blob Storage </a:t>
+              </a:r>
+            </a:p>
+            <a:p>
+              <a:pPr algn="ctr"/>
+              <a:r>
+                <a:rPr kumimoji="1" lang="en-US" altLang="ja-JP" sz="1200" dirty="0">
+                  <a:ln w="0"/>
+                  <a:solidFill>
+                    <a:schemeClr val="tx1"/>
+                  </a:solidFill>
+                  <a:effectLst>
+                    <a:outerShdw blurRad="38100" dist="19050" dir="2700000" algn="tl" rotWithShape="0">
+                      <a:schemeClr val="dk1">
+                        <a:alpha val="40000"/>
+                      </a:schemeClr>
+                    </a:outerShdw>
+                  </a:effectLst>
+                  <a:latin typeface="BIZ UDPゴシック" panose="020B0400000000000000" pitchFamily="50" charset="-128"/>
+                  <a:ea typeface="BIZ UDPゴシック" panose="020B0400000000000000" pitchFamily="50" charset="-128"/>
+                </a:rPr>
+                <a:t>(</a:t>
+              </a:r>
+              <a:r>
+                <a:rPr kumimoji="1" lang="ja-JP" altLang="en-US" sz="1200" dirty="0">
+                  <a:ln w="0"/>
+                  <a:solidFill>
+                    <a:schemeClr val="tx1"/>
+                  </a:solidFill>
+                  <a:effectLst>
+                    <a:outerShdw blurRad="38100" dist="19050" dir="2700000" algn="tl" rotWithShape="0">
+                      <a:schemeClr val="dk1">
+                        <a:alpha val="40000"/>
+                      </a:schemeClr>
+                    </a:outerShdw>
+                  </a:effectLst>
+                  <a:latin typeface="BIZ UDPゴシック" panose="020B0400000000000000" pitchFamily="50" charset="-128"/>
+                  <a:ea typeface="BIZ UDPゴシック" panose="020B0400000000000000" pitchFamily="50" charset="-128"/>
+                </a:rPr>
+                <a:t>ユーザー</a:t>
+              </a:r>
+              <a:r>
+                <a:rPr kumimoji="1" lang="en-US" altLang="ja-JP" sz="1200" dirty="0">
+                  <a:ln w="0"/>
+                  <a:solidFill>
+                    <a:schemeClr val="tx1"/>
+                  </a:solidFill>
+                  <a:effectLst>
+                    <a:outerShdw blurRad="38100" dist="19050" dir="2700000" algn="tl" rotWithShape="0">
+                      <a:schemeClr val="dk1">
+                        <a:alpha val="40000"/>
+                      </a:schemeClr>
+                    </a:outerShdw>
+                  </a:effectLst>
+                  <a:latin typeface="BIZ UDPゴシック" panose="020B0400000000000000" pitchFamily="50" charset="-128"/>
+                  <a:ea typeface="BIZ UDPゴシック" panose="020B0400000000000000" pitchFamily="50" charset="-128"/>
+                </a:rPr>
+                <a:t>/</a:t>
+              </a:r>
+              <a:r>
+                <a:rPr kumimoji="1" lang="ja-JP" altLang="en-US" sz="1200" dirty="0">
+                  <a:ln w="0"/>
+                  <a:solidFill>
+                    <a:schemeClr val="tx1"/>
+                  </a:solidFill>
+                  <a:effectLst>
+                    <a:outerShdw blurRad="38100" dist="19050" dir="2700000" algn="tl" rotWithShape="0">
+                      <a:schemeClr val="dk1">
+                        <a:alpha val="40000"/>
+                      </a:schemeClr>
+                    </a:outerShdw>
+                  </a:effectLst>
+                  <a:latin typeface="BIZ UDPゴシック" panose="020B0400000000000000" pitchFamily="50" charset="-128"/>
+                  <a:ea typeface="BIZ UDPゴシック" panose="020B0400000000000000" pitchFamily="50" charset="-128"/>
+                </a:rPr>
+                <a:t>管理者情報</a:t>
+              </a:r>
+              <a:r>
+                <a:rPr lang="en-US" altLang="ja-JP" sz="1200" dirty="0">
+                  <a:ln w="0"/>
+                  <a:solidFill>
+                    <a:schemeClr val="tx1"/>
+                  </a:solidFill>
+                  <a:effectLst>
+                    <a:outerShdw blurRad="38100" dist="19050" dir="2700000" algn="tl" rotWithShape="0">
+                      <a:schemeClr val="dk1">
+                        <a:alpha val="40000"/>
+                      </a:schemeClr>
+                    </a:outerShdw>
+                  </a:effectLst>
+                  <a:latin typeface="BIZ UDPゴシック" panose="020B0400000000000000" pitchFamily="50" charset="-128"/>
+                  <a:ea typeface="BIZ UDPゴシック" panose="020B0400000000000000" pitchFamily="50" charset="-128"/>
+                </a:rPr>
+                <a:t>)</a:t>
+              </a:r>
+              <a:endParaRPr kumimoji="1" lang="en-US" altLang="ja-JP" sz="1200" dirty="0">
+                <a:ln w="0"/>
+                <a:solidFill>
+                  <a:schemeClr val="tx1"/>
+                </a:solidFill>
+                <a:effectLst>
+                  <a:outerShdw blurRad="38100" dist="19050" dir="2700000" algn="tl" rotWithShape="0">
+                    <a:schemeClr val="dk1">
+                      <a:alpha val="40000"/>
+                    </a:schemeClr>
+                  </a:outerShdw>
+                </a:effectLst>
+                <a:latin typeface="BIZ UDPゴシック" panose="020B0400000000000000" pitchFamily="50" charset="-128"/>
+                <a:ea typeface="BIZ UDPゴシック" panose="020B0400000000000000" pitchFamily="50" charset="-128"/>
+              </a:endParaRPr>
+            </a:p>
+          </p:txBody>
+        </p:sp>
+        <p:pic>
+          <p:nvPicPr>
+            <p:cNvPr id="12" name="グラフィックス 11">
+              <a:extLst>
+                <a:ext uri="{FF2B5EF4-FFF2-40B4-BE49-F238E27FC236}">
+                  <a16:creationId xmlns:a16="http://schemas.microsoft.com/office/drawing/2014/main" id="{78DB9741-F2C7-D38E-E513-FEC0B887FDE1}"/>
+                </a:ext>
+              </a:extLst>
+            </p:cNvPr>
+            <p:cNvPicPr>
+              <a:picLocks noChangeAspect="1"/>
+            </p:cNvPicPr>
+            <p:nvPr/>
+          </p:nvPicPr>
+          <p:blipFill>
+            <a:blip r:embed="rId6">
+              <a:extLst>
+                <a:ext uri="{96DAC541-7B7A-43D3-8B79-37D633B846F1}">
+                  <asvg:svgBlip xmlns:asvg="http://schemas.microsoft.com/office/drawing/2016/SVG/main" r:embed="rId7"/>
+                </a:ext>
+              </a:extLst>
+            </a:blip>
+            <a:stretch>
+              <a:fillRect/>
+            </a:stretch>
+          </p:blipFill>
+          <p:spPr>
+            <a:xfrm>
+              <a:off x="6702563" y="1529174"/>
+              <a:ext cx="266701" cy="266701"/>
+            </a:xfrm>
+            <a:prstGeom prst="rect">
+              <a:avLst/>
+            </a:prstGeom>
+          </p:spPr>
+        </p:pic>
+      </p:grpSp>
+      <p:grpSp>
+        <p:nvGrpSpPr>
+          <p:cNvPr id="13" name="グループ化 12">
+            <a:extLst>
+              <a:ext uri="{FF2B5EF4-FFF2-40B4-BE49-F238E27FC236}">
+                <a16:creationId xmlns:a16="http://schemas.microsoft.com/office/drawing/2014/main" id="{4068526D-D477-8DBD-B5F9-F87012802843}"/>
+              </a:ext>
+            </a:extLst>
+          </p:cNvPr>
+          <p:cNvGrpSpPr/>
+          <p:nvPr/>
+        </p:nvGrpSpPr>
+        <p:grpSpPr>
+          <a:xfrm>
+            <a:off x="5565735" y="4642842"/>
+            <a:ext cx="2566987" cy="495299"/>
+            <a:chOff x="8772525" y="4754881"/>
+            <a:chExt cx="2566987" cy="495299"/>
+          </a:xfrm>
+        </p:grpSpPr>
+        <p:sp>
+          <p:nvSpPr>
+            <p:cNvPr id="14" name="四角形: 角を丸くする 13">
+              <a:extLst>
+                <a:ext uri="{FF2B5EF4-FFF2-40B4-BE49-F238E27FC236}">
+                  <a16:creationId xmlns:a16="http://schemas.microsoft.com/office/drawing/2014/main" id="{BB4D4BEC-B90F-59C1-C5B7-FBDF871DFBEA}"/>
+                </a:ext>
+              </a:extLst>
+            </p:cNvPr>
+            <p:cNvSpPr/>
+            <p:nvPr/>
+          </p:nvSpPr>
+          <p:spPr>
+            <a:xfrm>
+              <a:off x="8772525" y="4754881"/>
+              <a:ext cx="2566987" cy="495299"/>
+            </a:xfrm>
+            <a:prstGeom prst="roundRect">
+              <a:avLst/>
+            </a:prstGeom>
+            <a:solidFill>
+              <a:schemeClr val="bg1"/>
+            </a:solidFill>
+          </p:spPr>
+          <p:style>
+            <a:lnRef idx="2">
+              <a:schemeClr val="accent1">
+                <a:shade val="15000"/>
+              </a:schemeClr>
+            </a:lnRef>
+            <a:fillRef idx="1">
+              <a:schemeClr val="accent1"/>
+            </a:fillRef>
+            <a:effectRef idx="0">
+              <a:schemeClr val="accent1"/>
+            </a:effectRef>
+            <a:fontRef idx="minor">
+              <a:schemeClr val="lt1"/>
+            </a:fontRef>
+          </p:style>
+          <p:txBody>
+            <a:bodyPr rtlCol="0" anchor="ctr"/>
+            <a:lstStyle/>
+            <a:p>
+              <a:pPr algn="ctr"/>
+              <a:r>
+                <a:rPr kumimoji="1" lang="en-US" altLang="ja-JP" sz="1400" dirty="0">
+                  <a:ln w="0"/>
+                  <a:solidFill>
+                    <a:schemeClr val="tx1"/>
+                  </a:solidFill>
+                  <a:effectLst>
+                    <a:outerShdw blurRad="38100" dist="19050" dir="2700000" algn="tl" rotWithShape="0">
+                      <a:schemeClr val="dk1">
+                        <a:alpha val="40000"/>
+                      </a:schemeClr>
+                    </a:outerShdw>
+                  </a:effectLst>
+                  <a:latin typeface="BIZ UDPゴシック" panose="020B0400000000000000" pitchFamily="50" charset="-128"/>
+                  <a:ea typeface="BIZ UDPゴシック" panose="020B0400000000000000" pitchFamily="50" charset="-128"/>
+                </a:rPr>
+                <a:t>Azure Cosmos DB</a:t>
+              </a:r>
+            </a:p>
+            <a:p>
+              <a:pPr algn="ctr"/>
+              <a:r>
+                <a:rPr kumimoji="1" lang="en-US" altLang="ja-JP" sz="1200" dirty="0">
+                  <a:ln w="0"/>
+                  <a:solidFill>
+                    <a:schemeClr val="tx1"/>
+                  </a:solidFill>
+                  <a:effectLst>
+                    <a:outerShdw blurRad="38100" dist="19050" dir="2700000" algn="tl" rotWithShape="0">
+                      <a:schemeClr val="dk1">
+                        <a:alpha val="40000"/>
+                      </a:schemeClr>
+                    </a:outerShdw>
+                  </a:effectLst>
+                  <a:latin typeface="BIZ UDPゴシック" panose="020B0400000000000000" pitchFamily="50" charset="-128"/>
+                  <a:ea typeface="BIZ UDPゴシック" panose="020B0400000000000000" pitchFamily="50" charset="-128"/>
+                </a:rPr>
+                <a:t>(</a:t>
+              </a:r>
+              <a:r>
+                <a:rPr lang="ja-JP" altLang="en-US" sz="1200" dirty="0">
+                  <a:ln w="0"/>
+                  <a:solidFill>
+                    <a:schemeClr val="tx1"/>
+                  </a:solidFill>
+                  <a:effectLst>
+                    <a:outerShdw blurRad="38100" dist="19050" dir="2700000" algn="tl" rotWithShape="0">
+                      <a:schemeClr val="dk1">
+                        <a:alpha val="40000"/>
+                      </a:schemeClr>
+                    </a:outerShdw>
+                  </a:effectLst>
+                  <a:latin typeface="BIZ UDPゴシック" panose="020B0400000000000000" pitchFamily="50" charset="-128"/>
+                  <a:ea typeface="BIZ UDPゴシック" panose="020B0400000000000000" pitchFamily="50" charset="-128"/>
+                </a:rPr>
+                <a:t>法律データ保存・ベクトル検索</a:t>
+              </a:r>
+              <a:r>
+                <a:rPr lang="en-US" altLang="ja-JP" sz="1200" dirty="0">
+                  <a:ln w="0"/>
+                  <a:solidFill>
+                    <a:schemeClr val="tx1"/>
+                  </a:solidFill>
+                  <a:effectLst>
+                    <a:outerShdw blurRad="38100" dist="19050" dir="2700000" algn="tl" rotWithShape="0">
+                      <a:schemeClr val="dk1">
+                        <a:alpha val="40000"/>
+                      </a:schemeClr>
+                    </a:outerShdw>
+                  </a:effectLst>
+                  <a:latin typeface="BIZ UDPゴシック" panose="020B0400000000000000" pitchFamily="50" charset="-128"/>
+                  <a:ea typeface="BIZ UDPゴシック" panose="020B0400000000000000" pitchFamily="50" charset="-128"/>
+                </a:rPr>
+                <a:t>)</a:t>
+              </a:r>
+              <a:endParaRPr kumimoji="1" lang="en-US" altLang="ja-JP" sz="1200" dirty="0">
+                <a:ln w="0"/>
+                <a:solidFill>
+                  <a:schemeClr val="tx1"/>
+                </a:solidFill>
+                <a:effectLst>
+                  <a:outerShdw blurRad="38100" dist="19050" dir="2700000" algn="tl" rotWithShape="0">
+                    <a:schemeClr val="dk1">
+                      <a:alpha val="40000"/>
+                    </a:schemeClr>
+                  </a:outerShdw>
+                </a:effectLst>
+                <a:latin typeface="BIZ UDPゴシック" panose="020B0400000000000000" pitchFamily="50" charset="-128"/>
+                <a:ea typeface="BIZ UDPゴシック" panose="020B0400000000000000" pitchFamily="50" charset="-128"/>
+              </a:endParaRPr>
+            </a:p>
+          </p:txBody>
+        </p:sp>
+        <p:pic>
+          <p:nvPicPr>
+            <p:cNvPr id="15" name="グラフィックス 14">
+              <a:extLst>
+                <a:ext uri="{FF2B5EF4-FFF2-40B4-BE49-F238E27FC236}">
+                  <a16:creationId xmlns:a16="http://schemas.microsoft.com/office/drawing/2014/main" id="{F5CF5E40-0441-72CE-B9BA-49C5A8C08501}"/>
+                </a:ext>
+              </a:extLst>
+            </p:cNvPr>
+            <p:cNvPicPr>
+              <a:picLocks noChangeAspect="1"/>
+            </p:cNvPicPr>
+            <p:nvPr/>
+          </p:nvPicPr>
+          <p:blipFill>
+            <a:blip r:embed="rId8">
+              <a:extLst>
+                <a:ext uri="{96DAC541-7B7A-43D3-8B79-37D633B846F1}">
+                  <asvg:svgBlip xmlns:asvg="http://schemas.microsoft.com/office/drawing/2016/SVG/main" r:embed="rId9"/>
+                </a:ext>
+              </a:extLst>
+            </a:blip>
+            <a:stretch>
+              <a:fillRect/>
+            </a:stretch>
+          </p:blipFill>
+          <p:spPr>
+            <a:xfrm>
+              <a:off x="8921889" y="4754881"/>
+              <a:ext cx="269557" cy="269557"/>
+            </a:xfrm>
+            <a:prstGeom prst="rect">
+              <a:avLst/>
+            </a:prstGeom>
+          </p:spPr>
+        </p:pic>
+      </p:grpSp>
+      <p:grpSp>
+        <p:nvGrpSpPr>
+          <p:cNvPr id="16" name="グループ化 15">
+            <a:extLst>
+              <a:ext uri="{FF2B5EF4-FFF2-40B4-BE49-F238E27FC236}">
+                <a16:creationId xmlns:a16="http://schemas.microsoft.com/office/drawing/2014/main" id="{1F854087-6B2F-57AA-2C53-7566B40E4194}"/>
+              </a:ext>
+            </a:extLst>
+          </p:cNvPr>
+          <p:cNvGrpSpPr/>
+          <p:nvPr/>
+        </p:nvGrpSpPr>
+        <p:grpSpPr>
+          <a:xfrm>
+            <a:off x="3993813" y="3671445"/>
+            <a:ext cx="2102187" cy="495299"/>
+            <a:chOff x="4913888" y="3909466"/>
+            <a:chExt cx="2102187" cy="495299"/>
+          </a:xfrm>
+        </p:grpSpPr>
+        <p:sp>
+          <p:nvSpPr>
+            <p:cNvPr id="17" name="四角形: 角を丸くする 16">
+              <a:extLst>
+                <a:ext uri="{FF2B5EF4-FFF2-40B4-BE49-F238E27FC236}">
+                  <a16:creationId xmlns:a16="http://schemas.microsoft.com/office/drawing/2014/main" id="{E715CD11-1898-AE02-E12B-5E9C90639ADE}"/>
+                </a:ext>
+              </a:extLst>
+            </p:cNvPr>
+            <p:cNvSpPr/>
+            <p:nvPr/>
+          </p:nvSpPr>
+          <p:spPr>
+            <a:xfrm>
+              <a:off x="4913888" y="3909466"/>
+              <a:ext cx="2102187" cy="495299"/>
+            </a:xfrm>
+            <a:prstGeom prst="roundRect">
+              <a:avLst/>
+            </a:prstGeom>
+            <a:solidFill>
+              <a:schemeClr val="bg1"/>
+            </a:solidFill>
+          </p:spPr>
+          <p:style>
+            <a:lnRef idx="2">
+              <a:schemeClr val="accent1">
+                <a:shade val="15000"/>
+              </a:schemeClr>
+            </a:lnRef>
+            <a:fillRef idx="1">
+              <a:schemeClr val="accent1"/>
+            </a:fillRef>
+            <a:effectRef idx="0">
+              <a:schemeClr val="accent1"/>
+            </a:effectRef>
+            <a:fontRef idx="minor">
+              <a:schemeClr val="lt1"/>
+            </a:fontRef>
+          </p:style>
+          <p:txBody>
+            <a:bodyPr rtlCol="0" anchor="ctr"/>
+            <a:lstStyle/>
+            <a:p>
+              <a:pPr algn="ctr"/>
+              <a:r>
+                <a:rPr kumimoji="1" lang="en-US" altLang="ja-JP" sz="1400" dirty="0">
+                  <a:ln w="0"/>
+                  <a:solidFill>
+                    <a:schemeClr val="tx1"/>
+                  </a:solidFill>
+                  <a:effectLst>
+                    <a:outerShdw blurRad="38100" dist="19050" dir="2700000" algn="tl" rotWithShape="0">
+                      <a:schemeClr val="dk1">
+                        <a:alpha val="40000"/>
+                      </a:schemeClr>
+                    </a:outerShdw>
+                  </a:effectLst>
+                  <a:latin typeface="BIZ UDPゴシック" panose="020B0400000000000000" pitchFamily="50" charset="-128"/>
+                  <a:ea typeface="BIZ UDPゴシック" panose="020B0400000000000000" pitchFamily="50" charset="-128"/>
+                </a:rPr>
+                <a:t>Azure Open AI</a:t>
+              </a:r>
+            </a:p>
+            <a:p>
+              <a:pPr algn="ctr"/>
+              <a:r>
+                <a:rPr kumimoji="1" lang="en-US" altLang="ja-JP" sz="1200" dirty="0">
+                  <a:ln w="0"/>
+                  <a:solidFill>
+                    <a:schemeClr val="tx1"/>
+                  </a:solidFill>
+                  <a:effectLst>
+                    <a:outerShdw blurRad="38100" dist="19050" dir="2700000" algn="tl" rotWithShape="0">
+                      <a:schemeClr val="dk1">
+                        <a:alpha val="40000"/>
+                      </a:schemeClr>
+                    </a:outerShdw>
+                  </a:effectLst>
+                  <a:latin typeface="BIZ UDPゴシック" panose="020B0400000000000000" pitchFamily="50" charset="-128"/>
+                  <a:ea typeface="BIZ UDPゴシック" panose="020B0400000000000000" pitchFamily="50" charset="-128"/>
+                </a:rPr>
+                <a:t>(</a:t>
+              </a:r>
+              <a:r>
+                <a:rPr lang="ja-JP" altLang="en-US" sz="1200" dirty="0">
+                  <a:ln w="0"/>
+                  <a:solidFill>
+                    <a:schemeClr val="tx1"/>
+                  </a:solidFill>
+                  <a:effectLst>
+                    <a:outerShdw blurRad="38100" dist="19050" dir="2700000" algn="tl" rotWithShape="0">
+                      <a:schemeClr val="dk1">
+                        <a:alpha val="40000"/>
+                      </a:schemeClr>
+                    </a:outerShdw>
+                  </a:effectLst>
+                  <a:latin typeface="BIZ UDPゴシック" panose="020B0400000000000000" pitchFamily="50" charset="-128"/>
+                  <a:ea typeface="BIZ UDPゴシック" panose="020B0400000000000000" pitchFamily="50" charset="-128"/>
+                </a:rPr>
+                <a:t>埋め込み生成</a:t>
+              </a:r>
+              <a:r>
+                <a:rPr lang="en-US" altLang="ja-JP" sz="1200" dirty="0">
+                  <a:ln w="0"/>
+                  <a:solidFill>
+                    <a:schemeClr val="tx1"/>
+                  </a:solidFill>
+                  <a:effectLst>
+                    <a:outerShdw blurRad="38100" dist="19050" dir="2700000" algn="tl" rotWithShape="0">
+                      <a:schemeClr val="dk1">
+                        <a:alpha val="40000"/>
+                      </a:schemeClr>
+                    </a:outerShdw>
+                  </a:effectLst>
+                  <a:latin typeface="BIZ UDPゴシック" panose="020B0400000000000000" pitchFamily="50" charset="-128"/>
+                  <a:ea typeface="BIZ UDPゴシック" panose="020B0400000000000000" pitchFamily="50" charset="-128"/>
+                </a:rPr>
+                <a:t>)</a:t>
+              </a:r>
+              <a:endParaRPr kumimoji="1" lang="en-US" altLang="ja-JP" sz="1200" dirty="0">
+                <a:ln w="0"/>
+                <a:solidFill>
+                  <a:schemeClr val="tx1"/>
+                </a:solidFill>
+                <a:effectLst>
+                  <a:outerShdw blurRad="38100" dist="19050" dir="2700000" algn="tl" rotWithShape="0">
+                    <a:schemeClr val="dk1">
+                      <a:alpha val="40000"/>
+                    </a:schemeClr>
+                  </a:outerShdw>
+                </a:effectLst>
+                <a:latin typeface="BIZ UDPゴシック" panose="020B0400000000000000" pitchFamily="50" charset="-128"/>
+                <a:ea typeface="BIZ UDPゴシック" panose="020B0400000000000000" pitchFamily="50" charset="-128"/>
+              </a:endParaRPr>
+            </a:p>
+          </p:txBody>
+        </p:sp>
+        <p:pic>
+          <p:nvPicPr>
+            <p:cNvPr id="18" name="グラフィックス 17">
+              <a:extLst>
+                <a:ext uri="{FF2B5EF4-FFF2-40B4-BE49-F238E27FC236}">
+                  <a16:creationId xmlns:a16="http://schemas.microsoft.com/office/drawing/2014/main" id="{A18F9C8D-A3B4-8CD3-36CD-5CBB1449C634}"/>
+                </a:ext>
+              </a:extLst>
+            </p:cNvPr>
+            <p:cNvPicPr>
+              <a:picLocks noChangeAspect="1"/>
+            </p:cNvPicPr>
+            <p:nvPr/>
+          </p:nvPicPr>
+          <p:blipFill>
+            <a:blip r:embed="rId10">
+              <a:extLst>
+                <a:ext uri="{96DAC541-7B7A-43D3-8B79-37D633B846F1}">
+                  <asvg:svgBlip xmlns:asvg="http://schemas.microsoft.com/office/drawing/2016/SVG/main" r:embed="rId11"/>
+                </a:ext>
+              </a:extLst>
+            </a:blip>
+            <a:stretch>
+              <a:fillRect/>
+            </a:stretch>
+          </p:blipFill>
+          <p:spPr>
+            <a:xfrm>
+              <a:off x="4933958" y="3968990"/>
+              <a:ext cx="242888" cy="242888"/>
+            </a:xfrm>
+            <a:prstGeom prst="rect">
+              <a:avLst/>
+            </a:prstGeom>
+          </p:spPr>
+        </p:pic>
+      </p:grpSp>
+      <p:grpSp>
+        <p:nvGrpSpPr>
+          <p:cNvPr id="19" name="グループ化 18">
+            <a:extLst>
+              <a:ext uri="{FF2B5EF4-FFF2-40B4-BE49-F238E27FC236}">
+                <a16:creationId xmlns:a16="http://schemas.microsoft.com/office/drawing/2014/main" id="{25E4BD48-F46B-84B0-AED6-7BAB0F432C75}"/>
+              </a:ext>
+            </a:extLst>
+          </p:cNvPr>
+          <p:cNvGrpSpPr/>
+          <p:nvPr/>
+        </p:nvGrpSpPr>
+        <p:grpSpPr>
+          <a:xfrm>
+            <a:off x="3173193" y="6053536"/>
+            <a:ext cx="2209301" cy="495299"/>
+            <a:chOff x="4416862" y="5558237"/>
+            <a:chExt cx="1945837" cy="495299"/>
+          </a:xfrm>
+        </p:grpSpPr>
+        <p:sp>
+          <p:nvSpPr>
+            <p:cNvPr id="20" name="四角形: 角を丸くする 19">
+              <a:extLst>
+                <a:ext uri="{FF2B5EF4-FFF2-40B4-BE49-F238E27FC236}">
+                  <a16:creationId xmlns:a16="http://schemas.microsoft.com/office/drawing/2014/main" id="{A5AFC303-6471-C404-A950-3DB4D7EC8AF5}"/>
+                </a:ext>
+              </a:extLst>
+            </p:cNvPr>
+            <p:cNvSpPr/>
+            <p:nvPr/>
+          </p:nvSpPr>
+          <p:spPr>
+            <a:xfrm>
+              <a:off x="4416862" y="5558237"/>
+              <a:ext cx="1945837" cy="495299"/>
+            </a:xfrm>
+            <a:prstGeom prst="roundRect">
+              <a:avLst/>
+            </a:prstGeom>
+            <a:solidFill>
+              <a:schemeClr val="bg1"/>
+            </a:solidFill>
+          </p:spPr>
+          <p:style>
+            <a:lnRef idx="2">
+              <a:schemeClr val="accent1">
+                <a:shade val="15000"/>
+              </a:schemeClr>
+            </a:lnRef>
+            <a:fillRef idx="1">
+              <a:schemeClr val="accent1"/>
+            </a:fillRef>
+            <a:effectRef idx="0">
+              <a:schemeClr val="accent1"/>
+            </a:effectRef>
+            <a:fontRef idx="minor">
+              <a:schemeClr val="lt1"/>
+            </a:fontRef>
+          </p:style>
+          <p:txBody>
+            <a:bodyPr rtlCol="0" anchor="ctr"/>
+            <a:lstStyle/>
+            <a:p>
+              <a:pPr algn="ctr"/>
+              <a:r>
+                <a:rPr kumimoji="1" lang="en-US" altLang="ja-JP" sz="1400" dirty="0">
+                  <a:ln w="0"/>
+                  <a:solidFill>
+                    <a:schemeClr val="tx1"/>
+                  </a:solidFill>
+                  <a:effectLst>
+                    <a:outerShdw blurRad="38100" dist="19050" dir="2700000" algn="tl" rotWithShape="0">
+                      <a:schemeClr val="dk1">
+                        <a:alpha val="40000"/>
+                      </a:schemeClr>
+                    </a:outerShdw>
+                  </a:effectLst>
+                  <a:latin typeface="BIZ UDPゴシック" panose="020B0400000000000000" pitchFamily="50" charset="-128"/>
+                  <a:ea typeface="BIZ UDPゴシック" panose="020B0400000000000000" pitchFamily="50" charset="-128"/>
+                </a:rPr>
+                <a:t>Azure Key Vault</a:t>
+              </a:r>
+            </a:p>
+            <a:p>
+              <a:pPr algn="ctr"/>
+              <a:r>
+                <a:rPr kumimoji="1" lang="en-US" altLang="ja-JP" sz="1200" dirty="0">
+                  <a:ln w="0"/>
+                  <a:solidFill>
+                    <a:schemeClr val="tx1"/>
+                  </a:solidFill>
+                  <a:effectLst>
+                    <a:outerShdw blurRad="38100" dist="19050" dir="2700000" algn="tl" rotWithShape="0">
+                      <a:schemeClr val="dk1">
+                        <a:alpha val="40000"/>
+                      </a:schemeClr>
+                    </a:outerShdw>
+                  </a:effectLst>
+                  <a:latin typeface="BIZ UDPゴシック" panose="020B0400000000000000" pitchFamily="50" charset="-128"/>
+                  <a:ea typeface="BIZ UDPゴシック" panose="020B0400000000000000" pitchFamily="50" charset="-128"/>
+                </a:rPr>
+                <a:t>(</a:t>
+              </a:r>
+              <a:r>
+                <a:rPr kumimoji="1" lang="ja-JP" altLang="en-US" sz="1200" dirty="0">
+                  <a:ln w="0"/>
+                  <a:solidFill>
+                    <a:schemeClr val="tx1"/>
+                  </a:solidFill>
+                  <a:effectLst>
+                    <a:outerShdw blurRad="38100" dist="19050" dir="2700000" algn="tl" rotWithShape="0">
+                      <a:schemeClr val="dk1">
+                        <a:alpha val="40000"/>
+                      </a:schemeClr>
+                    </a:outerShdw>
+                  </a:effectLst>
+                  <a:latin typeface="BIZ UDPゴシック" panose="020B0400000000000000" pitchFamily="50" charset="-128"/>
+                  <a:ea typeface="BIZ UDPゴシック" panose="020B0400000000000000" pitchFamily="50" charset="-128"/>
+                </a:rPr>
+                <a:t>シークレット管理</a:t>
+              </a:r>
+              <a:r>
+                <a:rPr lang="en-US" altLang="ja-JP" sz="1200" dirty="0">
+                  <a:ln w="0"/>
+                  <a:solidFill>
+                    <a:schemeClr val="tx1"/>
+                  </a:solidFill>
+                  <a:effectLst>
+                    <a:outerShdw blurRad="38100" dist="19050" dir="2700000" algn="tl" rotWithShape="0">
+                      <a:schemeClr val="dk1">
+                        <a:alpha val="40000"/>
+                      </a:schemeClr>
+                    </a:outerShdw>
+                  </a:effectLst>
+                  <a:latin typeface="BIZ UDPゴシック" panose="020B0400000000000000" pitchFamily="50" charset="-128"/>
+                  <a:ea typeface="BIZ UDPゴシック" panose="020B0400000000000000" pitchFamily="50" charset="-128"/>
+                </a:rPr>
+                <a:t>)</a:t>
+              </a:r>
+              <a:endParaRPr kumimoji="1" lang="en-US" altLang="ja-JP" sz="1200" dirty="0">
+                <a:ln w="0"/>
+                <a:solidFill>
+                  <a:schemeClr val="tx1"/>
+                </a:solidFill>
+                <a:effectLst>
+                  <a:outerShdw blurRad="38100" dist="19050" dir="2700000" algn="tl" rotWithShape="0">
+                    <a:schemeClr val="dk1">
+                      <a:alpha val="40000"/>
+                    </a:schemeClr>
+                  </a:outerShdw>
+                </a:effectLst>
+                <a:latin typeface="BIZ UDPゴシック" panose="020B0400000000000000" pitchFamily="50" charset="-128"/>
+                <a:ea typeface="BIZ UDPゴシック" panose="020B0400000000000000" pitchFamily="50" charset="-128"/>
+              </a:endParaRPr>
+            </a:p>
+          </p:txBody>
+        </p:sp>
+        <p:pic>
+          <p:nvPicPr>
+            <p:cNvPr id="21" name="グラフィックス 20">
+              <a:extLst>
+                <a:ext uri="{FF2B5EF4-FFF2-40B4-BE49-F238E27FC236}">
+                  <a16:creationId xmlns:a16="http://schemas.microsoft.com/office/drawing/2014/main" id="{6542F25F-FAFF-7694-7E8D-C68A147BDC2E}"/>
+                </a:ext>
+              </a:extLst>
+            </p:cNvPr>
+            <p:cNvPicPr>
+              <a:picLocks noChangeAspect="1"/>
+            </p:cNvPicPr>
+            <p:nvPr/>
+          </p:nvPicPr>
+          <p:blipFill>
+            <a:blip r:embed="rId12">
+              <a:extLst>
+                <a:ext uri="{96DAC541-7B7A-43D3-8B79-37D633B846F1}">
+                  <asvg:svgBlip xmlns:asvg="http://schemas.microsoft.com/office/drawing/2016/SVG/main" r:embed="rId13"/>
+                </a:ext>
+              </a:extLst>
+            </a:blip>
+            <a:stretch>
+              <a:fillRect/>
+            </a:stretch>
+          </p:blipFill>
+          <p:spPr>
+            <a:xfrm>
+              <a:off x="4445793" y="5592126"/>
+              <a:ext cx="266701" cy="266701"/>
+            </a:xfrm>
+            <a:prstGeom prst="rect">
+              <a:avLst/>
+            </a:prstGeom>
+          </p:spPr>
+        </p:pic>
+      </p:grpSp>
+      <p:sp>
+        <p:nvSpPr>
+          <p:cNvPr id="27" name="テキスト ボックス 26">
+            <a:extLst>
+              <a:ext uri="{FF2B5EF4-FFF2-40B4-BE49-F238E27FC236}">
+                <a16:creationId xmlns:a16="http://schemas.microsoft.com/office/drawing/2014/main" id="{600F9C0B-8850-92C6-9DF8-B3E2AF9B00E0}"/>
+              </a:ext>
+            </a:extLst>
+          </p:cNvPr>
+          <p:cNvSpPr txBox="1"/>
+          <p:nvPr/>
+        </p:nvSpPr>
+        <p:spPr>
+          <a:xfrm>
+            <a:off x="499192" y="1401417"/>
+            <a:ext cx="918841" cy="369332"/>
+          </a:xfrm>
+          <a:prstGeom prst="rect">
+            <a:avLst/>
+          </a:prstGeom>
+          <a:noFill/>
+        </p:spPr>
+        <p:txBody>
+          <a:bodyPr wrap="none" rtlCol="0">
+            <a:spAutoFit/>
+          </a:bodyPr>
+          <a:lstStyle/>
+          <a:p>
+            <a:r>
+              <a:rPr kumimoji="1" lang="en-US" altLang="ja-JP" dirty="0">
+                <a:latin typeface="BIZ UDPゴシック" panose="020B0400000000000000" pitchFamily="50" charset="-128"/>
+                <a:ea typeface="BIZ UDPゴシック" panose="020B0400000000000000" pitchFamily="50" charset="-128"/>
+              </a:rPr>
+              <a:t>Azure</a:t>
+            </a:r>
+            <a:endParaRPr kumimoji="1" lang="ja-JP" altLang="en-US" dirty="0">
+              <a:latin typeface="BIZ UDPゴシック" panose="020B0400000000000000" pitchFamily="50" charset="-128"/>
+              <a:ea typeface="BIZ UDPゴシック" panose="020B0400000000000000" pitchFamily="50" charset="-128"/>
+            </a:endParaRPr>
+          </a:p>
+        </p:txBody>
+      </p:sp>
+      <p:cxnSp>
+        <p:nvCxnSpPr>
+          <p:cNvPr id="29" name="コネクタ: カギ線 28">
+            <a:extLst>
+              <a:ext uri="{FF2B5EF4-FFF2-40B4-BE49-F238E27FC236}">
+                <a16:creationId xmlns:a16="http://schemas.microsoft.com/office/drawing/2014/main" id="{1263966D-49D1-B127-E0CA-8E6786DCE229}"/>
+              </a:ext>
+            </a:extLst>
+          </p:cNvPr>
+          <p:cNvCxnSpPr>
+            <a:stCxn id="8" idx="3"/>
+            <a:endCxn id="11" idx="0"/>
+          </p:cNvCxnSpPr>
+          <p:nvPr/>
+        </p:nvCxnSpPr>
+        <p:spPr>
+          <a:xfrm>
+            <a:off x="6723796" y="580190"/>
+            <a:ext cx="3542599" cy="3215079"/>
+          </a:xfrm>
+          <a:prstGeom prst="curvedConnector2">
+            <a:avLst/>
+          </a:prstGeom>
+          <a:ln>
+            <a:tailEnd type="triangle" w="lg" len="lg"/>
+          </a:ln>
+        </p:spPr>
+        <p:style>
+          <a:lnRef idx="2">
+            <a:schemeClr val="dk1"/>
+          </a:lnRef>
+          <a:fillRef idx="0">
+            <a:schemeClr val="dk1"/>
+          </a:fillRef>
+          <a:effectRef idx="1">
+            <a:schemeClr val="dk1"/>
+          </a:effectRef>
+          <a:fontRef idx="minor">
+            <a:schemeClr val="tx1"/>
+          </a:fontRef>
+        </p:style>
+      </p:cxnSp>
+      <p:sp>
+        <p:nvSpPr>
+          <p:cNvPr id="30" name="テキスト ボックス 29">
+            <a:extLst>
+              <a:ext uri="{FF2B5EF4-FFF2-40B4-BE49-F238E27FC236}">
+                <a16:creationId xmlns:a16="http://schemas.microsoft.com/office/drawing/2014/main" id="{5DD3A1ED-CF42-7D18-F8DA-ADC76187FE69}"/>
+              </a:ext>
+            </a:extLst>
+          </p:cNvPr>
+          <p:cNvSpPr txBox="1"/>
+          <p:nvPr/>
+        </p:nvSpPr>
+        <p:spPr>
+          <a:xfrm>
+            <a:off x="7670267" y="903929"/>
+            <a:ext cx="1720343" cy="276999"/>
+          </a:xfrm>
+          <a:prstGeom prst="rect">
+            <a:avLst/>
+          </a:prstGeom>
+          <a:solidFill>
+            <a:schemeClr val="bg1"/>
+          </a:solidFill>
+          <a:ln>
+            <a:solidFill>
+              <a:schemeClr val="tx1"/>
+            </a:solidFill>
+          </a:ln>
+        </p:spPr>
+        <p:txBody>
+          <a:bodyPr wrap="none" rtlCol="0">
+            <a:spAutoFit/>
+          </a:bodyPr>
+          <a:lstStyle/>
+          <a:p>
+            <a:r>
+              <a:rPr kumimoji="1" lang="ja-JP" altLang="en-US" sz="1200" dirty="0">
+                <a:latin typeface="BIZ UDPゴシック" panose="020B0400000000000000" pitchFamily="50" charset="-128"/>
+                <a:ea typeface="BIZ UDPゴシック" panose="020B0400000000000000" pitchFamily="50" charset="-128"/>
+              </a:rPr>
+              <a:t>ログイン</a:t>
+            </a:r>
+            <a:r>
+              <a:rPr kumimoji="1" lang="en-US" altLang="ja-JP" sz="1200" dirty="0">
+                <a:latin typeface="BIZ UDPゴシック" panose="020B0400000000000000" pitchFamily="50" charset="-128"/>
+                <a:ea typeface="BIZ UDPゴシック" panose="020B0400000000000000" pitchFamily="50" charset="-128"/>
+              </a:rPr>
+              <a:t>/</a:t>
+            </a:r>
+            <a:r>
+              <a:rPr kumimoji="1" lang="ja-JP" altLang="en-US" sz="1200" dirty="0">
+                <a:latin typeface="BIZ UDPゴシック" panose="020B0400000000000000" pitchFamily="50" charset="-128"/>
+                <a:ea typeface="BIZ UDPゴシック" panose="020B0400000000000000" pitchFamily="50" charset="-128"/>
+              </a:rPr>
+              <a:t>ユーザー管理</a:t>
+            </a:r>
+          </a:p>
+        </p:txBody>
+      </p:sp>
+      <p:cxnSp>
+        <p:nvCxnSpPr>
+          <p:cNvPr id="31" name="コネクタ: カギ線 30">
+            <a:extLst>
+              <a:ext uri="{FF2B5EF4-FFF2-40B4-BE49-F238E27FC236}">
+                <a16:creationId xmlns:a16="http://schemas.microsoft.com/office/drawing/2014/main" id="{B2FDD1AD-48C7-8369-6314-7E78112431D5}"/>
+              </a:ext>
+            </a:extLst>
+          </p:cNvPr>
+          <p:cNvCxnSpPr>
+            <a:cxnSpLocks/>
+            <a:stCxn id="8" idx="1"/>
+            <a:endCxn id="5" idx="0"/>
+          </p:cNvCxnSpPr>
+          <p:nvPr/>
+        </p:nvCxnSpPr>
+        <p:spPr>
+          <a:xfrm rot="10800000" flipV="1">
+            <a:off x="2604492" y="580189"/>
+            <a:ext cx="2371466" cy="1397345"/>
+          </a:xfrm>
+          <a:prstGeom prst="curvedConnector2">
+            <a:avLst/>
+          </a:prstGeom>
+          <a:ln w="57150">
+            <a:solidFill>
+              <a:schemeClr val="tx1"/>
+            </a:solidFill>
+            <a:tailEnd type="triangle" w="lg" len="lg"/>
+          </a:ln>
+        </p:spPr>
+        <p:style>
+          <a:lnRef idx="2">
+            <a:schemeClr val="dk1"/>
+          </a:lnRef>
+          <a:fillRef idx="0">
+            <a:schemeClr val="dk1"/>
+          </a:fillRef>
+          <a:effectRef idx="1">
+            <a:schemeClr val="dk1"/>
+          </a:effectRef>
+          <a:fontRef idx="minor">
+            <a:schemeClr val="tx1"/>
+          </a:fontRef>
+        </p:style>
+      </p:cxnSp>
+      <p:sp>
+        <p:nvSpPr>
+          <p:cNvPr id="34" name="テキスト ボックス 33">
+            <a:extLst>
+              <a:ext uri="{FF2B5EF4-FFF2-40B4-BE49-F238E27FC236}">
+                <a16:creationId xmlns:a16="http://schemas.microsoft.com/office/drawing/2014/main" id="{C7386105-887C-C3FE-FB6C-DD72BB2F41CF}"/>
+              </a:ext>
+            </a:extLst>
+          </p:cNvPr>
+          <p:cNvSpPr txBox="1"/>
+          <p:nvPr/>
+        </p:nvSpPr>
+        <p:spPr>
+          <a:xfrm>
+            <a:off x="2964657" y="836359"/>
+            <a:ext cx="800219" cy="276999"/>
+          </a:xfrm>
+          <a:prstGeom prst="rect">
+            <a:avLst/>
+          </a:prstGeom>
+          <a:solidFill>
+            <a:schemeClr val="bg1"/>
+          </a:solidFill>
+          <a:ln>
+            <a:solidFill>
+              <a:schemeClr val="tx1"/>
+            </a:solidFill>
+          </a:ln>
+        </p:spPr>
+        <p:txBody>
+          <a:bodyPr wrap="none" rtlCol="0">
+            <a:spAutoFit/>
+          </a:bodyPr>
+          <a:lstStyle/>
+          <a:p>
+            <a:r>
+              <a:rPr kumimoji="1" lang="ja-JP" altLang="en-US" sz="1200" dirty="0">
+                <a:latin typeface="BIZ UDPゴシック" panose="020B0400000000000000" pitchFamily="50" charset="-128"/>
+                <a:ea typeface="BIZ UDPゴシック" panose="020B0400000000000000" pitchFamily="50" charset="-128"/>
+              </a:rPr>
+              <a:t>相談内容</a:t>
+            </a:r>
+          </a:p>
+        </p:txBody>
+      </p:sp>
+      <p:cxnSp>
+        <p:nvCxnSpPr>
+          <p:cNvPr id="35" name="コネクタ: カギ線 34">
+            <a:extLst>
+              <a:ext uri="{FF2B5EF4-FFF2-40B4-BE49-F238E27FC236}">
+                <a16:creationId xmlns:a16="http://schemas.microsoft.com/office/drawing/2014/main" id="{155FAE60-2810-63D2-3D85-B199C164B698}"/>
+              </a:ext>
+            </a:extLst>
+          </p:cNvPr>
+          <p:cNvCxnSpPr>
+            <a:cxnSpLocks/>
+            <a:stCxn id="8" idx="2"/>
+            <a:endCxn id="14" idx="3"/>
+          </p:cNvCxnSpPr>
+          <p:nvPr/>
+        </p:nvCxnSpPr>
+        <p:spPr>
+          <a:xfrm rot="16200000" flipH="1">
+            <a:off x="4959973" y="1717742"/>
+            <a:ext cx="4062653" cy="2282845"/>
+          </a:xfrm>
+          <a:prstGeom prst="curvedConnector4">
+            <a:avLst>
+              <a:gd name="adj1" fmla="val 46952"/>
+              <a:gd name="adj2" fmla="val 110014"/>
+            </a:avLst>
+          </a:prstGeom>
+          <a:ln>
+            <a:tailEnd type="triangle" w="lg" len="lg"/>
+          </a:ln>
+        </p:spPr>
+        <p:style>
+          <a:lnRef idx="2">
+            <a:schemeClr val="dk1"/>
+          </a:lnRef>
+          <a:fillRef idx="0">
+            <a:schemeClr val="dk1"/>
+          </a:fillRef>
+          <a:effectRef idx="1">
+            <a:schemeClr val="dk1"/>
+          </a:effectRef>
+          <a:fontRef idx="minor">
+            <a:schemeClr val="tx1"/>
+          </a:fontRef>
+        </p:style>
+      </p:cxnSp>
+      <p:cxnSp>
+        <p:nvCxnSpPr>
+          <p:cNvPr id="38" name="コネクタ: カギ線 37">
+            <a:extLst>
+              <a:ext uri="{FF2B5EF4-FFF2-40B4-BE49-F238E27FC236}">
+                <a16:creationId xmlns:a16="http://schemas.microsoft.com/office/drawing/2014/main" id="{37223802-317B-B0DE-28AD-63808BE59EEE}"/>
+              </a:ext>
+            </a:extLst>
+          </p:cNvPr>
+          <p:cNvCxnSpPr>
+            <a:cxnSpLocks/>
+            <a:stCxn id="5" idx="2"/>
+            <a:endCxn id="17" idx="0"/>
+          </p:cNvCxnSpPr>
+          <p:nvPr/>
+        </p:nvCxnSpPr>
+        <p:spPr>
+          <a:xfrm rot="16200000" flipH="1">
+            <a:off x="3280162" y="1906700"/>
+            <a:ext cx="1089074" cy="2440415"/>
+          </a:xfrm>
+          <a:prstGeom prst="curvedConnector3">
+            <a:avLst/>
+          </a:prstGeom>
+          <a:ln w="57150">
+            <a:headEnd type="none" w="med" len="med"/>
+            <a:tailEnd type="none" w="med" len="med"/>
+          </a:ln>
+        </p:spPr>
+        <p:style>
+          <a:lnRef idx="2">
+            <a:schemeClr val="dk1"/>
+          </a:lnRef>
+          <a:fillRef idx="0">
+            <a:schemeClr val="dk1"/>
+          </a:fillRef>
+          <a:effectRef idx="1">
+            <a:schemeClr val="dk1"/>
+          </a:effectRef>
+          <a:fontRef idx="minor">
+            <a:schemeClr val="tx1"/>
+          </a:fontRef>
+        </p:style>
+      </p:cxnSp>
+      <p:cxnSp>
+        <p:nvCxnSpPr>
+          <p:cNvPr id="41" name="コネクタ: カギ線 40">
+            <a:extLst>
+              <a:ext uri="{FF2B5EF4-FFF2-40B4-BE49-F238E27FC236}">
+                <a16:creationId xmlns:a16="http://schemas.microsoft.com/office/drawing/2014/main" id="{1EC077C7-87DD-1A6F-6E0A-799E85DD9C48}"/>
+              </a:ext>
+            </a:extLst>
+          </p:cNvPr>
+          <p:cNvCxnSpPr>
+            <a:cxnSpLocks/>
+            <a:stCxn id="5" idx="1"/>
+            <a:endCxn id="20" idx="1"/>
+          </p:cNvCxnSpPr>
+          <p:nvPr/>
+        </p:nvCxnSpPr>
+        <p:spPr>
+          <a:xfrm rot="10800000" flipH="1" flipV="1">
+            <a:off x="1418033" y="2279952"/>
+            <a:ext cx="1755160" cy="4021233"/>
+          </a:xfrm>
+          <a:prstGeom prst="curvedConnector3">
+            <a:avLst>
+              <a:gd name="adj1" fmla="val -13024"/>
+            </a:avLst>
+          </a:prstGeom>
+          <a:ln>
+            <a:tailEnd type="triangle" w="lg" len="lg"/>
+          </a:ln>
+        </p:spPr>
+        <p:style>
+          <a:lnRef idx="2">
+            <a:schemeClr val="dk1"/>
+          </a:lnRef>
+          <a:fillRef idx="0">
+            <a:schemeClr val="dk1"/>
+          </a:fillRef>
+          <a:effectRef idx="1">
+            <a:schemeClr val="dk1"/>
+          </a:effectRef>
+          <a:fontRef idx="minor">
+            <a:schemeClr val="tx1"/>
+          </a:fontRef>
+        </p:style>
+      </p:cxnSp>
+      <p:cxnSp>
+        <p:nvCxnSpPr>
+          <p:cNvPr id="44" name="コネクタ: カギ線 43">
+            <a:extLst>
+              <a:ext uri="{FF2B5EF4-FFF2-40B4-BE49-F238E27FC236}">
+                <a16:creationId xmlns:a16="http://schemas.microsoft.com/office/drawing/2014/main" id="{D848E2B2-1677-E369-982E-306EB089AB1D}"/>
+              </a:ext>
+            </a:extLst>
+          </p:cNvPr>
+          <p:cNvCxnSpPr>
+            <a:cxnSpLocks/>
+            <a:stCxn id="17" idx="1"/>
+            <a:endCxn id="20" idx="1"/>
+          </p:cNvCxnSpPr>
+          <p:nvPr/>
+        </p:nvCxnSpPr>
+        <p:spPr>
+          <a:xfrm rot="10800000" flipV="1">
+            <a:off x="3173193" y="3919094"/>
+            <a:ext cx="820620" cy="2382091"/>
+          </a:xfrm>
+          <a:prstGeom prst="curvedConnector3">
+            <a:avLst>
+              <a:gd name="adj1" fmla="val 127857"/>
+            </a:avLst>
+          </a:prstGeom>
+          <a:ln>
+            <a:tailEnd type="triangle" w="lg" len="lg"/>
+          </a:ln>
+        </p:spPr>
+        <p:style>
+          <a:lnRef idx="2">
+            <a:schemeClr val="dk1"/>
+          </a:lnRef>
+          <a:fillRef idx="0">
+            <a:schemeClr val="dk1"/>
+          </a:fillRef>
+          <a:effectRef idx="1">
+            <a:schemeClr val="dk1"/>
+          </a:effectRef>
+          <a:fontRef idx="minor">
+            <a:schemeClr val="tx1"/>
+          </a:fontRef>
+        </p:style>
+      </p:cxnSp>
+      <p:cxnSp>
+        <p:nvCxnSpPr>
+          <p:cNvPr id="47" name="コネクタ: カギ線 46">
+            <a:extLst>
+              <a:ext uri="{FF2B5EF4-FFF2-40B4-BE49-F238E27FC236}">
+                <a16:creationId xmlns:a16="http://schemas.microsoft.com/office/drawing/2014/main" id="{B1AF77FA-1B17-F416-B2A6-E3121819DBA2}"/>
+              </a:ext>
+            </a:extLst>
+          </p:cNvPr>
+          <p:cNvCxnSpPr>
+            <a:cxnSpLocks/>
+            <a:stCxn id="14" idx="2"/>
+            <a:endCxn id="20" idx="3"/>
+          </p:cNvCxnSpPr>
+          <p:nvPr/>
+        </p:nvCxnSpPr>
+        <p:spPr>
+          <a:xfrm rot="5400000">
+            <a:off x="5534340" y="4986296"/>
+            <a:ext cx="1163045" cy="1466735"/>
+          </a:xfrm>
+          <a:prstGeom prst="curvedConnector2">
+            <a:avLst/>
+          </a:prstGeom>
+          <a:ln>
+            <a:tailEnd type="triangle" w="lg" len="lg"/>
+          </a:ln>
+        </p:spPr>
+        <p:style>
+          <a:lnRef idx="2">
+            <a:schemeClr val="dk1"/>
+          </a:lnRef>
+          <a:fillRef idx="0">
+            <a:schemeClr val="dk1"/>
+          </a:fillRef>
+          <a:effectRef idx="1">
+            <a:schemeClr val="dk1"/>
+          </a:effectRef>
+          <a:fontRef idx="minor">
+            <a:schemeClr val="tx1"/>
+          </a:fontRef>
+        </p:style>
+      </p:cxnSp>
+      <p:cxnSp>
+        <p:nvCxnSpPr>
+          <p:cNvPr id="50" name="コネクタ: カギ線 49">
+            <a:extLst>
+              <a:ext uri="{FF2B5EF4-FFF2-40B4-BE49-F238E27FC236}">
+                <a16:creationId xmlns:a16="http://schemas.microsoft.com/office/drawing/2014/main" id="{4441D25D-028D-2B40-1352-7557F49BB51E}"/>
+              </a:ext>
+            </a:extLst>
+          </p:cNvPr>
+          <p:cNvCxnSpPr>
+            <a:cxnSpLocks/>
+            <a:stCxn id="11" idx="2"/>
+            <a:endCxn id="20" idx="3"/>
+          </p:cNvCxnSpPr>
+          <p:nvPr/>
+        </p:nvCxnSpPr>
+        <p:spPr>
+          <a:xfrm rot="5400000">
+            <a:off x="6819136" y="2853927"/>
+            <a:ext cx="2010618" cy="4883901"/>
+          </a:xfrm>
+          <a:prstGeom prst="curvedConnector2">
+            <a:avLst/>
+          </a:prstGeom>
+          <a:ln>
+            <a:tailEnd type="triangle" w="lg" len="lg"/>
+          </a:ln>
+        </p:spPr>
+        <p:style>
+          <a:lnRef idx="2">
+            <a:schemeClr val="dk1"/>
+          </a:lnRef>
+          <a:fillRef idx="0">
+            <a:schemeClr val="dk1"/>
+          </a:fillRef>
+          <a:effectRef idx="1">
+            <a:schemeClr val="dk1"/>
+          </a:effectRef>
+          <a:fontRef idx="minor">
+            <a:schemeClr val="tx1"/>
+          </a:fontRef>
+        </p:style>
+      </p:cxnSp>
+      <p:cxnSp>
+        <p:nvCxnSpPr>
+          <p:cNvPr id="54" name="コネクタ: カギ線 53">
+            <a:extLst>
+              <a:ext uri="{FF2B5EF4-FFF2-40B4-BE49-F238E27FC236}">
+                <a16:creationId xmlns:a16="http://schemas.microsoft.com/office/drawing/2014/main" id="{4FD0A195-CAAE-EC48-353E-BE025F92FCE4}"/>
+              </a:ext>
+            </a:extLst>
+          </p:cNvPr>
+          <p:cNvCxnSpPr>
+            <a:cxnSpLocks/>
+            <a:stCxn id="8" idx="2"/>
+            <a:endCxn id="17" idx="0"/>
+          </p:cNvCxnSpPr>
+          <p:nvPr/>
+        </p:nvCxnSpPr>
+        <p:spPr>
+          <a:xfrm rot="5400000">
+            <a:off x="4025589" y="1847157"/>
+            <a:ext cx="2843606" cy="804970"/>
+          </a:xfrm>
+          <a:prstGeom prst="curvedConnector3">
+            <a:avLst/>
+          </a:prstGeom>
+          <a:ln>
+            <a:headEnd type="none" w="med" len="med"/>
+            <a:tailEnd type="none" w="med" len="med"/>
+          </a:ln>
+        </p:spPr>
+        <p:style>
+          <a:lnRef idx="2">
+            <a:schemeClr val="dk1"/>
+          </a:lnRef>
+          <a:fillRef idx="0">
+            <a:schemeClr val="dk1"/>
+          </a:fillRef>
+          <a:effectRef idx="1">
+            <a:schemeClr val="dk1"/>
+          </a:effectRef>
+          <a:fontRef idx="minor">
+            <a:schemeClr val="tx1"/>
+          </a:fontRef>
+        </p:style>
+      </p:cxnSp>
+      <p:cxnSp>
+        <p:nvCxnSpPr>
+          <p:cNvPr id="59" name="コネクタ: カギ線 58">
+            <a:extLst>
+              <a:ext uri="{FF2B5EF4-FFF2-40B4-BE49-F238E27FC236}">
+                <a16:creationId xmlns:a16="http://schemas.microsoft.com/office/drawing/2014/main" id="{027D7615-AAD5-988B-3A41-D350B0E7D3D1}"/>
+              </a:ext>
+            </a:extLst>
+          </p:cNvPr>
+          <p:cNvCxnSpPr>
+            <a:cxnSpLocks/>
+            <a:stCxn id="17" idx="2"/>
+            <a:endCxn id="14" idx="0"/>
+          </p:cNvCxnSpPr>
+          <p:nvPr/>
+        </p:nvCxnSpPr>
+        <p:spPr>
+          <a:xfrm rot="16200000" flipH="1">
+            <a:off x="5709019" y="3502632"/>
+            <a:ext cx="476098" cy="1804322"/>
+          </a:xfrm>
+          <a:prstGeom prst="curvedConnector3">
+            <a:avLst>
+              <a:gd name="adj1" fmla="val 50000"/>
+            </a:avLst>
+          </a:prstGeom>
+          <a:ln w="57150">
+            <a:tailEnd type="triangle" w="lg" len="lg"/>
+          </a:ln>
+        </p:spPr>
+        <p:style>
+          <a:lnRef idx="2">
+            <a:schemeClr val="dk1"/>
+          </a:lnRef>
+          <a:fillRef idx="0">
+            <a:schemeClr val="dk1"/>
+          </a:fillRef>
+          <a:effectRef idx="1">
+            <a:schemeClr val="dk1"/>
+          </a:effectRef>
+          <a:fontRef idx="minor">
+            <a:schemeClr val="tx1"/>
+          </a:fontRef>
+        </p:style>
+      </p:cxnSp>
+      <p:cxnSp>
+        <p:nvCxnSpPr>
+          <p:cNvPr id="1024" name="コネクタ: カギ線 1023">
+            <a:extLst>
+              <a:ext uri="{FF2B5EF4-FFF2-40B4-BE49-F238E27FC236}">
+                <a16:creationId xmlns:a16="http://schemas.microsoft.com/office/drawing/2014/main" id="{8F7061F1-61CE-5922-0CF0-439A87B43469}"/>
+              </a:ext>
+            </a:extLst>
+          </p:cNvPr>
+          <p:cNvCxnSpPr>
+            <a:cxnSpLocks/>
+            <a:stCxn id="17" idx="2"/>
+            <a:endCxn id="14" idx="1"/>
+          </p:cNvCxnSpPr>
+          <p:nvPr/>
+        </p:nvCxnSpPr>
+        <p:spPr>
+          <a:xfrm rot="16200000" flipH="1">
+            <a:off x="4943447" y="4268204"/>
+            <a:ext cx="723748" cy="520828"/>
+          </a:xfrm>
+          <a:prstGeom prst="curvedConnector2">
+            <a:avLst/>
+          </a:prstGeom>
+          <a:ln>
+            <a:tailEnd type="triangle" w="lg" len="lg"/>
+          </a:ln>
+        </p:spPr>
+        <p:style>
+          <a:lnRef idx="2">
+            <a:schemeClr val="dk1"/>
+          </a:lnRef>
+          <a:fillRef idx="0">
+            <a:schemeClr val="dk1"/>
+          </a:fillRef>
+          <a:effectRef idx="1">
+            <a:schemeClr val="dk1"/>
+          </a:effectRef>
+          <a:fontRef idx="minor">
+            <a:schemeClr val="tx1"/>
+          </a:fontRef>
+        </p:style>
+      </p:cxnSp>
+      <p:sp>
+        <p:nvSpPr>
+          <p:cNvPr id="1031" name="テキスト ボックス 1030">
+            <a:extLst>
+              <a:ext uri="{FF2B5EF4-FFF2-40B4-BE49-F238E27FC236}">
+                <a16:creationId xmlns:a16="http://schemas.microsoft.com/office/drawing/2014/main" id="{6B807815-A12A-A5C3-7B9A-BA5C265FDAB5}"/>
+              </a:ext>
+            </a:extLst>
+          </p:cNvPr>
+          <p:cNvSpPr txBox="1"/>
+          <p:nvPr/>
+        </p:nvSpPr>
+        <p:spPr>
+          <a:xfrm>
+            <a:off x="2402719" y="2950369"/>
+            <a:ext cx="2128273" cy="461665"/>
+          </a:xfrm>
+          <a:prstGeom prst="rect">
+            <a:avLst/>
+          </a:prstGeom>
+          <a:solidFill>
+            <a:schemeClr val="bg1"/>
+          </a:solidFill>
+          <a:ln>
+            <a:solidFill>
+              <a:schemeClr val="tx1"/>
+            </a:solidFill>
+          </a:ln>
+        </p:spPr>
+        <p:txBody>
+          <a:bodyPr wrap="square" rtlCol="0">
+            <a:spAutoFit/>
+          </a:bodyPr>
+          <a:lstStyle/>
+          <a:p>
+            <a:r>
+              <a:rPr kumimoji="1" lang="ja-JP" altLang="en-US" sz="1200" dirty="0">
+                <a:latin typeface="BIZ UDPゴシック" panose="020B0400000000000000" pitchFamily="50" charset="-128"/>
+                <a:ea typeface="BIZ UDPゴシック" panose="020B0400000000000000" pitchFamily="50" charset="-128"/>
+              </a:rPr>
+              <a:t>相談内容に埋め込みを生成</a:t>
+            </a:r>
+            <a:r>
+              <a:rPr lang="ja-JP" altLang="en-US" sz="1200" dirty="0">
+                <a:latin typeface="BIZ UDPゴシック" panose="020B0400000000000000" pitchFamily="50" charset="-128"/>
+                <a:ea typeface="BIZ UDPゴシック" panose="020B0400000000000000" pitchFamily="50" charset="-128"/>
+              </a:rPr>
+              <a:t>ベクトル検索</a:t>
+            </a:r>
+            <a:endParaRPr kumimoji="1" lang="ja-JP" altLang="en-US" sz="1200" dirty="0">
+              <a:latin typeface="BIZ UDPゴシック" panose="020B0400000000000000" pitchFamily="50" charset="-128"/>
+              <a:ea typeface="BIZ UDPゴシック" panose="020B0400000000000000" pitchFamily="50" charset="-128"/>
+            </a:endParaRPr>
+          </a:p>
+        </p:txBody>
+      </p:sp>
+      <p:pic>
+        <p:nvPicPr>
+          <p:cNvPr id="1032" name="グラフィックス 1031">
+            <a:extLst>
+              <a:ext uri="{FF2B5EF4-FFF2-40B4-BE49-F238E27FC236}">
+                <a16:creationId xmlns:a16="http://schemas.microsoft.com/office/drawing/2014/main" id="{5AFACF0E-1244-3C29-CB4E-8102D6C29E9A}"/>
+              </a:ext>
+            </a:extLst>
+          </p:cNvPr>
+          <p:cNvPicPr>
+            <a:picLocks noChangeAspect="1"/>
+          </p:cNvPicPr>
+          <p:nvPr/>
+        </p:nvPicPr>
+        <p:blipFill>
+          <a:blip r:embed="rId2">
+            <a:extLst>
+              <a:ext uri="{96DAC541-7B7A-43D3-8B79-37D633B846F1}">
+                <asvg:svgBlip xmlns:asvg="http://schemas.microsoft.com/office/drawing/2016/SVG/main" r:embed="rId3"/>
+              </a:ext>
+            </a:extLst>
+          </a:blip>
+          <a:stretch>
+            <a:fillRect/>
+          </a:stretch>
+        </p:blipFill>
+        <p:spPr>
+          <a:xfrm>
+            <a:off x="4383282" y="1586083"/>
+            <a:ext cx="171450" cy="171450"/>
+          </a:xfrm>
+          <a:prstGeom prst="rect">
+            <a:avLst/>
+          </a:prstGeom>
+        </p:spPr>
+      </p:pic>
+      <p:pic>
+        <p:nvPicPr>
+          <p:cNvPr id="25" name="グラフィックス 24">
+            <a:extLst>
+              <a:ext uri="{FF2B5EF4-FFF2-40B4-BE49-F238E27FC236}">
+                <a16:creationId xmlns:a16="http://schemas.microsoft.com/office/drawing/2014/main" id="{68791563-BB3D-8859-F0D5-1EB301FE61F6}"/>
+              </a:ext>
+            </a:extLst>
+          </p:cNvPr>
+          <p:cNvPicPr>
+            <a:picLocks noChangeAspect="1"/>
+          </p:cNvPicPr>
+          <p:nvPr/>
+        </p:nvPicPr>
+        <p:blipFill>
+          <a:blip r:embed="rId8">
+            <a:extLst>
+              <a:ext uri="{96DAC541-7B7A-43D3-8B79-37D633B846F1}">
+                <asvg:svgBlip xmlns:asvg="http://schemas.microsoft.com/office/drawing/2016/SVG/main" r:embed="rId9"/>
+              </a:ext>
+            </a:extLst>
+          </a:blip>
+          <a:stretch>
+            <a:fillRect/>
+          </a:stretch>
+        </p:blipFill>
+        <p:spPr>
+          <a:xfrm>
+            <a:off x="4779995" y="2163988"/>
+            <a:ext cx="258607" cy="258607"/>
+          </a:xfrm>
+          <a:prstGeom prst="rect">
+            <a:avLst/>
+          </a:prstGeom>
+        </p:spPr>
+      </p:pic>
+      <p:pic>
+        <p:nvPicPr>
+          <p:cNvPr id="1033" name="グラフィックス 1032">
+            <a:extLst>
+              <a:ext uri="{FF2B5EF4-FFF2-40B4-BE49-F238E27FC236}">
+                <a16:creationId xmlns:a16="http://schemas.microsoft.com/office/drawing/2014/main" id="{514CF264-62F0-963D-8CE4-329DCF3B53A8}"/>
+              </a:ext>
+            </a:extLst>
+          </p:cNvPr>
+          <p:cNvPicPr>
+            <a:picLocks noChangeAspect="1"/>
+          </p:cNvPicPr>
+          <p:nvPr/>
+        </p:nvPicPr>
+        <p:blipFill>
+          <a:blip r:embed="rId10">
+            <a:extLst>
+              <a:ext uri="{96DAC541-7B7A-43D3-8B79-37D633B846F1}">
+                <asvg:svgBlip xmlns:asvg="http://schemas.microsoft.com/office/drawing/2016/SVG/main" r:embed="rId11"/>
+              </a:ext>
+            </a:extLst>
+          </a:blip>
+          <a:stretch>
+            <a:fillRect/>
+          </a:stretch>
+        </p:blipFill>
+        <p:spPr>
+          <a:xfrm>
+            <a:off x="2385862" y="2763008"/>
+            <a:ext cx="188596" cy="188596"/>
+          </a:xfrm>
+          <a:prstGeom prst="rect">
+            <a:avLst/>
+          </a:prstGeom>
+        </p:spPr>
+      </p:pic>
+      <p:sp>
+        <p:nvSpPr>
+          <p:cNvPr id="1034" name="テキスト ボックス 1033">
+            <a:extLst>
+              <a:ext uri="{FF2B5EF4-FFF2-40B4-BE49-F238E27FC236}">
+                <a16:creationId xmlns:a16="http://schemas.microsoft.com/office/drawing/2014/main" id="{9037C37E-511F-6892-0A02-FD447C259FA2}"/>
+              </a:ext>
+            </a:extLst>
+          </p:cNvPr>
+          <p:cNvSpPr txBox="1"/>
+          <p:nvPr/>
+        </p:nvSpPr>
+        <p:spPr>
+          <a:xfrm>
+            <a:off x="4682773" y="2416717"/>
+            <a:ext cx="1265968" cy="461665"/>
+          </a:xfrm>
+          <a:prstGeom prst="rect">
+            <a:avLst/>
+          </a:prstGeom>
+          <a:solidFill>
+            <a:schemeClr val="bg1"/>
+          </a:solidFill>
+          <a:ln>
+            <a:solidFill>
+              <a:schemeClr val="tx1"/>
+            </a:solidFill>
+          </a:ln>
+        </p:spPr>
+        <p:txBody>
+          <a:bodyPr wrap="square" rtlCol="0">
+            <a:spAutoFit/>
+          </a:bodyPr>
+          <a:lstStyle/>
+          <a:p>
+            <a:r>
+              <a:rPr lang="ja-JP" altLang="en-US" sz="1200" dirty="0">
+                <a:latin typeface="BIZ UDPゴシック" panose="020B0400000000000000" pitchFamily="50" charset="-128"/>
+                <a:ea typeface="BIZ UDPゴシック" panose="020B0400000000000000" pitchFamily="50" charset="-128"/>
+              </a:rPr>
+              <a:t>埋め込みを生成</a:t>
+            </a:r>
+          </a:p>
+          <a:p>
+            <a:r>
+              <a:rPr kumimoji="1" lang="ja-JP" altLang="en-US" sz="1200" dirty="0">
+                <a:latin typeface="BIZ UDPゴシック" panose="020B0400000000000000" pitchFamily="50" charset="-128"/>
+                <a:ea typeface="BIZ UDPゴシック" panose="020B0400000000000000" pitchFamily="50" charset="-128"/>
+              </a:rPr>
+              <a:t>データ保存</a:t>
+            </a:r>
+            <a:endParaRPr kumimoji="1" lang="en-US" altLang="ja-JP" sz="1200" dirty="0">
+              <a:latin typeface="BIZ UDPゴシック" panose="020B0400000000000000" pitchFamily="50" charset="-128"/>
+              <a:ea typeface="BIZ UDPゴシック" panose="020B0400000000000000" pitchFamily="50" charset="-128"/>
+            </a:endParaRPr>
+          </a:p>
+        </p:txBody>
+      </p:sp>
+      <p:pic>
+        <p:nvPicPr>
+          <p:cNvPr id="1035" name="グラフィックス 1034">
+            <a:extLst>
+              <a:ext uri="{FF2B5EF4-FFF2-40B4-BE49-F238E27FC236}">
+                <a16:creationId xmlns:a16="http://schemas.microsoft.com/office/drawing/2014/main" id="{60906906-FBA2-4781-90BC-48FF011181EB}"/>
+              </a:ext>
+            </a:extLst>
+          </p:cNvPr>
+          <p:cNvPicPr>
+            <a:picLocks noChangeAspect="1"/>
+          </p:cNvPicPr>
+          <p:nvPr/>
+        </p:nvPicPr>
+        <p:blipFill>
+          <a:blip r:embed="rId10">
+            <a:extLst>
+              <a:ext uri="{96DAC541-7B7A-43D3-8B79-37D633B846F1}">
+                <asvg:svgBlip xmlns:asvg="http://schemas.microsoft.com/office/drawing/2016/SVG/main" r:embed="rId11"/>
+              </a:ext>
+            </a:extLst>
+          </a:blip>
+          <a:stretch>
+            <a:fillRect/>
+          </a:stretch>
+        </p:blipFill>
+        <p:spPr>
+          <a:xfrm>
+            <a:off x="4570571" y="2194488"/>
+            <a:ext cx="188596" cy="188596"/>
+          </a:xfrm>
+          <a:prstGeom prst="rect">
+            <a:avLst/>
+          </a:prstGeom>
+        </p:spPr>
+      </p:pic>
+      <p:pic>
+        <p:nvPicPr>
+          <p:cNvPr id="1036" name="グラフィックス 1035">
+            <a:extLst>
+              <a:ext uri="{FF2B5EF4-FFF2-40B4-BE49-F238E27FC236}">
+                <a16:creationId xmlns:a16="http://schemas.microsoft.com/office/drawing/2014/main" id="{3C508CAF-0F46-DDFB-3815-FF284D9F3F33}"/>
+              </a:ext>
+            </a:extLst>
+          </p:cNvPr>
+          <p:cNvPicPr>
+            <a:picLocks noChangeAspect="1"/>
+          </p:cNvPicPr>
+          <p:nvPr/>
+        </p:nvPicPr>
+        <p:blipFill>
+          <a:blip r:embed="rId8">
+            <a:extLst>
+              <a:ext uri="{96DAC541-7B7A-43D3-8B79-37D633B846F1}">
+                <asvg:svgBlip xmlns:asvg="http://schemas.microsoft.com/office/drawing/2016/SVG/main" r:embed="rId9"/>
+              </a:ext>
+            </a:extLst>
+          </a:blip>
+          <a:stretch>
+            <a:fillRect/>
+          </a:stretch>
+        </p:blipFill>
+        <p:spPr>
+          <a:xfrm>
+            <a:off x="2577468" y="2735606"/>
+            <a:ext cx="258607" cy="258607"/>
+          </a:xfrm>
+          <a:prstGeom prst="rect">
+            <a:avLst/>
+          </a:prstGeom>
+        </p:spPr>
+      </p:pic>
+      <p:cxnSp>
+        <p:nvCxnSpPr>
+          <p:cNvPr id="1037" name="コネクタ: カギ線 37">
+            <a:extLst>
+              <a:ext uri="{FF2B5EF4-FFF2-40B4-BE49-F238E27FC236}">
+                <a16:creationId xmlns:a16="http://schemas.microsoft.com/office/drawing/2014/main" id="{3BBFAF72-27AC-CBDE-3DC2-77A96C6C8C6C}"/>
+              </a:ext>
+            </a:extLst>
+          </p:cNvPr>
+          <p:cNvCxnSpPr>
+            <a:cxnSpLocks/>
+            <a:stCxn id="5" idx="3"/>
+            <a:endCxn id="8" idx="2"/>
+          </p:cNvCxnSpPr>
+          <p:nvPr/>
+        </p:nvCxnSpPr>
+        <p:spPr>
+          <a:xfrm flipV="1">
+            <a:off x="3790950" y="827839"/>
+            <a:ext cx="2058927" cy="1452114"/>
+          </a:xfrm>
+          <a:prstGeom prst="curvedConnector2">
+            <a:avLst/>
+          </a:prstGeom>
+          <a:ln w="57150">
+            <a:tailEnd type="triangle" w="lg" len="lg"/>
+          </a:ln>
+        </p:spPr>
+        <p:style>
+          <a:lnRef idx="2">
+            <a:schemeClr val="dk1"/>
+          </a:lnRef>
+          <a:fillRef idx="0">
+            <a:schemeClr val="dk1"/>
+          </a:fillRef>
+          <a:effectRef idx="1">
+            <a:schemeClr val="dk1"/>
+          </a:effectRef>
+          <a:fontRef idx="minor">
+            <a:schemeClr val="tx1"/>
+          </a:fontRef>
+        </p:style>
+      </p:cxnSp>
+      <p:sp>
+        <p:nvSpPr>
+          <p:cNvPr id="1040" name="テキスト ボックス 1039">
+            <a:extLst>
+              <a:ext uri="{FF2B5EF4-FFF2-40B4-BE49-F238E27FC236}">
+                <a16:creationId xmlns:a16="http://schemas.microsoft.com/office/drawing/2014/main" id="{F8AFA0E0-BBE8-3A1E-3382-8D963A45FCFB}"/>
+              </a:ext>
+            </a:extLst>
+          </p:cNvPr>
+          <p:cNvSpPr txBox="1"/>
+          <p:nvPr/>
+        </p:nvSpPr>
+        <p:spPr>
+          <a:xfrm>
+            <a:off x="4403700" y="1756970"/>
+            <a:ext cx="800219" cy="276999"/>
+          </a:xfrm>
+          <a:prstGeom prst="rect">
+            <a:avLst/>
+          </a:prstGeom>
+          <a:solidFill>
+            <a:schemeClr val="bg1"/>
+          </a:solidFill>
+          <a:ln>
+            <a:solidFill>
+              <a:schemeClr val="tx1"/>
+            </a:solidFill>
+          </a:ln>
+        </p:spPr>
+        <p:txBody>
+          <a:bodyPr wrap="none" rtlCol="0">
+            <a:spAutoFit/>
+          </a:bodyPr>
+          <a:lstStyle/>
+          <a:p>
+            <a:r>
+              <a:rPr kumimoji="1" lang="ja-JP" altLang="en-US" sz="1200" dirty="0">
+                <a:latin typeface="BIZ UDPゴシック" panose="020B0400000000000000" pitchFamily="50" charset="-128"/>
+                <a:ea typeface="BIZ UDPゴシック" panose="020B0400000000000000" pitchFamily="50" charset="-128"/>
+              </a:rPr>
+              <a:t>回答生成</a:t>
+            </a:r>
+          </a:p>
+        </p:txBody>
+      </p:sp>
+      <p:sp>
+        <p:nvSpPr>
+          <p:cNvPr id="1048" name="テキスト ボックス 1047">
+            <a:extLst>
+              <a:ext uri="{FF2B5EF4-FFF2-40B4-BE49-F238E27FC236}">
+                <a16:creationId xmlns:a16="http://schemas.microsoft.com/office/drawing/2014/main" id="{E3D04CC1-27E5-EA8E-46C8-E15C95DFF933}"/>
+              </a:ext>
+            </a:extLst>
+          </p:cNvPr>
+          <p:cNvSpPr txBox="1"/>
+          <p:nvPr/>
+        </p:nvSpPr>
+        <p:spPr>
+          <a:xfrm>
+            <a:off x="6991299" y="2977413"/>
+            <a:ext cx="2015342" cy="276999"/>
+          </a:xfrm>
+          <a:prstGeom prst="rect">
+            <a:avLst/>
+          </a:prstGeom>
+          <a:solidFill>
+            <a:schemeClr val="bg1"/>
+          </a:solidFill>
+          <a:ln>
+            <a:solidFill>
+              <a:schemeClr val="tx1"/>
+            </a:solidFill>
+          </a:ln>
+        </p:spPr>
+        <p:txBody>
+          <a:bodyPr wrap="square" rtlCol="0">
+            <a:spAutoFit/>
+          </a:bodyPr>
+          <a:lstStyle/>
+          <a:p>
+            <a:r>
+              <a:rPr lang="ja-JP" altLang="en-US" sz="1200" dirty="0">
+                <a:latin typeface="BIZ UDPゴシック" panose="020B0400000000000000" pitchFamily="50" charset="-128"/>
+                <a:ea typeface="BIZ UDPゴシック" panose="020B0400000000000000" pitchFamily="50" charset="-128"/>
+              </a:rPr>
+              <a:t>不要になったデータは削除</a:t>
+            </a:r>
+            <a:endParaRPr kumimoji="1" lang="en-US" altLang="ja-JP" sz="1200" dirty="0">
+              <a:latin typeface="BIZ UDPゴシック" panose="020B0400000000000000" pitchFamily="50" charset="-128"/>
+              <a:ea typeface="BIZ UDPゴシック" panose="020B0400000000000000" pitchFamily="50" charset="-128"/>
+            </a:endParaRPr>
+          </a:p>
+        </p:txBody>
+      </p:sp>
+      <p:pic>
+        <p:nvPicPr>
+          <p:cNvPr id="1049" name="グラフィックス 1048">
+            <a:extLst>
+              <a:ext uri="{FF2B5EF4-FFF2-40B4-BE49-F238E27FC236}">
+                <a16:creationId xmlns:a16="http://schemas.microsoft.com/office/drawing/2014/main" id="{559D6D30-1C5D-186F-F6DF-D443FA9D1A46}"/>
+              </a:ext>
+            </a:extLst>
+          </p:cNvPr>
+          <p:cNvPicPr>
+            <a:picLocks noChangeAspect="1"/>
+          </p:cNvPicPr>
+          <p:nvPr/>
+        </p:nvPicPr>
+        <p:blipFill>
+          <a:blip r:embed="rId8">
+            <a:extLst>
+              <a:ext uri="{96DAC541-7B7A-43D3-8B79-37D633B846F1}">
+                <asvg:svgBlip xmlns:asvg="http://schemas.microsoft.com/office/drawing/2016/SVG/main" r:embed="rId9"/>
+              </a:ext>
+            </a:extLst>
+          </a:blip>
+          <a:stretch>
+            <a:fillRect/>
+          </a:stretch>
+        </p:blipFill>
+        <p:spPr>
+          <a:xfrm>
+            <a:off x="6935654" y="2758587"/>
+            <a:ext cx="258607" cy="258607"/>
+          </a:xfrm>
+          <a:prstGeom prst="rect">
+            <a:avLst/>
+          </a:prstGeom>
+        </p:spPr>
+      </p:pic>
+      <p:grpSp>
+        <p:nvGrpSpPr>
+          <p:cNvPr id="1057" name="グループ化 1056">
+            <a:extLst>
+              <a:ext uri="{FF2B5EF4-FFF2-40B4-BE49-F238E27FC236}">
+                <a16:creationId xmlns:a16="http://schemas.microsoft.com/office/drawing/2014/main" id="{048B99AC-9191-4494-AEB9-AAE7EC89926B}"/>
+              </a:ext>
+            </a:extLst>
+          </p:cNvPr>
+          <p:cNvGrpSpPr/>
+          <p:nvPr/>
+        </p:nvGrpSpPr>
+        <p:grpSpPr>
+          <a:xfrm>
+            <a:off x="1148190" y="4993620"/>
+            <a:ext cx="1220555" cy="425267"/>
+            <a:chOff x="1353904" y="4868311"/>
+            <a:chExt cx="1220555" cy="425267"/>
+          </a:xfrm>
+        </p:grpSpPr>
+        <p:pic>
+          <p:nvPicPr>
+            <p:cNvPr id="22" name="グラフィックス 21">
+              <a:extLst>
+                <a:ext uri="{FF2B5EF4-FFF2-40B4-BE49-F238E27FC236}">
+                  <a16:creationId xmlns:a16="http://schemas.microsoft.com/office/drawing/2014/main" id="{FF80479E-4DC3-C4E9-137B-83040BE478AC}"/>
+                </a:ext>
+              </a:extLst>
+            </p:cNvPr>
+            <p:cNvPicPr>
+              <a:picLocks noChangeAspect="1"/>
+            </p:cNvPicPr>
+            <p:nvPr/>
+          </p:nvPicPr>
+          <p:blipFill>
+            <a:blip r:embed="rId12">
+              <a:extLst>
+                <a:ext uri="{96DAC541-7B7A-43D3-8B79-37D633B846F1}">
+                  <asvg:svgBlip xmlns:asvg="http://schemas.microsoft.com/office/drawing/2016/SVG/main" r:embed="rId13"/>
+                </a:ext>
+              </a:extLst>
+            </a:blip>
+            <a:stretch>
+              <a:fillRect/>
+            </a:stretch>
+          </p:blipFill>
+          <p:spPr>
+            <a:xfrm>
+              <a:off x="1353904" y="4868311"/>
+              <a:ext cx="188596" cy="188596"/>
+            </a:xfrm>
+            <a:prstGeom prst="rect">
+              <a:avLst/>
+            </a:prstGeom>
+          </p:spPr>
+        </p:pic>
+        <p:sp>
+          <p:nvSpPr>
+            <p:cNvPr id="1050" name="テキスト ボックス 1049">
+              <a:extLst>
+                <a:ext uri="{FF2B5EF4-FFF2-40B4-BE49-F238E27FC236}">
+                  <a16:creationId xmlns:a16="http://schemas.microsoft.com/office/drawing/2014/main" id="{63251601-0046-1F1F-9293-D13C418EF3C2}"/>
+                </a:ext>
+              </a:extLst>
+            </p:cNvPr>
+            <p:cNvSpPr txBox="1"/>
+            <p:nvPr/>
+          </p:nvSpPr>
+          <p:spPr>
+            <a:xfrm>
+              <a:off x="1364147" y="5047357"/>
+              <a:ext cx="1210312" cy="246221"/>
+            </a:xfrm>
+            <a:prstGeom prst="rect">
+              <a:avLst/>
+            </a:prstGeom>
+            <a:solidFill>
+              <a:schemeClr val="bg1"/>
+            </a:solidFill>
+            <a:ln>
+              <a:solidFill>
+                <a:schemeClr val="tx1"/>
+              </a:solidFill>
+            </a:ln>
+          </p:spPr>
+          <p:txBody>
+            <a:bodyPr wrap="square" rtlCol="0">
+              <a:spAutoFit/>
+            </a:bodyPr>
+            <a:lstStyle/>
+            <a:p>
+              <a:r>
+                <a:rPr lang="ja-JP" altLang="en-US" sz="1000" dirty="0">
+                  <a:latin typeface="BIZ UDPゴシック" panose="020B0400000000000000" pitchFamily="50" charset="-128"/>
+                  <a:ea typeface="BIZ UDPゴシック" panose="020B0400000000000000" pitchFamily="50" charset="-128"/>
+                </a:rPr>
+                <a:t>シークレット取得</a:t>
+              </a:r>
+              <a:endParaRPr kumimoji="1" lang="en-US" altLang="ja-JP" sz="1000" dirty="0">
+                <a:latin typeface="BIZ UDPゴシック" panose="020B0400000000000000" pitchFamily="50" charset="-128"/>
+                <a:ea typeface="BIZ UDPゴシック" panose="020B0400000000000000" pitchFamily="50" charset="-128"/>
+              </a:endParaRPr>
+            </a:p>
+          </p:txBody>
+        </p:sp>
+      </p:grpSp>
+      <p:grpSp>
+        <p:nvGrpSpPr>
+          <p:cNvPr id="1058" name="グループ化 1057">
+            <a:extLst>
+              <a:ext uri="{FF2B5EF4-FFF2-40B4-BE49-F238E27FC236}">
+                <a16:creationId xmlns:a16="http://schemas.microsoft.com/office/drawing/2014/main" id="{76FE4C7A-7EB5-5EE5-B72A-5028251FBB65}"/>
+              </a:ext>
+            </a:extLst>
+          </p:cNvPr>
+          <p:cNvGrpSpPr/>
+          <p:nvPr/>
+        </p:nvGrpSpPr>
+        <p:grpSpPr>
+          <a:xfrm>
+            <a:off x="2462387" y="5393547"/>
+            <a:ext cx="1220555" cy="425267"/>
+            <a:chOff x="1353904" y="4868311"/>
+            <a:chExt cx="1220555" cy="425267"/>
+          </a:xfrm>
+        </p:grpSpPr>
+        <p:pic>
+          <p:nvPicPr>
+            <p:cNvPr id="1059" name="グラフィックス 1058">
+              <a:extLst>
+                <a:ext uri="{FF2B5EF4-FFF2-40B4-BE49-F238E27FC236}">
+                  <a16:creationId xmlns:a16="http://schemas.microsoft.com/office/drawing/2014/main" id="{390CD70D-FAEE-04E0-EFA1-4CFFBC7DF040}"/>
+                </a:ext>
+              </a:extLst>
+            </p:cNvPr>
+            <p:cNvPicPr>
+              <a:picLocks noChangeAspect="1"/>
+            </p:cNvPicPr>
+            <p:nvPr/>
+          </p:nvPicPr>
+          <p:blipFill>
+            <a:blip r:embed="rId12">
+              <a:extLst>
+                <a:ext uri="{96DAC541-7B7A-43D3-8B79-37D633B846F1}">
+                  <asvg:svgBlip xmlns:asvg="http://schemas.microsoft.com/office/drawing/2016/SVG/main" r:embed="rId13"/>
+                </a:ext>
+              </a:extLst>
+            </a:blip>
+            <a:stretch>
+              <a:fillRect/>
+            </a:stretch>
+          </p:blipFill>
+          <p:spPr>
+            <a:xfrm>
+              <a:off x="1353904" y="4868311"/>
+              <a:ext cx="188596" cy="188596"/>
+            </a:xfrm>
+            <a:prstGeom prst="rect">
+              <a:avLst/>
+            </a:prstGeom>
+          </p:spPr>
+        </p:pic>
+        <p:sp>
+          <p:nvSpPr>
+            <p:cNvPr id="1060" name="テキスト ボックス 1059">
+              <a:extLst>
+                <a:ext uri="{FF2B5EF4-FFF2-40B4-BE49-F238E27FC236}">
+                  <a16:creationId xmlns:a16="http://schemas.microsoft.com/office/drawing/2014/main" id="{E51EA217-F43E-5681-2859-123C70AB73EE}"/>
+                </a:ext>
+              </a:extLst>
+            </p:cNvPr>
+            <p:cNvSpPr txBox="1"/>
+            <p:nvPr/>
+          </p:nvSpPr>
+          <p:spPr>
+            <a:xfrm>
+              <a:off x="1364147" y="5047357"/>
+              <a:ext cx="1210312" cy="246221"/>
+            </a:xfrm>
+            <a:prstGeom prst="rect">
+              <a:avLst/>
+            </a:prstGeom>
+            <a:solidFill>
+              <a:schemeClr val="bg1"/>
+            </a:solidFill>
+            <a:ln>
+              <a:solidFill>
+                <a:schemeClr val="tx1"/>
+              </a:solidFill>
+            </a:ln>
+          </p:spPr>
+          <p:txBody>
+            <a:bodyPr wrap="square" rtlCol="0">
+              <a:spAutoFit/>
+            </a:bodyPr>
+            <a:lstStyle/>
+            <a:p>
+              <a:r>
+                <a:rPr lang="ja-JP" altLang="en-US" sz="1000" dirty="0">
+                  <a:latin typeface="BIZ UDPゴシック" panose="020B0400000000000000" pitchFamily="50" charset="-128"/>
+                  <a:ea typeface="BIZ UDPゴシック" panose="020B0400000000000000" pitchFamily="50" charset="-128"/>
+                </a:rPr>
+                <a:t>シークレット取得</a:t>
+              </a:r>
+              <a:endParaRPr kumimoji="1" lang="en-US" altLang="ja-JP" sz="1000" dirty="0">
+                <a:latin typeface="BIZ UDPゴシック" panose="020B0400000000000000" pitchFamily="50" charset="-128"/>
+                <a:ea typeface="BIZ UDPゴシック" panose="020B0400000000000000" pitchFamily="50" charset="-128"/>
+              </a:endParaRPr>
+            </a:p>
+          </p:txBody>
+        </p:sp>
+      </p:grpSp>
+      <p:grpSp>
+        <p:nvGrpSpPr>
+          <p:cNvPr id="1061" name="グループ化 1060">
+            <a:extLst>
+              <a:ext uri="{FF2B5EF4-FFF2-40B4-BE49-F238E27FC236}">
+                <a16:creationId xmlns:a16="http://schemas.microsoft.com/office/drawing/2014/main" id="{CF855014-65A8-EA88-0320-2D09F829871A}"/>
+              </a:ext>
+            </a:extLst>
+          </p:cNvPr>
+          <p:cNvGrpSpPr/>
+          <p:nvPr/>
+        </p:nvGrpSpPr>
+        <p:grpSpPr>
+          <a:xfrm>
+            <a:off x="5715099" y="5456583"/>
+            <a:ext cx="1220555" cy="425267"/>
+            <a:chOff x="1353904" y="4868311"/>
+            <a:chExt cx="1220555" cy="425267"/>
+          </a:xfrm>
+        </p:grpSpPr>
+        <p:pic>
+          <p:nvPicPr>
+            <p:cNvPr id="1062" name="グラフィックス 1061">
+              <a:extLst>
+                <a:ext uri="{FF2B5EF4-FFF2-40B4-BE49-F238E27FC236}">
+                  <a16:creationId xmlns:a16="http://schemas.microsoft.com/office/drawing/2014/main" id="{C7B4FBE8-80BC-BD5C-AE64-3A3BB8E21443}"/>
+                </a:ext>
+              </a:extLst>
+            </p:cNvPr>
+            <p:cNvPicPr>
+              <a:picLocks noChangeAspect="1"/>
+            </p:cNvPicPr>
+            <p:nvPr/>
+          </p:nvPicPr>
+          <p:blipFill>
+            <a:blip r:embed="rId12">
+              <a:extLst>
+                <a:ext uri="{96DAC541-7B7A-43D3-8B79-37D633B846F1}">
+                  <asvg:svgBlip xmlns:asvg="http://schemas.microsoft.com/office/drawing/2016/SVG/main" r:embed="rId13"/>
+                </a:ext>
+              </a:extLst>
+            </a:blip>
+            <a:stretch>
+              <a:fillRect/>
+            </a:stretch>
+          </p:blipFill>
+          <p:spPr>
+            <a:xfrm>
+              <a:off x="1353904" y="4868311"/>
+              <a:ext cx="188596" cy="188596"/>
+            </a:xfrm>
+            <a:prstGeom prst="rect">
+              <a:avLst/>
+            </a:prstGeom>
+          </p:spPr>
+        </p:pic>
+        <p:sp>
+          <p:nvSpPr>
+            <p:cNvPr id="1063" name="テキスト ボックス 1062">
+              <a:extLst>
+                <a:ext uri="{FF2B5EF4-FFF2-40B4-BE49-F238E27FC236}">
+                  <a16:creationId xmlns:a16="http://schemas.microsoft.com/office/drawing/2014/main" id="{65EC5C2E-E629-999B-DD09-904E9A154DC3}"/>
+                </a:ext>
+              </a:extLst>
+            </p:cNvPr>
+            <p:cNvSpPr txBox="1"/>
+            <p:nvPr/>
+          </p:nvSpPr>
+          <p:spPr>
+            <a:xfrm>
+              <a:off x="1364147" y="5047357"/>
+              <a:ext cx="1210312" cy="246221"/>
+            </a:xfrm>
+            <a:prstGeom prst="rect">
+              <a:avLst/>
+            </a:prstGeom>
+            <a:solidFill>
+              <a:schemeClr val="bg1"/>
+            </a:solidFill>
+            <a:ln>
+              <a:solidFill>
+                <a:schemeClr val="tx1"/>
+              </a:solidFill>
+            </a:ln>
+          </p:spPr>
+          <p:txBody>
+            <a:bodyPr wrap="square" rtlCol="0">
+              <a:spAutoFit/>
+            </a:bodyPr>
+            <a:lstStyle/>
+            <a:p>
+              <a:r>
+                <a:rPr lang="ja-JP" altLang="en-US" sz="1000" dirty="0">
+                  <a:latin typeface="BIZ UDPゴシック" panose="020B0400000000000000" pitchFamily="50" charset="-128"/>
+                  <a:ea typeface="BIZ UDPゴシック" panose="020B0400000000000000" pitchFamily="50" charset="-128"/>
+                </a:rPr>
+                <a:t>シークレット取得</a:t>
+              </a:r>
+              <a:endParaRPr kumimoji="1" lang="en-US" altLang="ja-JP" sz="1000" dirty="0">
+                <a:latin typeface="BIZ UDPゴシック" panose="020B0400000000000000" pitchFamily="50" charset="-128"/>
+                <a:ea typeface="BIZ UDPゴシック" panose="020B0400000000000000" pitchFamily="50" charset="-128"/>
+              </a:endParaRPr>
+            </a:p>
+          </p:txBody>
+        </p:sp>
+      </p:grpSp>
+      <p:grpSp>
+        <p:nvGrpSpPr>
+          <p:cNvPr id="1064" name="グループ化 1063">
+            <a:extLst>
+              <a:ext uri="{FF2B5EF4-FFF2-40B4-BE49-F238E27FC236}">
+                <a16:creationId xmlns:a16="http://schemas.microsoft.com/office/drawing/2014/main" id="{936C0F82-5588-A995-AFE4-7CC1B58DAE69}"/>
+              </a:ext>
+            </a:extLst>
+          </p:cNvPr>
+          <p:cNvGrpSpPr/>
+          <p:nvPr/>
+        </p:nvGrpSpPr>
+        <p:grpSpPr>
+          <a:xfrm>
+            <a:off x="8179542" y="5321605"/>
+            <a:ext cx="1220555" cy="425267"/>
+            <a:chOff x="1353904" y="4868311"/>
+            <a:chExt cx="1220555" cy="425267"/>
+          </a:xfrm>
+        </p:grpSpPr>
+        <p:pic>
+          <p:nvPicPr>
+            <p:cNvPr id="1065" name="グラフィックス 1064">
+              <a:extLst>
+                <a:ext uri="{FF2B5EF4-FFF2-40B4-BE49-F238E27FC236}">
+                  <a16:creationId xmlns:a16="http://schemas.microsoft.com/office/drawing/2014/main" id="{A389755E-60EA-4CA0-311B-3C0A75F9E5D4}"/>
+                </a:ext>
+              </a:extLst>
+            </p:cNvPr>
+            <p:cNvPicPr>
+              <a:picLocks noChangeAspect="1"/>
+            </p:cNvPicPr>
+            <p:nvPr/>
+          </p:nvPicPr>
+          <p:blipFill>
+            <a:blip r:embed="rId12">
+              <a:extLst>
+                <a:ext uri="{96DAC541-7B7A-43D3-8B79-37D633B846F1}">
+                  <asvg:svgBlip xmlns:asvg="http://schemas.microsoft.com/office/drawing/2016/SVG/main" r:embed="rId13"/>
+                </a:ext>
+              </a:extLst>
+            </a:blip>
+            <a:stretch>
+              <a:fillRect/>
+            </a:stretch>
+          </p:blipFill>
+          <p:spPr>
+            <a:xfrm>
+              <a:off x="1353904" y="4868311"/>
+              <a:ext cx="188596" cy="188596"/>
+            </a:xfrm>
+            <a:prstGeom prst="rect">
+              <a:avLst/>
+            </a:prstGeom>
+          </p:spPr>
+        </p:pic>
+        <p:sp>
+          <p:nvSpPr>
+            <p:cNvPr id="1066" name="テキスト ボックス 1065">
+              <a:extLst>
+                <a:ext uri="{FF2B5EF4-FFF2-40B4-BE49-F238E27FC236}">
+                  <a16:creationId xmlns:a16="http://schemas.microsoft.com/office/drawing/2014/main" id="{CFC39B43-0DBB-CE7C-3793-9F50996D6EB5}"/>
+                </a:ext>
+              </a:extLst>
+            </p:cNvPr>
+            <p:cNvSpPr txBox="1"/>
+            <p:nvPr/>
+          </p:nvSpPr>
+          <p:spPr>
+            <a:xfrm>
+              <a:off x="1364147" y="5047357"/>
+              <a:ext cx="1210312" cy="246221"/>
+            </a:xfrm>
+            <a:prstGeom prst="rect">
+              <a:avLst/>
+            </a:prstGeom>
+            <a:solidFill>
+              <a:schemeClr val="bg1"/>
+            </a:solidFill>
+            <a:ln>
+              <a:solidFill>
+                <a:schemeClr val="tx1"/>
+              </a:solidFill>
+            </a:ln>
+          </p:spPr>
+          <p:txBody>
+            <a:bodyPr wrap="square" rtlCol="0">
+              <a:spAutoFit/>
+            </a:bodyPr>
+            <a:lstStyle/>
+            <a:p>
+              <a:r>
+                <a:rPr lang="ja-JP" altLang="en-US" sz="1000" dirty="0">
+                  <a:latin typeface="BIZ UDPゴシック" panose="020B0400000000000000" pitchFamily="50" charset="-128"/>
+                  <a:ea typeface="BIZ UDPゴシック" panose="020B0400000000000000" pitchFamily="50" charset="-128"/>
+                </a:rPr>
+                <a:t>シークレット取得</a:t>
+              </a:r>
+              <a:endParaRPr kumimoji="1" lang="en-US" altLang="ja-JP" sz="1000" dirty="0">
+                <a:latin typeface="BIZ UDPゴシック" panose="020B0400000000000000" pitchFamily="50" charset="-128"/>
+                <a:ea typeface="BIZ UDPゴシック" panose="020B0400000000000000" pitchFamily="50" charset="-128"/>
+              </a:endParaRPr>
+            </a:p>
+          </p:txBody>
+        </p:sp>
+      </p:grpSp>
+      <p:cxnSp>
+        <p:nvCxnSpPr>
+          <p:cNvPr id="39" name="コネクタ: カギ線 30">
+            <a:extLst>
+              <a:ext uri="{FF2B5EF4-FFF2-40B4-BE49-F238E27FC236}">
+                <a16:creationId xmlns:a16="http://schemas.microsoft.com/office/drawing/2014/main" id="{D0348CA8-56FF-8802-5848-5B4AB2B6C4B7}"/>
+              </a:ext>
+            </a:extLst>
+          </p:cNvPr>
+          <p:cNvCxnSpPr>
+            <a:cxnSpLocks/>
+          </p:cNvCxnSpPr>
+          <p:nvPr/>
+        </p:nvCxnSpPr>
+        <p:spPr>
+          <a:xfrm>
+            <a:off x="10001251" y="608402"/>
+            <a:ext cx="695325" cy="0"/>
+          </a:xfrm>
+          <a:prstGeom prst="straightConnector1">
+            <a:avLst/>
+          </a:prstGeom>
+          <a:ln w="57150">
+            <a:solidFill>
+              <a:schemeClr val="tx1"/>
+            </a:solidFill>
+            <a:tailEnd type="triangle" w="lg" len="lg"/>
+          </a:ln>
+        </p:spPr>
+        <p:style>
+          <a:lnRef idx="2">
+            <a:schemeClr val="dk1"/>
+          </a:lnRef>
+          <a:fillRef idx="0">
+            <a:schemeClr val="dk1"/>
+          </a:fillRef>
+          <a:effectRef idx="1">
+            <a:schemeClr val="dk1"/>
+          </a:effectRef>
+          <a:fontRef idx="minor">
+            <a:schemeClr val="tx1"/>
+          </a:fontRef>
+        </p:style>
+      </p:cxnSp>
+      <p:cxnSp>
+        <p:nvCxnSpPr>
+          <p:cNvPr id="52" name="コネクタ: カギ線 34">
+            <a:extLst>
+              <a:ext uri="{FF2B5EF4-FFF2-40B4-BE49-F238E27FC236}">
+                <a16:creationId xmlns:a16="http://schemas.microsoft.com/office/drawing/2014/main" id="{D1173DE1-F7FB-DBB1-555B-6395C6C4A382}"/>
+              </a:ext>
+            </a:extLst>
+          </p:cNvPr>
+          <p:cNvCxnSpPr>
+            <a:cxnSpLocks/>
+          </p:cNvCxnSpPr>
+          <p:nvPr/>
+        </p:nvCxnSpPr>
+        <p:spPr>
+          <a:xfrm>
+            <a:off x="9991726" y="860816"/>
+            <a:ext cx="671512" cy="0"/>
+          </a:xfrm>
+          <a:prstGeom prst="straightConnector1">
+            <a:avLst/>
+          </a:prstGeom>
+          <a:ln>
+            <a:tailEnd type="triangle" w="lg" len="lg"/>
+          </a:ln>
+        </p:spPr>
+        <p:style>
+          <a:lnRef idx="2">
+            <a:schemeClr val="dk1"/>
+          </a:lnRef>
+          <a:fillRef idx="0">
+            <a:schemeClr val="dk1"/>
+          </a:fillRef>
+          <a:effectRef idx="1">
+            <a:schemeClr val="dk1"/>
+          </a:effectRef>
+          <a:fontRef idx="minor">
+            <a:schemeClr val="tx1"/>
+          </a:fontRef>
+        </p:style>
+      </p:cxnSp>
+      <p:sp>
+        <p:nvSpPr>
+          <p:cNvPr id="1029" name="テキスト ボックス 1028">
+            <a:extLst>
+              <a:ext uri="{FF2B5EF4-FFF2-40B4-BE49-F238E27FC236}">
+                <a16:creationId xmlns:a16="http://schemas.microsoft.com/office/drawing/2014/main" id="{CAB17AC9-1756-AF48-5B98-8EEBE94900DF}"/>
+              </a:ext>
+            </a:extLst>
+          </p:cNvPr>
+          <p:cNvSpPr txBox="1"/>
+          <p:nvPr/>
+        </p:nvSpPr>
+        <p:spPr>
+          <a:xfrm>
+            <a:off x="10732852" y="442015"/>
+            <a:ext cx="785793" cy="276999"/>
+          </a:xfrm>
+          <a:prstGeom prst="rect">
+            <a:avLst/>
+          </a:prstGeom>
+          <a:noFill/>
+          <a:ln>
+            <a:noFill/>
+          </a:ln>
+        </p:spPr>
+        <p:txBody>
+          <a:bodyPr wrap="none" rtlCol="0">
+            <a:spAutoFit/>
+          </a:bodyPr>
+          <a:lstStyle/>
+          <a:p>
+            <a:r>
+              <a:rPr kumimoji="1" lang="ja-JP" altLang="en-US" sz="1200" dirty="0">
+                <a:latin typeface="BIZ UDPゴシック" panose="020B0400000000000000" pitchFamily="50" charset="-128"/>
+                <a:ea typeface="BIZ UDPゴシック" panose="020B0400000000000000" pitchFamily="50" charset="-128"/>
+              </a:rPr>
+              <a:t>：チャット</a:t>
+            </a:r>
+          </a:p>
+        </p:txBody>
+      </p:sp>
+      <p:sp>
+        <p:nvSpPr>
+          <p:cNvPr id="1030" name="テキスト ボックス 1029">
+            <a:extLst>
+              <a:ext uri="{FF2B5EF4-FFF2-40B4-BE49-F238E27FC236}">
+                <a16:creationId xmlns:a16="http://schemas.microsoft.com/office/drawing/2014/main" id="{63CC762E-C000-91B9-0BA2-4FCE7B3B6D6C}"/>
+              </a:ext>
+            </a:extLst>
+          </p:cNvPr>
+          <p:cNvSpPr txBox="1"/>
+          <p:nvPr/>
+        </p:nvSpPr>
+        <p:spPr>
+          <a:xfrm>
+            <a:off x="10732852" y="725771"/>
+            <a:ext cx="1112805" cy="276999"/>
+          </a:xfrm>
+          <a:prstGeom prst="rect">
+            <a:avLst/>
+          </a:prstGeom>
+          <a:noFill/>
+          <a:ln>
+            <a:noFill/>
+          </a:ln>
+        </p:spPr>
+        <p:txBody>
+          <a:bodyPr wrap="none" rtlCol="0">
+            <a:spAutoFit/>
+          </a:bodyPr>
+          <a:lstStyle/>
+          <a:p>
+            <a:r>
+              <a:rPr kumimoji="1" lang="ja-JP" altLang="en-US" sz="1200" dirty="0">
+                <a:latin typeface="BIZ UDPゴシック" panose="020B0400000000000000" pitchFamily="50" charset="-128"/>
+                <a:ea typeface="BIZ UDPゴシック" panose="020B0400000000000000" pitchFamily="50" charset="-128"/>
+              </a:rPr>
+              <a:t>：メンテナンス</a:t>
+            </a:r>
+          </a:p>
+        </p:txBody>
+      </p:sp>
+      <p:sp>
+        <p:nvSpPr>
+          <p:cNvPr id="1039" name="テキスト ボックス 1038">
+            <a:extLst>
+              <a:ext uri="{FF2B5EF4-FFF2-40B4-BE49-F238E27FC236}">
+                <a16:creationId xmlns:a16="http://schemas.microsoft.com/office/drawing/2014/main" id="{744D83ED-84C6-A070-4193-94BB8EDD1948}"/>
+              </a:ext>
+            </a:extLst>
+          </p:cNvPr>
+          <p:cNvSpPr txBox="1"/>
+          <p:nvPr/>
+        </p:nvSpPr>
+        <p:spPr>
+          <a:xfrm>
+            <a:off x="9696450" y="267830"/>
+            <a:ext cx="492443" cy="276999"/>
+          </a:xfrm>
+          <a:prstGeom prst="rect">
+            <a:avLst/>
+          </a:prstGeom>
+          <a:noFill/>
+          <a:ln>
+            <a:noFill/>
+          </a:ln>
+        </p:spPr>
+        <p:txBody>
+          <a:bodyPr wrap="none" rtlCol="0">
+            <a:spAutoFit/>
+          </a:bodyPr>
+          <a:lstStyle/>
+          <a:p>
+            <a:r>
+              <a:rPr lang="ja-JP" altLang="en-US" sz="1200" dirty="0">
+                <a:latin typeface="BIZ UDPゴシック" panose="020B0400000000000000" pitchFamily="50" charset="-128"/>
+                <a:ea typeface="BIZ UDPゴシック" panose="020B0400000000000000" pitchFamily="50" charset="-128"/>
+              </a:rPr>
+              <a:t>凡例</a:t>
+            </a:r>
+            <a:endParaRPr kumimoji="1" lang="ja-JP" altLang="en-US" sz="1200" dirty="0">
+              <a:latin typeface="BIZ UDPゴシック" panose="020B0400000000000000" pitchFamily="50" charset="-128"/>
+              <a:ea typeface="BIZ UDPゴシック" panose="020B0400000000000000" pitchFamily="50" charset="-128"/>
+            </a:endParaRPr>
+          </a:p>
+        </p:txBody>
+      </p:sp>
+    </p:spTree>
+    <p:extLst>
+      <p:ext uri="{BB962C8B-B14F-4D97-AF65-F5344CB8AC3E}">
+        <p14:creationId xmlns:p14="http://schemas.microsoft.com/office/powerpoint/2010/main" val="918432566"/>
+      </p:ext>
+    </p:extLst>
+  </p:cSld>
+  <p:clrMapOvr>
+    <a:masterClrMapping/>
+  </p:clrMapOvr>
+</p:sld>
+</file>
+
 <file path=ppt/theme/theme1.xml><?xml version="1.0" encoding="utf-8"?>
 <a:theme xmlns:a="http://schemas.openxmlformats.org/drawingml/2006/main" name="Office テーマ">
   <a:themeElements>
@@ -5155,4 +11092,319 @@
     </a:ext>
   </a:extLst>
 </a:theme>
+</file>
+
+<file path=ppt/theme/theme2.xml><?xml version="1.0" encoding="utf-8"?>
+<a:theme xmlns:a="http://schemas.openxmlformats.org/drawingml/2006/main" name="Office テーマ">
+  <a:themeElements>
+    <a:clrScheme name="Office">
+      <a:dk1>
+        <a:sysClr val="windowText" lastClr="000000"/>
+      </a:dk1>
+      <a:lt1>
+        <a:sysClr val="window" lastClr="FFFFFF"/>
+      </a:lt1>
+      <a:dk2>
+        <a:srgbClr val="0E2841"/>
+      </a:dk2>
+      <a:lt2>
+        <a:srgbClr val="E8E8E8"/>
+      </a:lt2>
+      <a:accent1>
+        <a:srgbClr val="156082"/>
+      </a:accent1>
+      <a:accent2>
+        <a:srgbClr val="E97132"/>
+      </a:accent2>
+      <a:accent3>
+        <a:srgbClr val="196B24"/>
+      </a:accent3>
+      <a:accent4>
+        <a:srgbClr val="0F9ED5"/>
+      </a:accent4>
+      <a:accent5>
+        <a:srgbClr val="A02B93"/>
+      </a:accent5>
+      <a:accent6>
+        <a:srgbClr val="4EA72E"/>
+      </a:accent6>
+      <a:hlink>
+        <a:srgbClr val="467886"/>
+      </a:hlink>
+      <a:folHlink>
+        <a:srgbClr val="96607D"/>
+      </a:folHlink>
+    </a:clrScheme>
+    <a:fontScheme name="Office">
+      <a:majorFont>
+        <a:latin typeface="游ゴシック Light" panose="02110004020202020204"/>
+        <a:ea typeface=""/>
+        <a:cs typeface=""/>
+        <a:font script="Jpan" typeface="游ゴシック Light"/>
+        <a:font script="Hang" typeface="맑은 고딕"/>
+        <a:font script="Hans" typeface="等线 Light"/>
+        <a:font script="Hant" typeface="新細明體"/>
+        <a:font script="Arab" typeface="Times New Roman"/>
+        <a:font script="Hebr" typeface="Times New Roman"/>
+        <a:font script="Thai" typeface="Angsana New"/>
+        <a:font script="Ethi" typeface="Nyala"/>
+        <a:font script="Beng" typeface="Vrinda"/>
+        <a:font script="Gujr" typeface="Shruti"/>
+        <a:font script="Khmr" typeface="MoolBoran"/>
+        <a:font script="Knda" typeface="Tunga"/>
+        <a:font script="Guru" typeface="Raavi"/>
+        <a:font script="Cans" typeface="Euphemia"/>
+        <a:font script="Cher" typeface="Plantagenet Cherokee"/>
+        <a:font script="Yiii" typeface="Microsoft Yi Baiti"/>
+        <a:font script="Tibt" typeface="Microsoft Himalaya"/>
+        <a:font script="Thaa" typeface="MV Boli"/>
+        <a:font script="Deva" typeface="Mangal"/>
+        <a:font script="Telu" typeface="Gautami"/>
+        <a:font script="Taml" typeface="Latha"/>
+        <a:font script="Syrc" typeface="Estrangelo Edessa"/>
+        <a:font script="Orya" typeface="Kalinga"/>
+        <a:font script="Mlym" typeface="Kartika"/>
+        <a:font script="Laoo" typeface="DokChampa"/>
+        <a:font script="Sinh" typeface="Iskoola Pota"/>
+        <a:font script="Mong" typeface="Mongolian Baiti"/>
+        <a:font script="Viet" typeface="Times New Roman"/>
+        <a:font script="Uigh" typeface="Microsoft Uighur"/>
+        <a:font script="Geor" typeface="Sylfaen"/>
+        <a:font script="Armn" typeface="Arial"/>
+        <a:font script="Bugi" typeface="Leelawadee UI"/>
+        <a:font script="Bopo" typeface="Microsoft JhengHei"/>
+        <a:font script="Java" typeface="Javanese Text"/>
+        <a:font script="Lisu" typeface="Segoe UI"/>
+        <a:font script="Mymr" typeface="Myanmar Text"/>
+        <a:font script="Nkoo" typeface="Ebrima"/>
+        <a:font script="Olck" typeface="Nirmala UI"/>
+        <a:font script="Osma" typeface="Ebrima"/>
+        <a:font script="Phag" typeface="Phagspa"/>
+        <a:font script="Syrn" typeface="Estrangelo Edessa"/>
+        <a:font script="Syrj" typeface="Estrangelo Edessa"/>
+        <a:font script="Syre" typeface="Estrangelo Edessa"/>
+        <a:font script="Sora" typeface="Nirmala UI"/>
+        <a:font script="Tale" typeface="Microsoft Tai Le"/>
+        <a:font script="Talu" typeface="Microsoft New Tai Lue"/>
+        <a:font script="Tfng" typeface="Ebrima"/>
+      </a:majorFont>
+      <a:minorFont>
+        <a:latin typeface="游ゴシック" panose="02110004020202020204"/>
+        <a:ea typeface=""/>
+        <a:cs typeface=""/>
+        <a:font script="Jpan" typeface="游ゴシック"/>
+        <a:font script="Hang" typeface="맑은 고딕"/>
+        <a:font script="Hans" typeface="等线"/>
+        <a:font script="Hant" typeface="新細明體"/>
+        <a:font script="Arab" typeface="Arial"/>
+        <a:font script="Hebr" typeface="Arial"/>
+        <a:font script="Thai" typeface="Cordia New"/>
+        <a:font script="Ethi" typeface="Nyala"/>
+        <a:font script="Beng" typeface="Vrinda"/>
+        <a:font script="Gujr" typeface="Shruti"/>
+        <a:font script="Khmr" typeface="DaunPenh"/>
+        <a:font script="Knda" typeface="Tunga"/>
+        <a:font script="Guru" typeface="Raavi"/>
+        <a:font script="Cans" typeface="Euphemia"/>
+        <a:font script="Cher" typeface="Plantagenet Cherokee"/>
+        <a:font script="Yiii" typeface="Microsoft Yi Baiti"/>
+        <a:font script="Tibt" typeface="Microsoft Himalaya"/>
+        <a:font script="Thaa" typeface="MV Boli"/>
+        <a:font script="Deva" typeface="Mangal"/>
+        <a:font script="Telu" typeface="Gautami"/>
+        <a:font script="Taml" typeface="Latha"/>
+        <a:font script="Syrc" typeface="Estrangelo Edessa"/>
+        <a:font script="Orya" typeface="Kalinga"/>
+        <a:font script="Mlym" typeface="Kartika"/>
+        <a:font script="Laoo" typeface="DokChampa"/>
+        <a:font script="Sinh" typeface="Iskoola Pota"/>
+        <a:font script="Mong" typeface="Mongolian Baiti"/>
+        <a:font script="Viet" typeface="Arial"/>
+        <a:font script="Uigh" typeface="Microsoft Uighur"/>
+        <a:font script="Geor" typeface="Sylfaen"/>
+        <a:font script="Armn" typeface="Arial"/>
+        <a:font script="Bugi" typeface="Leelawadee UI"/>
+        <a:font script="Bopo" typeface="Microsoft JhengHei"/>
+        <a:font script="Java" typeface="Javanese Text"/>
+        <a:font script="Lisu" typeface="Segoe UI"/>
+        <a:font script="Mymr" typeface="Myanmar Text"/>
+        <a:font script="Nkoo" typeface="Ebrima"/>
+        <a:font script="Olck" typeface="Nirmala UI"/>
+        <a:font script="Osma" typeface="Ebrima"/>
+        <a:font script="Phag" typeface="Phagspa"/>
+        <a:font script="Syrn" typeface="Estrangelo Edessa"/>
+        <a:font script="Syrj" typeface="Estrangelo Edessa"/>
+        <a:font script="Syre" typeface="Estrangelo Edessa"/>
+        <a:font script="Sora" typeface="Nirmala UI"/>
+        <a:font script="Tale" typeface="Microsoft Tai Le"/>
+        <a:font script="Talu" typeface="Microsoft New Tai Lue"/>
+        <a:font script="Tfng" typeface="Ebrima"/>
+      </a:minorFont>
+    </a:fontScheme>
+    <a:fmtScheme name="Office">
+      <a:fillStyleLst>
+        <a:solidFill>
+          <a:schemeClr val="phClr"/>
+        </a:solidFill>
+        <a:gradFill rotWithShape="1">
+          <a:gsLst>
+            <a:gs pos="0">
+              <a:schemeClr val="phClr">
+                <a:lumMod val="110000"/>
+                <a:satMod val="105000"/>
+                <a:tint val="67000"/>
+              </a:schemeClr>
+            </a:gs>
+            <a:gs pos="50000">
+              <a:schemeClr val="phClr">
+                <a:lumMod val="105000"/>
+                <a:satMod val="103000"/>
+                <a:tint val="73000"/>
+              </a:schemeClr>
+            </a:gs>
+            <a:gs pos="100000">
+              <a:schemeClr val="phClr">
+                <a:lumMod val="105000"/>
+                <a:satMod val="109000"/>
+                <a:tint val="81000"/>
+              </a:schemeClr>
+            </a:gs>
+          </a:gsLst>
+          <a:lin ang="5400000" scaled="0"/>
+        </a:gradFill>
+        <a:gradFill rotWithShape="1">
+          <a:gsLst>
+            <a:gs pos="0">
+              <a:schemeClr val="phClr">
+                <a:satMod val="103000"/>
+                <a:lumMod val="102000"/>
+                <a:tint val="94000"/>
+              </a:schemeClr>
+            </a:gs>
+            <a:gs pos="50000">
+              <a:schemeClr val="phClr">
+                <a:satMod val="110000"/>
+                <a:lumMod val="100000"/>
+                <a:shade val="100000"/>
+              </a:schemeClr>
+            </a:gs>
+            <a:gs pos="100000">
+              <a:schemeClr val="phClr">
+                <a:lumMod val="99000"/>
+                <a:satMod val="120000"/>
+                <a:shade val="78000"/>
+              </a:schemeClr>
+            </a:gs>
+          </a:gsLst>
+          <a:lin ang="5400000" scaled="0"/>
+        </a:gradFill>
+      </a:fillStyleLst>
+      <a:lnStyleLst>
+        <a:ln w="12700" cap="flat" cmpd="sng" algn="ctr">
+          <a:solidFill>
+            <a:schemeClr val="phClr"/>
+          </a:solidFill>
+          <a:prstDash val="solid"/>
+          <a:miter lim="800000"/>
+        </a:ln>
+        <a:ln w="19050" cap="flat" cmpd="sng" algn="ctr">
+          <a:solidFill>
+            <a:schemeClr val="phClr"/>
+          </a:solidFill>
+          <a:prstDash val="solid"/>
+          <a:miter lim="800000"/>
+        </a:ln>
+        <a:ln w="25400" cap="flat" cmpd="sng" algn="ctr">
+          <a:solidFill>
+            <a:schemeClr val="phClr"/>
+          </a:solidFill>
+          <a:prstDash val="solid"/>
+          <a:miter lim="800000"/>
+        </a:ln>
+      </a:lnStyleLst>
+      <a:effectStyleLst>
+        <a:effectStyle>
+          <a:effectLst/>
+        </a:effectStyle>
+        <a:effectStyle>
+          <a:effectLst/>
+        </a:effectStyle>
+        <a:effectStyle>
+          <a:effectLst>
+            <a:outerShdw blurRad="57150" dist="19050" dir="5400000" algn="ctr" rotWithShape="0">
+              <a:srgbClr val="000000">
+                <a:alpha val="63000"/>
+              </a:srgbClr>
+            </a:outerShdw>
+          </a:effectLst>
+        </a:effectStyle>
+      </a:effectStyleLst>
+      <a:bgFillStyleLst>
+        <a:solidFill>
+          <a:schemeClr val="phClr"/>
+        </a:solidFill>
+        <a:solidFill>
+          <a:schemeClr val="phClr">
+            <a:tint val="95000"/>
+            <a:satMod val="170000"/>
+          </a:schemeClr>
+        </a:solidFill>
+        <a:gradFill rotWithShape="1">
+          <a:gsLst>
+            <a:gs pos="0">
+              <a:schemeClr val="phClr">
+                <a:tint val="93000"/>
+                <a:satMod val="150000"/>
+                <a:shade val="98000"/>
+                <a:lumMod val="102000"/>
+              </a:schemeClr>
+            </a:gs>
+            <a:gs pos="50000">
+              <a:schemeClr val="phClr">
+                <a:tint val="98000"/>
+                <a:satMod val="130000"/>
+                <a:shade val="90000"/>
+                <a:lumMod val="103000"/>
+              </a:schemeClr>
+            </a:gs>
+            <a:gs pos="100000">
+              <a:schemeClr val="phClr">
+                <a:shade val="63000"/>
+                <a:satMod val="120000"/>
+              </a:schemeClr>
+            </a:gs>
+          </a:gsLst>
+          <a:lin ang="5400000" scaled="0"/>
+        </a:gradFill>
+      </a:bgFillStyleLst>
+    </a:fmtScheme>
+  </a:themeElements>
+  <a:objectDefaults>
+    <a:lnDef>
+      <a:spPr/>
+      <a:bodyPr/>
+      <a:lstStyle/>
+      <a:style>
+        <a:lnRef idx="2">
+          <a:schemeClr val="accent1"/>
+        </a:lnRef>
+        <a:fillRef idx="0">
+          <a:schemeClr val="accent1"/>
+        </a:fillRef>
+        <a:effectRef idx="1">
+          <a:schemeClr val="accent1"/>
+        </a:effectRef>
+        <a:fontRef idx="minor">
+          <a:schemeClr val="tx1"/>
+        </a:fontRef>
+      </a:style>
+    </a:lnDef>
+  </a:objectDefaults>
+  <a:extraClrSchemeLst/>
+  <a:extLst>
+    <a:ext uri="{05A4C25C-085E-4340-85A3-A5531E510DB2}">
+      <thm15:themeFamily xmlns:thm15="http://schemas.microsoft.com/office/thememl/2012/main" name="Office Theme" id="{2E142A2C-CD16-42D6-873A-C26D2A0506FA}" vid="{1BDDFF52-6CD6-40A5-AB3C-68EB2F1E4D0A}"/>
+    </a:ext>
+  </a:extLst>
+</a:theme>
 </file>